--- a/doc/BunCommon.pptx
+++ b/doc/BunCommon.pptx
@@ -40,6 +40,20 @@
     <p:sldId id="264" r:id="rId34"/>
     <p:sldId id="271" r:id="rId35"/>
     <p:sldId id="274" r:id="rId36"/>
+    <p:sldId id="300" r:id="rId37"/>
+    <p:sldId id="302" r:id="rId38"/>
+    <p:sldId id="304" r:id="rId39"/>
+    <p:sldId id="306" r:id="rId40"/>
+    <p:sldId id="308" r:id="rId41"/>
+    <p:sldId id="309" r:id="rId42"/>
+    <p:sldId id="307" r:id="rId43"/>
+    <p:sldId id="310" r:id="rId44"/>
+    <p:sldId id="311" r:id="rId45"/>
+    <p:sldId id="312" r:id="rId46"/>
+    <p:sldId id="314" r:id="rId47"/>
+    <p:sldId id="315" r:id="rId48"/>
+    <p:sldId id="305" r:id="rId49"/>
+    <p:sldId id="303" r:id="rId50"/>
   </p:sldIdLst>
   <p:sldSz cx="9144000" cy="6858000" type="screen4x3"/>
   <p:notesSz cx="6858000" cy="9144000"/>
@@ -334,7 +348,7 @@
           <a:p>
             <a:fld id="{F34E49CD-D61E-B24E-BD9E-A07C02136E85}" type="datetimeFigureOut">
               <a:rPr kumimoji="1" lang="ja-JP" altLang="en-US" smtClean="0"/>
-              <a:t>6/26/14</a:t>
+              <a:t>2014/07/02</a:t>
             </a:fld>
             <a:endParaRPr kumimoji="1" lang="ja-JP" altLang="en-US"/>
           </a:p>
@@ -622,7 +636,7 @@
           <a:p>
             <a:fld id="{F34E49CD-D61E-B24E-BD9E-A07C02136E85}" type="datetimeFigureOut">
               <a:rPr kumimoji="1" lang="ja-JP" altLang="en-US" smtClean="0"/>
-              <a:t>6/26/14</a:t>
+              <a:t>2014/07/02</a:t>
             </a:fld>
             <a:endParaRPr kumimoji="1" lang="ja-JP" altLang="en-US"/>
           </a:p>
@@ -829,7 +843,7 @@
           <a:p>
             <a:fld id="{F34E49CD-D61E-B24E-BD9E-A07C02136E85}" type="datetimeFigureOut">
               <a:rPr kumimoji="1" lang="ja-JP" altLang="en-US" smtClean="0"/>
-              <a:t>6/26/14</a:t>
+              <a:t>2014/07/02</a:t>
             </a:fld>
             <a:endParaRPr kumimoji="1" lang="ja-JP" altLang="en-US"/>
           </a:p>
@@ -1026,7 +1040,7 @@
           <a:p>
             <a:fld id="{F34E49CD-D61E-B24E-BD9E-A07C02136E85}" type="datetimeFigureOut">
               <a:rPr kumimoji="1" lang="ja-JP" altLang="en-US" smtClean="0"/>
-              <a:t>6/26/14</a:t>
+              <a:t>2014/07/02</a:t>
             </a:fld>
             <a:endParaRPr kumimoji="1" lang="ja-JP" altLang="en-US"/>
           </a:p>
@@ -1275,7 +1289,7 @@
           <a:p>
             <a:fld id="{F34E49CD-D61E-B24E-BD9E-A07C02136E85}" type="datetimeFigureOut">
               <a:rPr kumimoji="1" lang="ja-JP" altLang="en-US" smtClean="0"/>
-              <a:t>6/26/14</a:t>
+              <a:t>2014/07/02</a:t>
             </a:fld>
             <a:endParaRPr kumimoji="1" lang="ja-JP" altLang="en-US"/>
           </a:p>
@@ -1622,7 +1636,7 @@
           <a:p>
             <a:fld id="{F34E49CD-D61E-B24E-BD9E-A07C02136E85}" type="datetimeFigureOut">
               <a:rPr kumimoji="1" lang="ja-JP" altLang="en-US" smtClean="0"/>
-              <a:t>6/26/14</a:t>
+              <a:t>2014/07/02</a:t>
             </a:fld>
             <a:endParaRPr kumimoji="1" lang="ja-JP" altLang="en-US"/>
           </a:p>
@@ -2125,7 +2139,7 @@
           <a:p>
             <a:fld id="{F34E49CD-D61E-B24E-BD9E-A07C02136E85}" type="datetimeFigureOut">
               <a:rPr kumimoji="1" lang="ja-JP" altLang="en-US" smtClean="0"/>
-              <a:t>6/26/14</a:t>
+              <a:t>2014/07/02</a:t>
             </a:fld>
             <a:endParaRPr kumimoji="1" lang="ja-JP" altLang="en-US"/>
           </a:p>
@@ -2238,7 +2252,7 @@
           <a:p>
             <a:fld id="{F34E49CD-D61E-B24E-BD9E-A07C02136E85}" type="datetimeFigureOut">
               <a:rPr kumimoji="1" lang="ja-JP" altLang="en-US" smtClean="0"/>
-              <a:t>6/26/14</a:t>
+              <a:t>2014/07/02</a:t>
             </a:fld>
             <a:endParaRPr kumimoji="1" lang="ja-JP" altLang="en-US"/>
           </a:p>
@@ -2328,7 +2342,7 @@
           <a:p>
             <a:fld id="{F34E49CD-D61E-B24E-BD9E-A07C02136E85}" type="datetimeFigureOut">
               <a:rPr kumimoji="1" lang="ja-JP" altLang="en-US" smtClean="0"/>
-              <a:t>6/26/14</a:t>
+              <a:t>2014/07/02</a:t>
             </a:fld>
             <a:endParaRPr kumimoji="1" lang="ja-JP" altLang="en-US"/>
           </a:p>
@@ -2602,7 +2616,7 @@
           <a:p>
             <a:fld id="{F34E49CD-D61E-B24E-BD9E-A07C02136E85}" type="datetimeFigureOut">
               <a:rPr kumimoji="1" lang="ja-JP" altLang="en-US" smtClean="0"/>
-              <a:t>6/26/14</a:t>
+              <a:t>2014/07/02</a:t>
             </a:fld>
             <a:endParaRPr kumimoji="1" lang="ja-JP" altLang="en-US"/>
           </a:p>
@@ -2896,7 +2910,7 @@
           <a:p>
             <a:fld id="{F34E49CD-D61E-B24E-BD9E-A07C02136E85}" type="datetimeFigureOut">
               <a:rPr kumimoji="1" lang="ja-JP" altLang="en-US" smtClean="0"/>
-              <a:t>6/26/14</a:t>
+              <a:t>2014/07/02</a:t>
             </a:fld>
             <a:endParaRPr kumimoji="1" lang="ja-JP" altLang="en-US"/>
           </a:p>
@@ -3222,7 +3236,7 @@
           <a:p>
             <a:fld id="{F34E49CD-D61E-B24E-BD9E-A07C02136E85}" type="datetimeFigureOut">
               <a:rPr kumimoji="1" lang="ja-JP" altLang="en-US" smtClean="0"/>
-              <a:t>6/26/14</a:t>
+              <a:t>2014/07/02</a:t>
             </a:fld>
             <a:endParaRPr kumimoji="1" lang="ja-JP" altLang="en-US"/>
           </a:p>
@@ -3715,11 +3729,7 @@
           <a:p>
             <a:r>
               <a:rPr lang="en-US" altLang="ja-JP" dirty="0" smtClean="0"/>
-              <a:t>Bun </a:t>
-            </a:r>
-            <a:r>
-              <a:rPr lang="en-US" altLang="ja-JP" dirty="0" smtClean="0"/>
-              <a:t>Common </a:t>
+              <a:t>Bun Common </a:t>
             </a:r>
             <a:r>
               <a:rPr lang="ja-JP" altLang="en-US" dirty="0" smtClean="0"/>
@@ -5313,10 +5323,6 @@
               </a:rPr>
               <a:t>(name, type, value)</a:t>
             </a:r>
-            <a:endParaRPr lang="en-US" altLang="ja-JP" dirty="0" smtClean="0">
-              <a:latin typeface="Consolas"/>
-              <a:cs typeface="Consolas"/>
-            </a:endParaRPr>
           </a:p>
           <a:p>
             <a:r>
@@ -6575,19 +6581,7 @@
             </a:r>
             <a:r>
               <a:rPr lang="ja-JP" altLang="en-US" dirty="0" smtClean="0"/>
-              <a:t>の</a:t>
-            </a:r>
-            <a:r>
-              <a:rPr lang="ja-JP" altLang="en-US" dirty="0" smtClean="0"/>
-              <a:t>タグ</a:t>
-            </a:r>
-            <a:r>
-              <a:rPr lang="ja-JP" altLang="en-US" dirty="0" smtClean="0"/>
-              <a:t>の</a:t>
-            </a:r>
-            <a:r>
-              <a:rPr lang="ja-JP" altLang="en-US" dirty="0" smtClean="0"/>
-              <a:t>共通化を図る</a:t>
+              <a:t>のタグの共通化を図る</a:t>
             </a:r>
             <a:endParaRPr lang="en-US" altLang="ja-JP" dirty="0" smtClean="0"/>
           </a:p>
@@ -6639,19 +6633,7 @@
           <a:p>
             <a:r>
               <a:rPr lang="ja-JP" altLang="en-US" dirty="0" smtClean="0"/>
-              <a:t>共通</a:t>
-            </a:r>
-            <a:r>
-              <a:rPr lang="ja-JP" altLang="en-US" dirty="0" smtClean="0"/>
-              <a:t>タグ</a:t>
-            </a:r>
-            <a:r>
-              <a:rPr lang="ja-JP" altLang="en-US" dirty="0" smtClean="0"/>
-              <a:t>以外</a:t>
-            </a:r>
-            <a:r>
-              <a:rPr lang="ja-JP" altLang="en-US" dirty="0" smtClean="0"/>
-              <a:t>は、必ず</a:t>
+              <a:t>共通タグ以外は、必ず</a:t>
             </a:r>
             <a:r>
               <a:rPr lang="en-US" altLang="ja-JP" dirty="0" smtClean="0"/>
@@ -6666,37 +6648,21 @@
           <a:p>
             <a:r>
               <a:rPr lang="ja-JP" altLang="en-US" dirty="0" smtClean="0"/>
-              <a:t>共通</a:t>
-            </a:r>
+              <a:t>共通タグ</a:t>
+            </a:r>
+            <a:r>
+              <a:rPr lang="en-US" altLang="ja-JP" dirty="0" smtClean="0"/>
+              <a:t>:   #L</a:t>
+            </a:r>
+          </a:p>
+          <a:p>
             <a:r>
               <a:rPr lang="ja-JP" altLang="en-US" dirty="0" smtClean="0"/>
-              <a:t>タグ</a:t>
+              <a:t>独自タグ</a:t>
             </a:r>
             <a:r>
               <a:rPr lang="en-US" altLang="ja-JP" dirty="0" smtClean="0"/>
-              <a:t>:   </a:t>
-            </a:r>
-            <a:r>
-              <a:rPr lang="en-US" altLang="ja-JP" dirty="0" smtClean="0"/>
-              <a:t>#L</a:t>
-            </a:r>
-          </a:p>
-          <a:p>
-            <a:r>
-              <a:rPr lang="ja-JP" altLang="en-US" dirty="0" smtClean="0"/>
-              <a:t>独自</a:t>
-            </a:r>
-            <a:r>
-              <a:rPr lang="ja-JP" altLang="en-US" dirty="0" smtClean="0"/>
-              <a:t>タグ</a:t>
-            </a:r>
-            <a:r>
-              <a:rPr lang="en-US" altLang="ja-JP" dirty="0" smtClean="0"/>
-              <a:t>:   </a:t>
-            </a:r>
-            <a:r>
-              <a:rPr lang="en-US" altLang="ja-JP" dirty="0" smtClean="0"/>
-              <a:t>#</a:t>
+              <a:t>:   #</a:t>
             </a:r>
             <a:r>
               <a:rPr lang="en-US" altLang="ja-JP" dirty="0" err="1" smtClean="0"/>
@@ -11383,6 +11349,3364 @@
 </p:sld>
 </file>
 
+<file path=ppt/slides/slide36.xml><?xml version="1.0" encoding="utf-8"?>
+<p:sld xmlns:a="http://schemas.openxmlformats.org/drawingml/2006/main" xmlns:r="http://schemas.openxmlformats.org/officeDocument/2006/relationships" xmlns:p="http://schemas.openxmlformats.org/presentationml/2006/main">
+  <p:cSld>
+    <p:spTree>
+      <p:nvGrpSpPr>
+        <p:cNvPr id="1" name=""/>
+        <p:cNvGrpSpPr/>
+        <p:nvPr/>
+      </p:nvGrpSpPr>
+      <p:grpSpPr>
+        <a:xfrm>
+          <a:off x="0" y="0"/>
+          <a:ext cx="0" cy="0"/>
+          <a:chOff x="0" y="0"/>
+          <a:chExt cx="0" cy="0"/>
+        </a:xfrm>
+      </p:grpSpPr>
+      <p:sp>
+        <p:nvSpPr>
+          <p:cNvPr id="2" name="タイトル 1"/>
+          <p:cNvSpPr>
+            <a:spLocks noGrp="1"/>
+          </p:cNvSpPr>
+          <p:nvPr>
+            <p:ph type="title"/>
+          </p:nvPr>
+        </p:nvSpPr>
+        <p:spPr/>
+        <p:txBody>
+          <a:bodyPr/>
+          <a:lstStyle/>
+          <a:p>
+            <a:r>
+              <a:rPr kumimoji="1" lang="en-US" altLang="ja-JP" dirty="0" smtClean="0"/>
+              <a:t>C</a:t>
+            </a:r>
+            <a:r>
+              <a:rPr kumimoji="1" lang="ja-JP" altLang="en-US" dirty="0" smtClean="0"/>
+              <a:t>言語</a:t>
+            </a:r>
+            <a:r>
+              <a:rPr lang="en-US" altLang="ja-JP" dirty="0" smtClean="0"/>
+              <a:t> AST </a:t>
+            </a:r>
+            <a:r>
+              <a:rPr lang="ja-JP" altLang="en-US" dirty="0" smtClean="0"/>
+              <a:t>共通</a:t>
+            </a:r>
+            <a:r>
+              <a:rPr kumimoji="1" lang="ja-JP" altLang="en-US" dirty="0" smtClean="0"/>
+              <a:t>ラベル一覧</a:t>
+            </a:r>
+            <a:r>
+              <a:rPr lang="en-US" altLang="ja-JP" dirty="0" smtClean="0"/>
+              <a:t>(</a:t>
+            </a:r>
+            <a:r>
+              <a:rPr lang="en-US" altLang="ja-JP" dirty="0"/>
+              <a:t>1/2)</a:t>
+            </a:r>
+            <a:endParaRPr kumimoji="1" lang="ja-JP" altLang="en-US" dirty="0"/>
+          </a:p>
+        </p:txBody>
+      </p:sp>
+      <p:sp>
+        <p:nvSpPr>
+          <p:cNvPr id="4" name="コンテンツ プレースホルダー 2"/>
+          <p:cNvSpPr>
+            <a:spLocks noGrp="1"/>
+          </p:cNvSpPr>
+          <p:nvPr>
+            <p:ph idx="1"/>
+          </p:nvPr>
+        </p:nvSpPr>
+        <p:spPr>
+          <a:xfrm>
+            <a:off x="457200" y="1083532"/>
+            <a:ext cx="4122084" cy="5393469"/>
+          </a:xfrm>
+        </p:spPr>
+        <p:txBody>
+          <a:bodyPr>
+            <a:normAutofit/>
+          </a:bodyPr>
+          <a:lstStyle/>
+          <a:p>
+            <a:pPr marL="342900" indent="-342900">
+              <a:buFont typeface="Arial"/>
+              <a:buChar char="•"/>
+            </a:pPr>
+            <a:r>
+              <a:rPr lang="ja-JP" altLang="en-US" dirty="0" smtClean="0"/>
+              <a:t>値</a:t>
+            </a:r>
+            <a:endParaRPr lang="en-US" altLang="ja-JP" dirty="0" smtClean="0"/>
+          </a:p>
+          <a:p>
+            <a:pPr marL="800100" lvl="1" indent="-342900">
+              <a:buFont typeface="Arial"/>
+              <a:buChar char="•"/>
+            </a:pPr>
+            <a:r>
+              <a:rPr lang="en-US" altLang="ja-JP" dirty="0" smtClean="0"/>
+              <a:t>Integer</a:t>
+            </a:r>
+            <a:endParaRPr lang="en-US" altLang="ja-JP" dirty="0" smtClean="0"/>
+          </a:p>
+          <a:p>
+            <a:pPr marL="800100" lvl="1" indent="-342900">
+              <a:buFont typeface="Arial"/>
+              <a:buChar char="•"/>
+            </a:pPr>
+            <a:r>
+              <a:rPr lang="en-US" altLang="ja-JP" dirty="0" smtClean="0"/>
+              <a:t>f</a:t>
+            </a:r>
+            <a:r>
+              <a:rPr kumimoji="1" lang="en-US" altLang="ja-JP" dirty="0" smtClean="0"/>
+              <a:t>loat</a:t>
+            </a:r>
+            <a:endParaRPr kumimoji="1" lang="en-US" altLang="ja-JP" dirty="0" smtClean="0"/>
+          </a:p>
+          <a:p>
+            <a:pPr marL="800100" lvl="1" indent="-342900">
+              <a:buFont typeface="Arial"/>
+              <a:buChar char="•"/>
+            </a:pPr>
+            <a:r>
+              <a:rPr lang="en-US" altLang="ja-JP" dirty="0" smtClean="0"/>
+              <a:t>string</a:t>
+            </a:r>
+            <a:endParaRPr lang="en-US" altLang="ja-JP" dirty="0" smtClean="0"/>
+          </a:p>
+          <a:p>
+            <a:pPr marL="800100" lvl="1" indent="-342900">
+              <a:buFont typeface="Arial"/>
+              <a:buChar char="•"/>
+            </a:pPr>
+            <a:r>
+              <a:rPr lang="en-US" altLang="ja-JP" dirty="0" smtClean="0"/>
+              <a:t>name </a:t>
+            </a:r>
+            <a:r>
+              <a:rPr lang="en-US" altLang="ja-JP" dirty="0" smtClean="0"/>
+              <a:t>(</a:t>
+            </a:r>
+            <a:r>
+              <a:rPr lang="ja-JP" altLang="en-US" dirty="0" smtClean="0"/>
+              <a:t>シンボル</a:t>
+            </a:r>
+            <a:r>
+              <a:rPr lang="en-US" altLang="ja-JP" dirty="0" smtClean="0"/>
+              <a:t>)</a:t>
+            </a:r>
+          </a:p>
+          <a:p>
+            <a:pPr marL="800100" lvl="1" indent="-342900">
+              <a:buFont typeface="Arial"/>
+              <a:buChar char="•"/>
+            </a:pPr>
+            <a:endParaRPr kumimoji="1" lang="en-US" altLang="ja-JP" dirty="0" smtClean="0"/>
+          </a:p>
+        </p:txBody>
+      </p:sp>
+      <p:sp>
+        <p:nvSpPr>
+          <p:cNvPr id="5" name="コンテンツ プレースホルダー 2"/>
+          <p:cNvSpPr txBox="1">
+            <a:spLocks/>
+          </p:cNvSpPr>
+          <p:nvPr/>
+        </p:nvSpPr>
+        <p:spPr>
+          <a:xfrm>
+            <a:off x="4579284" y="1083532"/>
+            <a:ext cx="4122084" cy="5393469"/>
+          </a:xfrm>
+          <a:prstGeom prst="rect">
+            <a:avLst/>
+          </a:prstGeom>
+        </p:spPr>
+        <p:txBody>
+          <a:bodyPr vert="horz" lIns="91440" tIns="45720" rIns="91440" bIns="45720" rtlCol="0">
+            <a:normAutofit/>
+          </a:bodyPr>
+          <a:lstStyle>
+            <a:lvl1pPr marL="0" indent="0" algn="l" defTabSz="914400" rtl="0" eaLnBrk="1" latinLnBrk="0" hangingPunct="1">
+              <a:spcBef>
+                <a:spcPct val="20000"/>
+              </a:spcBef>
+              <a:spcAft>
+                <a:spcPts val="600"/>
+              </a:spcAft>
+              <a:buFont typeface="Arial" pitchFamily="34" charset="0"/>
+              <a:buNone/>
+              <a:defRPr kumimoji="1" sz="2000" b="1" kern="1200">
+                <a:solidFill>
+                  <a:schemeClr val="tx1"/>
+                </a:solidFill>
+                <a:latin typeface="+mn-lt"/>
+                <a:ea typeface="+mn-ea"/>
+                <a:cs typeface="+mn-cs"/>
+              </a:defRPr>
+            </a:lvl1pPr>
+            <a:lvl2pPr marL="457200" indent="-182880" algn="l" defTabSz="914400" rtl="0" eaLnBrk="1" latinLnBrk="0" hangingPunct="1">
+              <a:spcBef>
+                <a:spcPct val="20000"/>
+              </a:spcBef>
+              <a:buClr>
+                <a:schemeClr val="tx2"/>
+              </a:buClr>
+              <a:buFont typeface="Arial" pitchFamily="34" charset="0"/>
+              <a:buChar char="•"/>
+              <a:defRPr kumimoji="1" sz="2000" kern="1200">
+                <a:solidFill>
+                  <a:schemeClr val="tx1"/>
+                </a:solidFill>
+                <a:latin typeface="+mn-lt"/>
+                <a:ea typeface="+mn-ea"/>
+                <a:cs typeface="+mn-cs"/>
+              </a:defRPr>
+            </a:lvl2pPr>
+            <a:lvl3pPr marL="1143000" indent="-228600" algn="l" defTabSz="914400" rtl="0" eaLnBrk="1" latinLnBrk="0" hangingPunct="1">
+              <a:spcBef>
+                <a:spcPct val="20000"/>
+              </a:spcBef>
+              <a:buClr>
+                <a:schemeClr val="tx2"/>
+              </a:buClr>
+              <a:buFont typeface="Arial" pitchFamily="34" charset="0"/>
+              <a:buChar char="•"/>
+              <a:defRPr kumimoji="1" sz="1800" kern="1200">
+                <a:solidFill>
+                  <a:schemeClr val="tx1"/>
+                </a:solidFill>
+                <a:latin typeface="+mn-lt"/>
+                <a:ea typeface="+mn-ea"/>
+                <a:cs typeface="+mn-cs"/>
+              </a:defRPr>
+            </a:lvl3pPr>
+            <a:lvl4pPr marL="1600200" indent="-228600" algn="l" defTabSz="914400" rtl="0" eaLnBrk="1" latinLnBrk="0" hangingPunct="1">
+              <a:spcBef>
+                <a:spcPct val="20000"/>
+              </a:spcBef>
+              <a:buClr>
+                <a:schemeClr val="tx2"/>
+              </a:buClr>
+              <a:buFont typeface="Arial" pitchFamily="34" charset="0"/>
+              <a:buChar char="•"/>
+              <a:defRPr kumimoji="1" sz="1800" kern="1200">
+                <a:solidFill>
+                  <a:schemeClr val="tx1"/>
+                </a:solidFill>
+                <a:latin typeface="+mn-lt"/>
+                <a:ea typeface="+mn-ea"/>
+                <a:cs typeface="+mn-cs"/>
+              </a:defRPr>
+            </a:lvl4pPr>
+            <a:lvl5pPr marL="2057400" indent="-228600" algn="l" defTabSz="914400" rtl="0" eaLnBrk="1" latinLnBrk="0" hangingPunct="1">
+              <a:spcBef>
+                <a:spcPct val="20000"/>
+              </a:spcBef>
+              <a:buClr>
+                <a:schemeClr val="tx2"/>
+              </a:buClr>
+              <a:buFont typeface="Arial" pitchFamily="34" charset="0"/>
+              <a:buChar char="•"/>
+              <a:defRPr kumimoji="1" sz="1800" kern="1200" baseline="0">
+                <a:solidFill>
+                  <a:schemeClr val="tx1"/>
+                </a:solidFill>
+                <a:latin typeface="+mn-lt"/>
+                <a:ea typeface="+mn-ea"/>
+                <a:cs typeface="+mn-cs"/>
+              </a:defRPr>
+            </a:lvl5pPr>
+            <a:lvl6pPr marL="2514600" indent="-228600" algn="l" defTabSz="914400" rtl="0" eaLnBrk="1" latinLnBrk="0" hangingPunct="1">
+              <a:spcBef>
+                <a:spcPct val="20000"/>
+              </a:spcBef>
+              <a:buClr>
+                <a:schemeClr val="tx2"/>
+              </a:buClr>
+              <a:buFont typeface="Arial" pitchFamily="34" charset="0"/>
+              <a:buChar char="•"/>
+              <a:defRPr kumimoji="1" sz="1600" kern="1200">
+                <a:solidFill>
+                  <a:schemeClr val="tx1"/>
+                </a:solidFill>
+                <a:latin typeface="+mn-lt"/>
+                <a:ea typeface="+mn-ea"/>
+                <a:cs typeface="+mn-cs"/>
+              </a:defRPr>
+            </a:lvl6pPr>
+            <a:lvl7pPr marL="2971800" indent="-228600" algn="l" defTabSz="914400" rtl="0" eaLnBrk="1" latinLnBrk="0" hangingPunct="1">
+              <a:spcBef>
+                <a:spcPct val="20000"/>
+              </a:spcBef>
+              <a:buClr>
+                <a:schemeClr val="tx2"/>
+              </a:buClr>
+              <a:buFont typeface="Arial" pitchFamily="34" charset="0"/>
+              <a:buChar char="•"/>
+              <a:defRPr kumimoji="1" sz="1600" kern="1200">
+                <a:solidFill>
+                  <a:schemeClr val="tx1"/>
+                </a:solidFill>
+                <a:latin typeface="+mn-lt"/>
+                <a:ea typeface="+mn-ea"/>
+                <a:cs typeface="+mn-cs"/>
+              </a:defRPr>
+            </a:lvl7pPr>
+            <a:lvl8pPr marL="3429000" indent="-228600" algn="l" defTabSz="914400" rtl="0" eaLnBrk="1" latinLnBrk="0" hangingPunct="1">
+              <a:spcBef>
+                <a:spcPct val="20000"/>
+              </a:spcBef>
+              <a:buClr>
+                <a:schemeClr val="tx2"/>
+              </a:buClr>
+              <a:buFont typeface="Arial" pitchFamily="34" charset="0"/>
+              <a:buChar char="•"/>
+              <a:defRPr kumimoji="1" sz="1600" kern="1200">
+                <a:solidFill>
+                  <a:schemeClr val="tx1"/>
+                </a:solidFill>
+                <a:latin typeface="+mn-lt"/>
+                <a:ea typeface="+mn-ea"/>
+                <a:cs typeface="+mn-cs"/>
+              </a:defRPr>
+            </a:lvl8pPr>
+            <a:lvl9pPr marL="3886200" indent="-228600" algn="l" defTabSz="914400" rtl="0" eaLnBrk="1" latinLnBrk="0" hangingPunct="1">
+              <a:spcBef>
+                <a:spcPct val="20000"/>
+              </a:spcBef>
+              <a:buClr>
+                <a:schemeClr val="tx2"/>
+              </a:buClr>
+              <a:buFont typeface="Arial" pitchFamily="34" charset="0"/>
+              <a:buChar char="•"/>
+              <a:defRPr kumimoji="1" sz="1600" kern="1200">
+                <a:solidFill>
+                  <a:schemeClr val="tx1"/>
+                </a:solidFill>
+                <a:latin typeface="+mn-lt"/>
+                <a:ea typeface="+mn-ea"/>
+                <a:cs typeface="+mn-cs"/>
+              </a:defRPr>
+            </a:lvl9pPr>
+          </a:lstStyle>
+          <a:p>
+            <a:pPr marL="342900" indent="-342900">
+              <a:buFont typeface="Arial"/>
+              <a:buChar char="•"/>
+            </a:pPr>
+            <a:r>
+              <a:rPr lang="ja-JP" altLang="en-US" dirty="0"/>
+              <a:t>式</a:t>
+            </a:r>
+            <a:endParaRPr lang="en-US" altLang="ja-JP" dirty="0"/>
+          </a:p>
+          <a:p>
+            <a:pPr marL="800100" lvl="1" indent="-342900">
+              <a:buFont typeface="Arial"/>
+              <a:buChar char="•"/>
+            </a:pPr>
+            <a:r>
+              <a:rPr lang="en-US" altLang="ja-JP" dirty="0"/>
+              <a:t>a</a:t>
+            </a:r>
+            <a:r>
+              <a:rPr lang="en-US" altLang="ja-JP" dirty="0" smtClean="0"/>
+              <a:t>pply</a:t>
+            </a:r>
+            <a:endParaRPr lang="en-US" altLang="ja-JP" dirty="0"/>
+          </a:p>
+          <a:p>
+            <a:pPr marL="1485900" lvl="2" indent="-342900">
+              <a:buFont typeface="Arial"/>
+              <a:buChar char="•"/>
+            </a:pPr>
+            <a:r>
+              <a:rPr lang="en-US" altLang="ja-JP" dirty="0" err="1"/>
+              <a:t>a</a:t>
+            </a:r>
+            <a:r>
+              <a:rPr lang="en-US" altLang="ja-JP" dirty="0" err="1" smtClean="0"/>
+              <a:t>rgs</a:t>
+            </a:r>
+            <a:endParaRPr lang="en-US" altLang="ja-JP" dirty="0"/>
+          </a:p>
+          <a:p>
+            <a:pPr marL="800100" lvl="1" indent="-342900">
+              <a:buFont typeface="Arial"/>
+              <a:buChar char="•"/>
+            </a:pPr>
+            <a:r>
+              <a:rPr lang="en-US" altLang="ja-JP" dirty="0"/>
+              <a:t>a</a:t>
+            </a:r>
+            <a:r>
+              <a:rPr lang="en-US" altLang="ja-JP" dirty="0" smtClean="0"/>
+              <a:t>ssign</a:t>
+            </a:r>
+          </a:p>
+          <a:p>
+            <a:pPr marL="800100" lvl="1" indent="-342900">
+              <a:buFont typeface="Arial"/>
+              <a:buChar char="•"/>
+            </a:pPr>
+            <a:r>
+              <a:rPr lang="en-US" altLang="ja-JP" dirty="0"/>
+              <a:t>f</a:t>
+            </a:r>
+            <a:r>
+              <a:rPr lang="en-US" altLang="ja-JP" dirty="0" smtClean="0"/>
+              <a:t>ield (</a:t>
+            </a:r>
+            <a:r>
+              <a:rPr lang="en-US" altLang="ja-JP" dirty="0" err="1" smtClean="0"/>
+              <a:t>struct</a:t>
+            </a:r>
+            <a:r>
+              <a:rPr lang="ja-JP" altLang="en-US" dirty="0" smtClean="0"/>
+              <a:t>メンバアクセス</a:t>
+            </a:r>
+            <a:r>
+              <a:rPr lang="en-US" altLang="ja-JP" dirty="0" smtClean="0"/>
+              <a:t>)</a:t>
+            </a:r>
+            <a:endParaRPr lang="en-US" altLang="ja-JP" dirty="0" smtClean="0"/>
+          </a:p>
+          <a:p>
+            <a:endParaRPr lang="en-US" altLang="ja-JP" dirty="0"/>
+          </a:p>
+        </p:txBody>
+      </p:sp>
+    </p:spTree>
+    <p:extLst>
+      <p:ext uri="{BB962C8B-B14F-4D97-AF65-F5344CB8AC3E}">
+        <p14:creationId xmlns:p14="http://schemas.microsoft.com/office/powerpoint/2010/main" val="3235201134"/>
+      </p:ext>
+    </p:extLst>
+  </p:cSld>
+  <p:clrMapOvr>
+    <a:masterClrMapping/>
+  </p:clrMapOvr>
+</p:sld>
+</file>
+
+<file path=ppt/slides/slide37.xml><?xml version="1.0" encoding="utf-8"?>
+<p:sld xmlns:a="http://schemas.openxmlformats.org/drawingml/2006/main" xmlns:r="http://schemas.openxmlformats.org/officeDocument/2006/relationships" xmlns:p="http://schemas.openxmlformats.org/presentationml/2006/main">
+  <p:cSld>
+    <p:spTree>
+      <p:nvGrpSpPr>
+        <p:cNvPr id="1" name=""/>
+        <p:cNvGrpSpPr/>
+        <p:nvPr/>
+      </p:nvGrpSpPr>
+      <p:grpSpPr>
+        <a:xfrm>
+          <a:off x="0" y="0"/>
+          <a:ext cx="0" cy="0"/>
+          <a:chOff x="0" y="0"/>
+          <a:chExt cx="0" cy="0"/>
+        </a:xfrm>
+      </p:grpSpPr>
+      <p:sp>
+        <p:nvSpPr>
+          <p:cNvPr id="2" name="タイトル 1"/>
+          <p:cNvSpPr>
+            <a:spLocks noGrp="1"/>
+          </p:cNvSpPr>
+          <p:nvPr>
+            <p:ph type="title"/>
+          </p:nvPr>
+        </p:nvSpPr>
+        <p:spPr/>
+        <p:txBody>
+          <a:bodyPr/>
+          <a:lstStyle/>
+          <a:p>
+            <a:r>
+              <a:rPr lang="en-US" altLang="ja-JP" dirty="0"/>
+              <a:t>C</a:t>
+            </a:r>
+            <a:r>
+              <a:rPr lang="ja-JP" altLang="en-US" dirty="0"/>
+              <a:t>言語</a:t>
+            </a:r>
+            <a:r>
+              <a:rPr lang="en-US" altLang="ja-JP" dirty="0"/>
+              <a:t>  </a:t>
+            </a:r>
+            <a:r>
+              <a:rPr lang="en-US" altLang="ja-JP" dirty="0" smtClean="0"/>
+              <a:t>AST</a:t>
+            </a:r>
+            <a:r>
+              <a:rPr lang="ja-JP" altLang="en-US" dirty="0" smtClean="0"/>
+              <a:t>共通</a:t>
+            </a:r>
+            <a:r>
+              <a:rPr lang="ja-JP" altLang="en-US" dirty="0" smtClean="0"/>
+              <a:t>ラベル</a:t>
+            </a:r>
+            <a:r>
+              <a:rPr lang="ja-JP" altLang="en-US" dirty="0" smtClean="0"/>
+              <a:t>一覧</a:t>
+            </a:r>
+            <a:r>
+              <a:rPr lang="en-US" altLang="ja-JP" dirty="0" smtClean="0"/>
+              <a:t>(2/2)</a:t>
+            </a:r>
+            <a:endParaRPr kumimoji="1" lang="ja-JP" altLang="en-US" dirty="0"/>
+          </a:p>
+        </p:txBody>
+      </p:sp>
+      <p:sp>
+        <p:nvSpPr>
+          <p:cNvPr id="3" name="コンテンツ プレースホルダー 2"/>
+          <p:cNvSpPr>
+            <a:spLocks noGrp="1"/>
+          </p:cNvSpPr>
+          <p:nvPr>
+            <p:ph idx="1"/>
+          </p:nvPr>
+        </p:nvSpPr>
+        <p:spPr>
+          <a:xfrm>
+            <a:off x="457200" y="1083532"/>
+            <a:ext cx="1622185" cy="5393469"/>
+          </a:xfrm>
+        </p:spPr>
+        <p:txBody>
+          <a:bodyPr>
+            <a:normAutofit/>
+          </a:bodyPr>
+          <a:lstStyle/>
+          <a:p>
+            <a:pPr marL="342900" indent="-342900">
+              <a:buFont typeface="Arial"/>
+              <a:buChar char="•"/>
+            </a:pPr>
+            <a:r>
+              <a:rPr lang="ja-JP" altLang="en-US" dirty="0" smtClean="0"/>
+              <a:t>演算子</a:t>
+            </a:r>
+            <a:endParaRPr lang="en-US" altLang="ja-JP" dirty="0" smtClean="0"/>
+          </a:p>
+          <a:p>
+            <a:pPr marL="800100" lvl="1" indent="-342900">
+              <a:buFont typeface="Arial"/>
+              <a:buChar char="•"/>
+            </a:pPr>
+            <a:r>
+              <a:rPr kumimoji="1" lang="en-US" altLang="ja-JP" dirty="0" smtClean="0"/>
+              <a:t>add</a:t>
+            </a:r>
+          </a:p>
+          <a:p>
+            <a:pPr marL="800100" lvl="1" indent="-342900">
+              <a:buFont typeface="Arial"/>
+              <a:buChar char="•"/>
+            </a:pPr>
+            <a:r>
+              <a:rPr lang="en-US" altLang="ja-JP" dirty="0" smtClean="0"/>
+              <a:t>sub</a:t>
+            </a:r>
+          </a:p>
+          <a:p>
+            <a:pPr marL="800100" lvl="1" indent="-342900">
+              <a:buFont typeface="Arial"/>
+              <a:buChar char="•"/>
+            </a:pPr>
+            <a:r>
+              <a:rPr kumimoji="1" lang="en-US" altLang="ja-JP" dirty="0" err="1" smtClean="0"/>
+              <a:t>mul</a:t>
+            </a:r>
+            <a:endParaRPr kumimoji="1" lang="en-US" altLang="ja-JP" dirty="0" smtClean="0"/>
+          </a:p>
+          <a:p>
+            <a:pPr marL="800100" lvl="1" indent="-342900">
+              <a:buFont typeface="Arial"/>
+              <a:buChar char="•"/>
+            </a:pPr>
+            <a:r>
+              <a:rPr lang="en-US" altLang="ja-JP" dirty="0" smtClean="0"/>
+              <a:t>div</a:t>
+            </a:r>
+          </a:p>
+          <a:p>
+            <a:pPr marL="800100" lvl="1" indent="-342900">
+              <a:buFont typeface="Arial"/>
+              <a:buChar char="•"/>
+            </a:pPr>
+            <a:r>
+              <a:rPr lang="en-US" altLang="ja-JP" dirty="0" smtClean="0"/>
+              <a:t>mod</a:t>
+            </a:r>
+          </a:p>
+          <a:p>
+            <a:pPr marL="800100" lvl="1" indent="-342900">
+              <a:buFont typeface="Arial"/>
+              <a:buChar char="•"/>
+            </a:pPr>
+            <a:r>
+              <a:rPr kumimoji="1" lang="en-US" altLang="ja-JP" dirty="0" err="1" smtClean="0"/>
+              <a:t>lte</a:t>
+            </a:r>
+            <a:endParaRPr kumimoji="1" lang="en-US" altLang="ja-JP" dirty="0" smtClean="0"/>
+          </a:p>
+          <a:p>
+            <a:pPr marL="800100" lvl="1" indent="-342900">
+              <a:buFont typeface="Arial"/>
+              <a:buChar char="•"/>
+            </a:pPr>
+            <a:r>
+              <a:rPr lang="en-US" altLang="ja-JP" dirty="0" err="1" smtClean="0"/>
+              <a:t>lt</a:t>
+            </a:r>
+            <a:endParaRPr lang="en-US" altLang="ja-JP" dirty="0" smtClean="0"/>
+          </a:p>
+          <a:p>
+            <a:pPr marL="800100" lvl="1" indent="-342900">
+              <a:buFont typeface="Arial"/>
+              <a:buChar char="•"/>
+            </a:pPr>
+            <a:r>
+              <a:rPr kumimoji="1" lang="en-US" altLang="ja-JP" dirty="0" err="1" smtClean="0"/>
+              <a:t>gte</a:t>
+            </a:r>
+            <a:endParaRPr kumimoji="1" lang="en-US" altLang="ja-JP" dirty="0" smtClean="0"/>
+          </a:p>
+          <a:p>
+            <a:pPr marL="800100" lvl="1" indent="-342900">
+              <a:buFont typeface="Arial"/>
+              <a:buChar char="•"/>
+            </a:pPr>
+            <a:r>
+              <a:rPr kumimoji="1" lang="en-US" altLang="ja-JP" dirty="0" err="1" smtClean="0"/>
+              <a:t>gt</a:t>
+            </a:r>
+            <a:endParaRPr kumimoji="1" lang="en-US" altLang="ja-JP" dirty="0" smtClean="0"/>
+          </a:p>
+        </p:txBody>
+      </p:sp>
+      <p:sp>
+        <p:nvSpPr>
+          <p:cNvPr id="4" name="コンテンツ プレースホルダー 2"/>
+          <p:cNvSpPr txBox="1">
+            <a:spLocks/>
+          </p:cNvSpPr>
+          <p:nvPr/>
+        </p:nvSpPr>
+        <p:spPr>
+          <a:xfrm>
+            <a:off x="4579284" y="1083532"/>
+            <a:ext cx="4122084" cy="5393469"/>
+          </a:xfrm>
+          <a:prstGeom prst="rect">
+            <a:avLst/>
+          </a:prstGeom>
+        </p:spPr>
+        <p:txBody>
+          <a:bodyPr vert="horz" lIns="91440" tIns="45720" rIns="91440" bIns="45720" rtlCol="0">
+            <a:normAutofit/>
+          </a:bodyPr>
+          <a:lstStyle>
+            <a:lvl1pPr marL="0" indent="0" algn="l" defTabSz="914400" rtl="0" eaLnBrk="1" latinLnBrk="0" hangingPunct="1">
+              <a:spcBef>
+                <a:spcPct val="20000"/>
+              </a:spcBef>
+              <a:spcAft>
+                <a:spcPts val="600"/>
+              </a:spcAft>
+              <a:buFont typeface="Arial" pitchFamily="34" charset="0"/>
+              <a:buNone/>
+              <a:defRPr kumimoji="1" sz="2000" b="1" kern="1200">
+                <a:solidFill>
+                  <a:schemeClr val="tx1"/>
+                </a:solidFill>
+                <a:latin typeface="+mn-lt"/>
+                <a:ea typeface="+mn-ea"/>
+                <a:cs typeface="+mn-cs"/>
+              </a:defRPr>
+            </a:lvl1pPr>
+            <a:lvl2pPr marL="457200" indent="-182880" algn="l" defTabSz="914400" rtl="0" eaLnBrk="1" latinLnBrk="0" hangingPunct="1">
+              <a:spcBef>
+                <a:spcPct val="20000"/>
+              </a:spcBef>
+              <a:buClr>
+                <a:schemeClr val="tx2"/>
+              </a:buClr>
+              <a:buFont typeface="Arial" pitchFamily="34" charset="0"/>
+              <a:buChar char="•"/>
+              <a:defRPr kumimoji="1" sz="2000" kern="1200">
+                <a:solidFill>
+                  <a:schemeClr val="tx1"/>
+                </a:solidFill>
+                <a:latin typeface="+mn-lt"/>
+                <a:ea typeface="+mn-ea"/>
+                <a:cs typeface="+mn-cs"/>
+              </a:defRPr>
+            </a:lvl2pPr>
+            <a:lvl3pPr marL="1143000" indent="-228600" algn="l" defTabSz="914400" rtl="0" eaLnBrk="1" latinLnBrk="0" hangingPunct="1">
+              <a:spcBef>
+                <a:spcPct val="20000"/>
+              </a:spcBef>
+              <a:buClr>
+                <a:schemeClr val="tx2"/>
+              </a:buClr>
+              <a:buFont typeface="Arial" pitchFamily="34" charset="0"/>
+              <a:buChar char="•"/>
+              <a:defRPr kumimoji="1" sz="1800" kern="1200">
+                <a:solidFill>
+                  <a:schemeClr val="tx1"/>
+                </a:solidFill>
+                <a:latin typeface="+mn-lt"/>
+                <a:ea typeface="+mn-ea"/>
+                <a:cs typeface="+mn-cs"/>
+              </a:defRPr>
+            </a:lvl3pPr>
+            <a:lvl4pPr marL="1600200" indent="-228600" algn="l" defTabSz="914400" rtl="0" eaLnBrk="1" latinLnBrk="0" hangingPunct="1">
+              <a:spcBef>
+                <a:spcPct val="20000"/>
+              </a:spcBef>
+              <a:buClr>
+                <a:schemeClr val="tx2"/>
+              </a:buClr>
+              <a:buFont typeface="Arial" pitchFamily="34" charset="0"/>
+              <a:buChar char="•"/>
+              <a:defRPr kumimoji="1" sz="1800" kern="1200">
+                <a:solidFill>
+                  <a:schemeClr val="tx1"/>
+                </a:solidFill>
+                <a:latin typeface="+mn-lt"/>
+                <a:ea typeface="+mn-ea"/>
+                <a:cs typeface="+mn-cs"/>
+              </a:defRPr>
+            </a:lvl4pPr>
+            <a:lvl5pPr marL="2057400" indent="-228600" algn="l" defTabSz="914400" rtl="0" eaLnBrk="1" latinLnBrk="0" hangingPunct="1">
+              <a:spcBef>
+                <a:spcPct val="20000"/>
+              </a:spcBef>
+              <a:buClr>
+                <a:schemeClr val="tx2"/>
+              </a:buClr>
+              <a:buFont typeface="Arial" pitchFamily="34" charset="0"/>
+              <a:buChar char="•"/>
+              <a:defRPr kumimoji="1" sz="1800" kern="1200" baseline="0">
+                <a:solidFill>
+                  <a:schemeClr val="tx1"/>
+                </a:solidFill>
+                <a:latin typeface="+mn-lt"/>
+                <a:ea typeface="+mn-ea"/>
+                <a:cs typeface="+mn-cs"/>
+              </a:defRPr>
+            </a:lvl5pPr>
+            <a:lvl6pPr marL="2514600" indent="-228600" algn="l" defTabSz="914400" rtl="0" eaLnBrk="1" latinLnBrk="0" hangingPunct="1">
+              <a:spcBef>
+                <a:spcPct val="20000"/>
+              </a:spcBef>
+              <a:buClr>
+                <a:schemeClr val="tx2"/>
+              </a:buClr>
+              <a:buFont typeface="Arial" pitchFamily="34" charset="0"/>
+              <a:buChar char="•"/>
+              <a:defRPr kumimoji="1" sz="1600" kern="1200">
+                <a:solidFill>
+                  <a:schemeClr val="tx1"/>
+                </a:solidFill>
+                <a:latin typeface="+mn-lt"/>
+                <a:ea typeface="+mn-ea"/>
+                <a:cs typeface="+mn-cs"/>
+              </a:defRPr>
+            </a:lvl6pPr>
+            <a:lvl7pPr marL="2971800" indent="-228600" algn="l" defTabSz="914400" rtl="0" eaLnBrk="1" latinLnBrk="0" hangingPunct="1">
+              <a:spcBef>
+                <a:spcPct val="20000"/>
+              </a:spcBef>
+              <a:buClr>
+                <a:schemeClr val="tx2"/>
+              </a:buClr>
+              <a:buFont typeface="Arial" pitchFamily="34" charset="0"/>
+              <a:buChar char="•"/>
+              <a:defRPr kumimoji="1" sz="1600" kern="1200">
+                <a:solidFill>
+                  <a:schemeClr val="tx1"/>
+                </a:solidFill>
+                <a:latin typeface="+mn-lt"/>
+                <a:ea typeface="+mn-ea"/>
+                <a:cs typeface="+mn-cs"/>
+              </a:defRPr>
+            </a:lvl7pPr>
+            <a:lvl8pPr marL="3429000" indent="-228600" algn="l" defTabSz="914400" rtl="0" eaLnBrk="1" latinLnBrk="0" hangingPunct="1">
+              <a:spcBef>
+                <a:spcPct val="20000"/>
+              </a:spcBef>
+              <a:buClr>
+                <a:schemeClr val="tx2"/>
+              </a:buClr>
+              <a:buFont typeface="Arial" pitchFamily="34" charset="0"/>
+              <a:buChar char="•"/>
+              <a:defRPr kumimoji="1" sz="1600" kern="1200">
+                <a:solidFill>
+                  <a:schemeClr val="tx1"/>
+                </a:solidFill>
+                <a:latin typeface="+mn-lt"/>
+                <a:ea typeface="+mn-ea"/>
+                <a:cs typeface="+mn-cs"/>
+              </a:defRPr>
+            </a:lvl8pPr>
+            <a:lvl9pPr marL="3886200" indent="-228600" algn="l" defTabSz="914400" rtl="0" eaLnBrk="1" latinLnBrk="0" hangingPunct="1">
+              <a:spcBef>
+                <a:spcPct val="20000"/>
+              </a:spcBef>
+              <a:buClr>
+                <a:schemeClr val="tx2"/>
+              </a:buClr>
+              <a:buFont typeface="Arial" pitchFamily="34" charset="0"/>
+              <a:buChar char="•"/>
+              <a:defRPr kumimoji="1" sz="1600" kern="1200">
+                <a:solidFill>
+                  <a:schemeClr val="tx1"/>
+                </a:solidFill>
+                <a:latin typeface="+mn-lt"/>
+                <a:ea typeface="+mn-ea"/>
+                <a:cs typeface="+mn-cs"/>
+              </a:defRPr>
+            </a:lvl9pPr>
+          </a:lstStyle>
+          <a:p>
+            <a:pPr marL="342900" indent="-342900">
+              <a:buFont typeface="Arial"/>
+              <a:buChar char="•"/>
+            </a:pPr>
+            <a:r>
+              <a:rPr lang="ja-JP" altLang="en-US" dirty="0" smtClean="0"/>
+              <a:t>文</a:t>
+            </a:r>
+            <a:endParaRPr lang="en-US" altLang="ja-JP" dirty="0" smtClean="0"/>
+          </a:p>
+          <a:p>
+            <a:pPr marL="800100" lvl="1" indent="-342900">
+              <a:buFont typeface="Arial"/>
+              <a:buChar char="•"/>
+            </a:pPr>
+            <a:r>
+              <a:rPr lang="en-US" altLang="ja-JP" dirty="0"/>
+              <a:t>i</a:t>
+            </a:r>
+            <a:r>
+              <a:rPr lang="en-US" altLang="ja-JP" dirty="0" smtClean="0"/>
+              <a:t>f</a:t>
+            </a:r>
+            <a:endParaRPr lang="en-US" altLang="ja-JP" dirty="0" smtClean="0"/>
+          </a:p>
+          <a:p>
+            <a:pPr marL="800100" lvl="1" indent="-342900">
+              <a:buFont typeface="Arial"/>
+              <a:buChar char="•"/>
+            </a:pPr>
+            <a:r>
+              <a:rPr lang="en-US" altLang="ja-JP" dirty="0"/>
+              <a:t>f</a:t>
+            </a:r>
+            <a:r>
+              <a:rPr lang="en-US" altLang="ja-JP" dirty="0" smtClean="0"/>
+              <a:t>or</a:t>
+            </a:r>
+            <a:endParaRPr lang="en-US" altLang="ja-JP" dirty="0" smtClean="0"/>
+          </a:p>
+          <a:p>
+            <a:pPr marL="800100" lvl="1" indent="-342900">
+              <a:buFont typeface="Arial"/>
+              <a:buChar char="•"/>
+            </a:pPr>
+            <a:r>
+              <a:rPr lang="en-US" altLang="ja-JP" dirty="0"/>
+              <a:t>w</a:t>
+            </a:r>
+            <a:r>
+              <a:rPr lang="en-US" altLang="ja-JP" dirty="0" smtClean="0"/>
+              <a:t>hile</a:t>
+            </a:r>
+            <a:endParaRPr lang="en-US" altLang="ja-JP" dirty="0" smtClean="0"/>
+          </a:p>
+          <a:p>
+            <a:pPr marL="800100" lvl="1" indent="-342900">
+              <a:buFont typeface="Arial"/>
+              <a:buChar char="•"/>
+            </a:pPr>
+            <a:r>
+              <a:rPr lang="en-US" altLang="ja-JP" dirty="0"/>
+              <a:t>f</a:t>
+            </a:r>
+            <a:r>
+              <a:rPr lang="en-US" altLang="ja-JP" dirty="0" smtClean="0"/>
+              <a:t>unction</a:t>
+            </a:r>
+            <a:endParaRPr lang="en-US" altLang="ja-JP" dirty="0" smtClean="0"/>
+          </a:p>
+          <a:p>
+            <a:pPr marL="1485900" lvl="2" indent="-342900">
+              <a:buFont typeface="Arial"/>
+              <a:buChar char="•"/>
+            </a:pPr>
+            <a:r>
+              <a:rPr lang="en-US" altLang="ja-JP" dirty="0" err="1" smtClean="0"/>
+              <a:t>params</a:t>
+            </a:r>
+            <a:endParaRPr lang="en-US" altLang="ja-JP" dirty="0" smtClean="0"/>
+          </a:p>
+          <a:p>
+            <a:pPr marL="1485900" lvl="2" indent="-342900">
+              <a:buFont typeface="Arial"/>
+              <a:buChar char="•"/>
+            </a:pPr>
+            <a:r>
+              <a:rPr lang="en-US" altLang="ja-JP" dirty="0"/>
+              <a:t>r</a:t>
+            </a:r>
+            <a:r>
+              <a:rPr lang="en-US" altLang="ja-JP" dirty="0" smtClean="0"/>
+              <a:t>eturn</a:t>
+            </a:r>
+            <a:endParaRPr lang="en-US" altLang="ja-JP" dirty="0" smtClean="0"/>
+          </a:p>
+          <a:p>
+            <a:pPr marL="800100" lvl="1" indent="-342900">
+              <a:buFont typeface="Arial"/>
+              <a:buChar char="•"/>
+            </a:pPr>
+            <a:r>
+              <a:rPr lang="en-US" altLang="ja-JP" dirty="0"/>
+              <a:t>b</a:t>
+            </a:r>
+            <a:r>
+              <a:rPr lang="en-US" altLang="ja-JP" dirty="0" smtClean="0"/>
+              <a:t>lock</a:t>
+            </a:r>
+          </a:p>
+          <a:p>
+            <a:pPr marL="800100" lvl="1" indent="-342900">
+              <a:buFont typeface="Arial"/>
+              <a:buChar char="•"/>
+            </a:pPr>
+            <a:r>
+              <a:rPr lang="en-US" altLang="ja-JP" dirty="0" smtClean="0"/>
+              <a:t>case</a:t>
+            </a:r>
+            <a:endParaRPr lang="en-US" altLang="ja-JP" dirty="0"/>
+          </a:p>
+          <a:p>
+            <a:pPr marL="800100" lvl="1" indent="-342900">
+              <a:buFont typeface="Arial"/>
+              <a:buChar char="•"/>
+            </a:pPr>
+            <a:r>
+              <a:rPr lang="en-US" altLang="ja-JP" dirty="0"/>
+              <a:t>default</a:t>
+            </a:r>
+          </a:p>
+          <a:p>
+            <a:pPr marL="800100" lvl="1" indent="-342900">
+              <a:buFont typeface="Arial"/>
+              <a:buChar char="•"/>
+            </a:pPr>
+            <a:r>
+              <a:rPr lang="en-US" altLang="ja-JP" dirty="0"/>
+              <a:t>switch</a:t>
+            </a:r>
+          </a:p>
+          <a:p>
+            <a:pPr marL="800100" lvl="1" indent="-342900">
+              <a:buFont typeface="Arial"/>
+              <a:buChar char="•"/>
+            </a:pPr>
+            <a:r>
+              <a:rPr lang="en-US" altLang="ja-JP" dirty="0" err="1"/>
+              <a:t>dowhile</a:t>
+            </a:r>
+            <a:endParaRPr lang="en-US" altLang="ja-JP" dirty="0"/>
+          </a:p>
+          <a:p>
+            <a:pPr marL="800100" lvl="1" indent="-342900">
+              <a:buFont typeface="Arial"/>
+              <a:buChar char="•"/>
+            </a:pPr>
+            <a:r>
+              <a:rPr lang="en-US" altLang="ja-JP" dirty="0"/>
+              <a:t>continue</a:t>
+            </a:r>
+          </a:p>
+          <a:p>
+            <a:pPr marL="800100" lvl="1" indent="-342900">
+              <a:buFont typeface="Arial"/>
+              <a:buChar char="•"/>
+            </a:pPr>
+            <a:r>
+              <a:rPr lang="en-US" altLang="ja-JP" dirty="0"/>
+              <a:t>break</a:t>
+            </a:r>
+          </a:p>
+          <a:p>
+            <a:pPr lvl="1" indent="0">
+              <a:buNone/>
+            </a:pPr>
+            <a:endParaRPr lang="en-US" altLang="ja-JP" dirty="0" smtClean="0"/>
+          </a:p>
+          <a:p>
+            <a:pPr marL="800100" lvl="1" indent="-342900">
+              <a:buFont typeface="Arial"/>
+              <a:buChar char="•"/>
+            </a:pPr>
+            <a:endParaRPr lang="ja-JP" altLang="en-US" dirty="0"/>
+          </a:p>
+        </p:txBody>
+      </p:sp>
+      <p:sp>
+        <p:nvSpPr>
+          <p:cNvPr id="5" name="コンテンツ プレースホルダー 2"/>
+          <p:cNvSpPr txBox="1">
+            <a:spLocks/>
+          </p:cNvSpPr>
+          <p:nvPr/>
+        </p:nvSpPr>
+        <p:spPr>
+          <a:xfrm>
+            <a:off x="1886128" y="1083532"/>
+            <a:ext cx="3331009" cy="5393469"/>
+          </a:xfrm>
+          <a:prstGeom prst="rect">
+            <a:avLst/>
+          </a:prstGeom>
+        </p:spPr>
+        <p:txBody>
+          <a:bodyPr vert="horz" lIns="91440" tIns="45720" rIns="91440" bIns="45720" rtlCol="0">
+            <a:normAutofit/>
+          </a:bodyPr>
+          <a:lstStyle>
+            <a:lvl1pPr marL="0" indent="0" algn="l" defTabSz="914400" rtl="0" eaLnBrk="1" latinLnBrk="0" hangingPunct="1">
+              <a:spcBef>
+                <a:spcPct val="20000"/>
+              </a:spcBef>
+              <a:spcAft>
+                <a:spcPts val="600"/>
+              </a:spcAft>
+              <a:buFont typeface="Arial" pitchFamily="34" charset="0"/>
+              <a:buNone/>
+              <a:defRPr kumimoji="1" sz="2000" b="1" kern="1200">
+                <a:solidFill>
+                  <a:schemeClr val="tx1"/>
+                </a:solidFill>
+                <a:latin typeface="+mn-lt"/>
+                <a:ea typeface="+mn-ea"/>
+                <a:cs typeface="+mn-cs"/>
+              </a:defRPr>
+            </a:lvl1pPr>
+            <a:lvl2pPr marL="457200" indent="-182880" algn="l" defTabSz="914400" rtl="0" eaLnBrk="1" latinLnBrk="0" hangingPunct="1">
+              <a:spcBef>
+                <a:spcPct val="20000"/>
+              </a:spcBef>
+              <a:buClr>
+                <a:schemeClr val="tx2"/>
+              </a:buClr>
+              <a:buFont typeface="Arial" pitchFamily="34" charset="0"/>
+              <a:buChar char="•"/>
+              <a:defRPr kumimoji="1" sz="2000" kern="1200">
+                <a:solidFill>
+                  <a:schemeClr val="tx1"/>
+                </a:solidFill>
+                <a:latin typeface="+mn-lt"/>
+                <a:ea typeface="+mn-ea"/>
+                <a:cs typeface="+mn-cs"/>
+              </a:defRPr>
+            </a:lvl2pPr>
+            <a:lvl3pPr marL="1143000" indent="-228600" algn="l" defTabSz="914400" rtl="0" eaLnBrk="1" latinLnBrk="0" hangingPunct="1">
+              <a:spcBef>
+                <a:spcPct val="20000"/>
+              </a:spcBef>
+              <a:buClr>
+                <a:schemeClr val="tx2"/>
+              </a:buClr>
+              <a:buFont typeface="Arial" pitchFamily="34" charset="0"/>
+              <a:buChar char="•"/>
+              <a:defRPr kumimoji="1" sz="1800" kern="1200">
+                <a:solidFill>
+                  <a:schemeClr val="tx1"/>
+                </a:solidFill>
+                <a:latin typeface="+mn-lt"/>
+                <a:ea typeface="+mn-ea"/>
+                <a:cs typeface="+mn-cs"/>
+              </a:defRPr>
+            </a:lvl3pPr>
+            <a:lvl4pPr marL="1600200" indent="-228600" algn="l" defTabSz="914400" rtl="0" eaLnBrk="1" latinLnBrk="0" hangingPunct="1">
+              <a:spcBef>
+                <a:spcPct val="20000"/>
+              </a:spcBef>
+              <a:buClr>
+                <a:schemeClr val="tx2"/>
+              </a:buClr>
+              <a:buFont typeface="Arial" pitchFamily="34" charset="0"/>
+              <a:buChar char="•"/>
+              <a:defRPr kumimoji="1" sz="1800" kern="1200">
+                <a:solidFill>
+                  <a:schemeClr val="tx1"/>
+                </a:solidFill>
+                <a:latin typeface="+mn-lt"/>
+                <a:ea typeface="+mn-ea"/>
+                <a:cs typeface="+mn-cs"/>
+              </a:defRPr>
+            </a:lvl4pPr>
+            <a:lvl5pPr marL="2057400" indent="-228600" algn="l" defTabSz="914400" rtl="0" eaLnBrk="1" latinLnBrk="0" hangingPunct="1">
+              <a:spcBef>
+                <a:spcPct val="20000"/>
+              </a:spcBef>
+              <a:buClr>
+                <a:schemeClr val="tx2"/>
+              </a:buClr>
+              <a:buFont typeface="Arial" pitchFamily="34" charset="0"/>
+              <a:buChar char="•"/>
+              <a:defRPr kumimoji="1" sz="1800" kern="1200" baseline="0">
+                <a:solidFill>
+                  <a:schemeClr val="tx1"/>
+                </a:solidFill>
+                <a:latin typeface="+mn-lt"/>
+                <a:ea typeface="+mn-ea"/>
+                <a:cs typeface="+mn-cs"/>
+              </a:defRPr>
+            </a:lvl5pPr>
+            <a:lvl6pPr marL="2514600" indent="-228600" algn="l" defTabSz="914400" rtl="0" eaLnBrk="1" latinLnBrk="0" hangingPunct="1">
+              <a:spcBef>
+                <a:spcPct val="20000"/>
+              </a:spcBef>
+              <a:buClr>
+                <a:schemeClr val="tx2"/>
+              </a:buClr>
+              <a:buFont typeface="Arial" pitchFamily="34" charset="0"/>
+              <a:buChar char="•"/>
+              <a:defRPr kumimoji="1" sz="1600" kern="1200">
+                <a:solidFill>
+                  <a:schemeClr val="tx1"/>
+                </a:solidFill>
+                <a:latin typeface="+mn-lt"/>
+                <a:ea typeface="+mn-ea"/>
+                <a:cs typeface="+mn-cs"/>
+              </a:defRPr>
+            </a:lvl6pPr>
+            <a:lvl7pPr marL="2971800" indent="-228600" algn="l" defTabSz="914400" rtl="0" eaLnBrk="1" latinLnBrk="0" hangingPunct="1">
+              <a:spcBef>
+                <a:spcPct val="20000"/>
+              </a:spcBef>
+              <a:buClr>
+                <a:schemeClr val="tx2"/>
+              </a:buClr>
+              <a:buFont typeface="Arial" pitchFamily="34" charset="0"/>
+              <a:buChar char="•"/>
+              <a:defRPr kumimoji="1" sz="1600" kern="1200">
+                <a:solidFill>
+                  <a:schemeClr val="tx1"/>
+                </a:solidFill>
+                <a:latin typeface="+mn-lt"/>
+                <a:ea typeface="+mn-ea"/>
+                <a:cs typeface="+mn-cs"/>
+              </a:defRPr>
+            </a:lvl7pPr>
+            <a:lvl8pPr marL="3429000" indent="-228600" algn="l" defTabSz="914400" rtl="0" eaLnBrk="1" latinLnBrk="0" hangingPunct="1">
+              <a:spcBef>
+                <a:spcPct val="20000"/>
+              </a:spcBef>
+              <a:buClr>
+                <a:schemeClr val="tx2"/>
+              </a:buClr>
+              <a:buFont typeface="Arial" pitchFamily="34" charset="0"/>
+              <a:buChar char="•"/>
+              <a:defRPr kumimoji="1" sz="1600" kern="1200">
+                <a:solidFill>
+                  <a:schemeClr val="tx1"/>
+                </a:solidFill>
+                <a:latin typeface="+mn-lt"/>
+                <a:ea typeface="+mn-ea"/>
+                <a:cs typeface="+mn-cs"/>
+              </a:defRPr>
+            </a:lvl8pPr>
+            <a:lvl9pPr marL="3886200" indent="-228600" algn="l" defTabSz="914400" rtl="0" eaLnBrk="1" latinLnBrk="0" hangingPunct="1">
+              <a:spcBef>
+                <a:spcPct val="20000"/>
+              </a:spcBef>
+              <a:buClr>
+                <a:schemeClr val="tx2"/>
+              </a:buClr>
+              <a:buFont typeface="Arial" pitchFamily="34" charset="0"/>
+              <a:buChar char="•"/>
+              <a:defRPr kumimoji="1" sz="1600" kern="1200">
+                <a:solidFill>
+                  <a:schemeClr val="tx1"/>
+                </a:solidFill>
+                <a:latin typeface="+mn-lt"/>
+                <a:ea typeface="+mn-ea"/>
+                <a:cs typeface="+mn-cs"/>
+              </a:defRPr>
+            </a:lvl9pPr>
+          </a:lstStyle>
+          <a:p>
+            <a:endParaRPr lang="en-US" altLang="ja-JP" dirty="0" smtClean="0"/>
+          </a:p>
+          <a:p>
+            <a:pPr marL="800100" lvl="1" indent="-342900">
+              <a:buFont typeface="Arial"/>
+              <a:buChar char="•"/>
+            </a:pPr>
+            <a:r>
+              <a:rPr lang="en-US" altLang="ja-JP" dirty="0" err="1" smtClean="0"/>
+              <a:t>inc</a:t>
+            </a:r>
+            <a:r>
+              <a:rPr lang="en-US" altLang="ja-JP" dirty="0" smtClean="0"/>
+              <a:t>     </a:t>
+            </a:r>
+            <a:r>
+              <a:rPr lang="en-US" altLang="ja-JP" dirty="0"/>
+              <a:t>"++"</a:t>
+            </a:r>
+          </a:p>
+          <a:p>
+            <a:pPr marL="800100" lvl="1" indent="-342900">
+              <a:buFont typeface="Arial"/>
+              <a:buChar char="•"/>
+            </a:pPr>
+            <a:r>
+              <a:rPr lang="en-US" altLang="ja-JP" dirty="0" err="1"/>
+              <a:t>dec</a:t>
+            </a:r>
+            <a:r>
+              <a:rPr lang="en-US" altLang="ja-JP" dirty="0"/>
+              <a:t>     "--"</a:t>
+            </a:r>
+          </a:p>
+          <a:p>
+            <a:pPr marL="800100" lvl="1" indent="-342900">
+              <a:buFont typeface="Arial"/>
+              <a:buChar char="•"/>
+            </a:pPr>
+            <a:r>
+              <a:rPr lang="en-US" altLang="ja-JP" dirty="0"/>
+              <a:t>left    "&lt;&lt;"</a:t>
+            </a:r>
+          </a:p>
+          <a:p>
+            <a:pPr marL="800100" lvl="1" indent="-342900">
+              <a:buFont typeface="Arial"/>
+              <a:buChar char="•"/>
+            </a:pPr>
+            <a:r>
+              <a:rPr lang="en-US" altLang="ja-JP" dirty="0"/>
+              <a:t>right   "&gt;&gt;"</a:t>
+            </a:r>
+          </a:p>
+          <a:p>
+            <a:pPr marL="800100" lvl="1" indent="-342900">
+              <a:buFont typeface="Arial"/>
+              <a:buChar char="•"/>
+            </a:pPr>
+            <a:r>
+              <a:rPr lang="en-US" altLang="ja-JP" dirty="0" err="1"/>
+              <a:t>equequ</a:t>
+            </a:r>
+            <a:r>
+              <a:rPr lang="en-US" altLang="ja-JP" dirty="0"/>
+              <a:t>  "=="</a:t>
+            </a:r>
+          </a:p>
+          <a:p>
+            <a:pPr marL="800100" lvl="1" indent="-342900">
+              <a:buFont typeface="Arial"/>
+              <a:buChar char="•"/>
+            </a:pPr>
+            <a:r>
+              <a:rPr lang="en-US" altLang="ja-JP" dirty="0" err="1"/>
+              <a:t>bangequ</a:t>
+            </a:r>
+            <a:r>
+              <a:rPr lang="en-US" altLang="ja-JP" dirty="0"/>
+              <a:t> "!="</a:t>
+            </a:r>
+          </a:p>
+          <a:p>
+            <a:pPr marL="800100" lvl="1" indent="-342900">
+              <a:buFont typeface="Arial"/>
+              <a:buChar char="•"/>
+            </a:pPr>
+            <a:r>
+              <a:rPr lang="en-US" altLang="ja-JP" dirty="0"/>
+              <a:t>and     "&amp;"</a:t>
+            </a:r>
+          </a:p>
+          <a:p>
+            <a:pPr marL="800100" lvl="1" indent="-342900">
+              <a:buFont typeface="Arial"/>
+              <a:buChar char="•"/>
+            </a:pPr>
+            <a:r>
+              <a:rPr lang="en-US" altLang="ja-JP" dirty="0"/>
+              <a:t>hat     "^"</a:t>
+            </a:r>
+          </a:p>
+          <a:p>
+            <a:pPr marL="800100" lvl="1" indent="-342900">
+              <a:buFont typeface="Arial"/>
+              <a:buChar char="•"/>
+            </a:pPr>
+            <a:r>
+              <a:rPr lang="en-US" altLang="ja-JP" dirty="0"/>
+              <a:t>or      "|"</a:t>
+            </a:r>
+          </a:p>
+          <a:p>
+            <a:pPr marL="800100" lvl="1" indent="-342900">
+              <a:buFont typeface="Arial"/>
+              <a:buChar char="•"/>
+            </a:pPr>
+            <a:r>
+              <a:rPr lang="en-US" altLang="ja-JP" dirty="0" err="1"/>
+              <a:t>andand</a:t>
+            </a:r>
+            <a:r>
+              <a:rPr lang="en-US" altLang="ja-JP" dirty="0"/>
+              <a:t>  "&amp;&amp;"</a:t>
+            </a:r>
+          </a:p>
+          <a:p>
+            <a:pPr marL="800100" lvl="1" indent="-342900">
+              <a:buFont typeface="Arial"/>
+              <a:buChar char="•"/>
+            </a:pPr>
+            <a:r>
+              <a:rPr lang="en-US" altLang="ja-JP" dirty="0" err="1"/>
+              <a:t>oror</a:t>
+            </a:r>
+            <a:r>
+              <a:rPr lang="en-US" altLang="ja-JP" dirty="0"/>
+              <a:t>    "||"</a:t>
+            </a:r>
+          </a:p>
+          <a:p>
+            <a:pPr marL="800100" lvl="1" indent="-342900">
+              <a:buFont typeface="Arial"/>
+              <a:buChar char="•"/>
+            </a:pPr>
+            <a:r>
+              <a:rPr lang="en-US" altLang="ja-JP" dirty="0" err="1"/>
+              <a:t>trinary</a:t>
+            </a:r>
+            <a:r>
+              <a:rPr lang="en-US" altLang="ja-JP" dirty="0"/>
+              <a:t> "?"</a:t>
+            </a:r>
+          </a:p>
+          <a:p>
+            <a:pPr marL="342900" indent="-342900">
+              <a:buFont typeface="Arial"/>
+              <a:buChar char="•"/>
+            </a:pPr>
+            <a:endParaRPr lang="en-US" altLang="ja-JP" dirty="0" smtClean="0"/>
+          </a:p>
+        </p:txBody>
+      </p:sp>
+    </p:spTree>
+    <p:extLst>
+      <p:ext uri="{BB962C8B-B14F-4D97-AF65-F5344CB8AC3E}">
+        <p14:creationId xmlns:p14="http://schemas.microsoft.com/office/powerpoint/2010/main" val="4269269856"/>
+      </p:ext>
+    </p:extLst>
+  </p:cSld>
+  <p:clrMapOvr>
+    <a:masterClrMapping/>
+  </p:clrMapOvr>
+  <p:timing>
+    <p:tnLst>
+      <p:par>
+        <p:cTn xmlns:p14="http://schemas.microsoft.com/office/powerpoint/2010/main" id="1" dur="indefinite" restart="never" nodeType="tmRoot"/>
+      </p:par>
+    </p:tnLst>
+  </p:timing>
+</p:sld>
+</file>
+
+<file path=ppt/slides/slide38.xml><?xml version="1.0" encoding="utf-8"?>
+<p:sld xmlns:a="http://schemas.openxmlformats.org/drawingml/2006/main" xmlns:r="http://schemas.openxmlformats.org/officeDocument/2006/relationships" xmlns:p="http://schemas.openxmlformats.org/presentationml/2006/main">
+  <p:cSld>
+    <p:spTree>
+      <p:nvGrpSpPr>
+        <p:cNvPr id="1" name=""/>
+        <p:cNvGrpSpPr/>
+        <p:nvPr/>
+      </p:nvGrpSpPr>
+      <p:grpSpPr>
+        <a:xfrm>
+          <a:off x="0" y="0"/>
+          <a:ext cx="0" cy="0"/>
+          <a:chOff x="0" y="0"/>
+          <a:chExt cx="0" cy="0"/>
+        </a:xfrm>
+      </p:grpSpPr>
+      <p:sp>
+        <p:nvSpPr>
+          <p:cNvPr id="2" name="タイトル 1"/>
+          <p:cNvSpPr>
+            <a:spLocks noGrp="1"/>
+          </p:cNvSpPr>
+          <p:nvPr>
+            <p:ph type="title"/>
+          </p:nvPr>
+        </p:nvSpPr>
+        <p:spPr/>
+        <p:txBody>
+          <a:bodyPr/>
+          <a:lstStyle/>
+          <a:p>
+            <a:r>
+              <a:rPr lang="en-US" altLang="ja-JP" dirty="0"/>
+              <a:t>C</a:t>
+            </a:r>
+            <a:r>
+              <a:rPr lang="ja-JP" altLang="en-US" dirty="0"/>
+              <a:t>言語</a:t>
+            </a:r>
+            <a:r>
+              <a:rPr lang="en-US" altLang="ja-JP" dirty="0"/>
+              <a:t>  AST</a:t>
+            </a:r>
+            <a:r>
+              <a:rPr lang="ja-JP" altLang="en-US" dirty="0"/>
+              <a:t>独自ラベル</a:t>
+            </a:r>
+            <a:r>
+              <a:rPr lang="ja-JP" altLang="en-US" dirty="0" smtClean="0"/>
+              <a:t>一覧</a:t>
+            </a:r>
+            <a:r>
+              <a:rPr lang="en-US" altLang="ja-JP" dirty="0"/>
+              <a:t>(1/2)</a:t>
+            </a:r>
+            <a:endParaRPr kumimoji="1" lang="ja-JP" altLang="en-US" dirty="0"/>
+          </a:p>
+        </p:txBody>
+      </p:sp>
+      <p:sp>
+        <p:nvSpPr>
+          <p:cNvPr id="10" name="コンテンツ プレースホルダー 2"/>
+          <p:cNvSpPr>
+            <a:spLocks noGrp="1"/>
+          </p:cNvSpPr>
+          <p:nvPr>
+            <p:ph idx="1"/>
+          </p:nvPr>
+        </p:nvSpPr>
+        <p:spPr>
+          <a:xfrm>
+            <a:off x="625033" y="1083533"/>
+            <a:ext cx="3328027" cy="2029496"/>
+          </a:xfrm>
+        </p:spPr>
+        <p:txBody>
+          <a:bodyPr>
+            <a:normAutofit/>
+          </a:bodyPr>
+          <a:lstStyle/>
+          <a:p>
+            <a:pPr marL="342900" indent="-342900">
+              <a:buFont typeface="Arial"/>
+              <a:buChar char="•"/>
+            </a:pPr>
+            <a:r>
+              <a:rPr lang="ja-JP" altLang="en-US" dirty="0" smtClean="0"/>
+              <a:t>関数定義</a:t>
+            </a:r>
+            <a:endParaRPr lang="en-US" altLang="ja-JP" dirty="0"/>
+          </a:p>
+          <a:p>
+            <a:pPr marL="800100" lvl="1" indent="-342900">
+              <a:buFont typeface="Arial"/>
+              <a:buChar char="•"/>
+            </a:pPr>
+            <a:r>
+              <a:rPr lang="en-US" altLang="ja-JP" dirty="0" err="1" smtClean="0"/>
+              <a:t>c.declarationspecifier</a:t>
+            </a:r>
+            <a:endParaRPr lang="en-US" altLang="ja-JP" dirty="0"/>
+          </a:p>
+          <a:p>
+            <a:pPr marL="800100" lvl="1" indent="-342900">
+              <a:buFont typeface="Arial"/>
+              <a:buChar char="•"/>
+            </a:pPr>
+            <a:r>
+              <a:rPr lang="en-US" altLang="ja-JP" dirty="0" err="1" smtClean="0"/>
+              <a:t>c.declarator</a:t>
+            </a:r>
+            <a:endParaRPr lang="en-US" altLang="ja-JP" dirty="0"/>
+          </a:p>
+          <a:p>
+            <a:pPr marL="800100" lvl="1" indent="-342900">
+              <a:buFont typeface="Arial"/>
+              <a:buChar char="•"/>
+            </a:pPr>
+            <a:r>
+              <a:rPr lang="en-US" altLang="ja-JP" dirty="0" err="1" smtClean="0"/>
+              <a:t>c.typespecifier</a:t>
+            </a:r>
+            <a:endParaRPr lang="en-US" altLang="ja-JP" dirty="0"/>
+          </a:p>
+        </p:txBody>
+      </p:sp>
+      <p:sp>
+        <p:nvSpPr>
+          <p:cNvPr id="11" name="コンテンツ プレースホルダー 2"/>
+          <p:cNvSpPr txBox="1">
+            <a:spLocks/>
+          </p:cNvSpPr>
+          <p:nvPr/>
+        </p:nvSpPr>
+        <p:spPr>
+          <a:xfrm>
+            <a:off x="609600" y="2817351"/>
+            <a:ext cx="3076016" cy="2029496"/>
+          </a:xfrm>
+          <a:prstGeom prst="rect">
+            <a:avLst/>
+          </a:prstGeom>
+        </p:spPr>
+        <p:txBody>
+          <a:bodyPr vert="horz" lIns="91440" tIns="45720" rIns="91440" bIns="45720" rtlCol="0">
+            <a:normAutofit/>
+          </a:bodyPr>
+          <a:lstStyle>
+            <a:lvl1pPr marL="0" indent="0" algn="l" defTabSz="914400" rtl="0" eaLnBrk="1" latinLnBrk="0" hangingPunct="1">
+              <a:spcBef>
+                <a:spcPct val="20000"/>
+              </a:spcBef>
+              <a:spcAft>
+                <a:spcPts val="600"/>
+              </a:spcAft>
+              <a:buFont typeface="Arial" pitchFamily="34" charset="0"/>
+              <a:buNone/>
+              <a:defRPr kumimoji="1" sz="2000" b="1" kern="1200">
+                <a:solidFill>
+                  <a:schemeClr val="tx1"/>
+                </a:solidFill>
+                <a:latin typeface="+mn-lt"/>
+                <a:ea typeface="+mn-ea"/>
+                <a:cs typeface="+mn-cs"/>
+              </a:defRPr>
+            </a:lvl1pPr>
+            <a:lvl2pPr marL="457200" indent="-182880" algn="l" defTabSz="914400" rtl="0" eaLnBrk="1" latinLnBrk="0" hangingPunct="1">
+              <a:spcBef>
+                <a:spcPct val="20000"/>
+              </a:spcBef>
+              <a:buClr>
+                <a:schemeClr val="tx2"/>
+              </a:buClr>
+              <a:buFont typeface="Arial" pitchFamily="34" charset="0"/>
+              <a:buChar char="•"/>
+              <a:defRPr kumimoji="1" sz="2000" kern="1200">
+                <a:solidFill>
+                  <a:schemeClr val="tx1"/>
+                </a:solidFill>
+                <a:latin typeface="+mn-lt"/>
+                <a:ea typeface="+mn-ea"/>
+                <a:cs typeface="+mn-cs"/>
+              </a:defRPr>
+            </a:lvl2pPr>
+            <a:lvl3pPr marL="1143000" indent="-228600" algn="l" defTabSz="914400" rtl="0" eaLnBrk="1" latinLnBrk="0" hangingPunct="1">
+              <a:spcBef>
+                <a:spcPct val="20000"/>
+              </a:spcBef>
+              <a:buClr>
+                <a:schemeClr val="tx2"/>
+              </a:buClr>
+              <a:buFont typeface="Arial" pitchFamily="34" charset="0"/>
+              <a:buChar char="•"/>
+              <a:defRPr kumimoji="1" sz="1800" kern="1200">
+                <a:solidFill>
+                  <a:schemeClr val="tx1"/>
+                </a:solidFill>
+                <a:latin typeface="+mn-lt"/>
+                <a:ea typeface="+mn-ea"/>
+                <a:cs typeface="+mn-cs"/>
+              </a:defRPr>
+            </a:lvl3pPr>
+            <a:lvl4pPr marL="1600200" indent="-228600" algn="l" defTabSz="914400" rtl="0" eaLnBrk="1" latinLnBrk="0" hangingPunct="1">
+              <a:spcBef>
+                <a:spcPct val="20000"/>
+              </a:spcBef>
+              <a:buClr>
+                <a:schemeClr val="tx2"/>
+              </a:buClr>
+              <a:buFont typeface="Arial" pitchFamily="34" charset="0"/>
+              <a:buChar char="•"/>
+              <a:defRPr kumimoji="1" sz="1800" kern="1200">
+                <a:solidFill>
+                  <a:schemeClr val="tx1"/>
+                </a:solidFill>
+                <a:latin typeface="+mn-lt"/>
+                <a:ea typeface="+mn-ea"/>
+                <a:cs typeface="+mn-cs"/>
+              </a:defRPr>
+            </a:lvl4pPr>
+            <a:lvl5pPr marL="2057400" indent="-228600" algn="l" defTabSz="914400" rtl="0" eaLnBrk="1" latinLnBrk="0" hangingPunct="1">
+              <a:spcBef>
+                <a:spcPct val="20000"/>
+              </a:spcBef>
+              <a:buClr>
+                <a:schemeClr val="tx2"/>
+              </a:buClr>
+              <a:buFont typeface="Arial" pitchFamily="34" charset="0"/>
+              <a:buChar char="•"/>
+              <a:defRPr kumimoji="1" sz="1800" kern="1200" baseline="0">
+                <a:solidFill>
+                  <a:schemeClr val="tx1"/>
+                </a:solidFill>
+                <a:latin typeface="+mn-lt"/>
+                <a:ea typeface="+mn-ea"/>
+                <a:cs typeface="+mn-cs"/>
+              </a:defRPr>
+            </a:lvl5pPr>
+            <a:lvl6pPr marL="2514600" indent="-228600" algn="l" defTabSz="914400" rtl="0" eaLnBrk="1" latinLnBrk="0" hangingPunct="1">
+              <a:spcBef>
+                <a:spcPct val="20000"/>
+              </a:spcBef>
+              <a:buClr>
+                <a:schemeClr val="tx2"/>
+              </a:buClr>
+              <a:buFont typeface="Arial" pitchFamily="34" charset="0"/>
+              <a:buChar char="•"/>
+              <a:defRPr kumimoji="1" sz="1600" kern="1200">
+                <a:solidFill>
+                  <a:schemeClr val="tx1"/>
+                </a:solidFill>
+                <a:latin typeface="+mn-lt"/>
+                <a:ea typeface="+mn-ea"/>
+                <a:cs typeface="+mn-cs"/>
+              </a:defRPr>
+            </a:lvl6pPr>
+            <a:lvl7pPr marL="2971800" indent="-228600" algn="l" defTabSz="914400" rtl="0" eaLnBrk="1" latinLnBrk="0" hangingPunct="1">
+              <a:spcBef>
+                <a:spcPct val="20000"/>
+              </a:spcBef>
+              <a:buClr>
+                <a:schemeClr val="tx2"/>
+              </a:buClr>
+              <a:buFont typeface="Arial" pitchFamily="34" charset="0"/>
+              <a:buChar char="•"/>
+              <a:defRPr kumimoji="1" sz="1600" kern="1200">
+                <a:solidFill>
+                  <a:schemeClr val="tx1"/>
+                </a:solidFill>
+                <a:latin typeface="+mn-lt"/>
+                <a:ea typeface="+mn-ea"/>
+                <a:cs typeface="+mn-cs"/>
+              </a:defRPr>
+            </a:lvl7pPr>
+            <a:lvl8pPr marL="3429000" indent="-228600" algn="l" defTabSz="914400" rtl="0" eaLnBrk="1" latinLnBrk="0" hangingPunct="1">
+              <a:spcBef>
+                <a:spcPct val="20000"/>
+              </a:spcBef>
+              <a:buClr>
+                <a:schemeClr val="tx2"/>
+              </a:buClr>
+              <a:buFont typeface="Arial" pitchFamily="34" charset="0"/>
+              <a:buChar char="•"/>
+              <a:defRPr kumimoji="1" sz="1600" kern="1200">
+                <a:solidFill>
+                  <a:schemeClr val="tx1"/>
+                </a:solidFill>
+                <a:latin typeface="+mn-lt"/>
+                <a:ea typeface="+mn-ea"/>
+                <a:cs typeface="+mn-cs"/>
+              </a:defRPr>
+            </a:lvl8pPr>
+            <a:lvl9pPr marL="3886200" indent="-228600" algn="l" defTabSz="914400" rtl="0" eaLnBrk="1" latinLnBrk="0" hangingPunct="1">
+              <a:spcBef>
+                <a:spcPct val="20000"/>
+              </a:spcBef>
+              <a:buClr>
+                <a:schemeClr val="tx2"/>
+              </a:buClr>
+              <a:buFont typeface="Arial" pitchFamily="34" charset="0"/>
+              <a:buChar char="•"/>
+              <a:defRPr kumimoji="1" sz="1600" kern="1200">
+                <a:solidFill>
+                  <a:schemeClr val="tx1"/>
+                </a:solidFill>
+                <a:latin typeface="+mn-lt"/>
+                <a:ea typeface="+mn-ea"/>
+                <a:cs typeface="+mn-cs"/>
+              </a:defRPr>
+            </a:lvl9pPr>
+          </a:lstStyle>
+          <a:p>
+            <a:pPr marL="342900" indent="-342900">
+              <a:buFont typeface="Arial"/>
+              <a:buChar char="•"/>
+            </a:pPr>
+            <a:r>
+              <a:rPr lang="ja-JP" altLang="en-US" dirty="0" smtClean="0"/>
+              <a:t>変数宣言</a:t>
+            </a:r>
+            <a:endParaRPr lang="en-US" altLang="ja-JP" dirty="0" smtClean="0"/>
+          </a:p>
+          <a:p>
+            <a:pPr marL="800100" lvl="1" indent="-342900">
+              <a:buFont typeface="Arial"/>
+              <a:buChar char="•"/>
+            </a:pPr>
+            <a:r>
+              <a:rPr lang="en-US" altLang="ja-JP" dirty="0" err="1" smtClean="0"/>
+              <a:t>c.declaration</a:t>
+            </a:r>
+            <a:endParaRPr lang="en-US" altLang="ja-JP" dirty="0" smtClean="0"/>
+          </a:p>
+          <a:p>
+            <a:pPr marL="800100" lvl="1" indent="-342900">
+              <a:buFont typeface="Arial"/>
+              <a:buChar char="•"/>
+            </a:pPr>
+            <a:r>
+              <a:rPr lang="en-US" altLang="ja-JP" dirty="0" err="1"/>
+              <a:t>c.initdeclarator</a:t>
+            </a:r>
+            <a:endParaRPr lang="en-US" altLang="ja-JP" dirty="0"/>
+          </a:p>
+          <a:p>
+            <a:pPr marL="800100" lvl="1" indent="-342900">
+              <a:buFont typeface="Arial"/>
+              <a:buChar char="•"/>
+            </a:pPr>
+            <a:r>
+              <a:rPr lang="en-US" altLang="ja-JP" dirty="0" err="1" smtClean="0"/>
+              <a:t>c.initializer</a:t>
+            </a:r>
+            <a:endParaRPr lang="en-US" altLang="ja-JP" dirty="0" smtClean="0"/>
+          </a:p>
+          <a:p>
+            <a:pPr marL="800100" lvl="1" indent="-342900">
+              <a:buFont typeface="Arial"/>
+              <a:buChar char="•"/>
+            </a:pPr>
+            <a:r>
+              <a:rPr lang="en-US" altLang="ja-JP" dirty="0" err="1"/>
+              <a:t>c.initdeclaratorlist</a:t>
+            </a:r>
+            <a:endParaRPr lang="en-US" altLang="ja-JP" dirty="0"/>
+          </a:p>
+          <a:p>
+            <a:pPr marL="342900" indent="-342900">
+              <a:buFont typeface="Arial"/>
+              <a:buChar char="•"/>
+            </a:pPr>
+            <a:endParaRPr lang="en-US" altLang="ja-JP" dirty="0"/>
+          </a:p>
+          <a:p>
+            <a:pPr marL="342900" indent="-342900">
+              <a:buFont typeface="Arial"/>
+              <a:buChar char="•"/>
+            </a:pPr>
+            <a:endParaRPr lang="en-US" altLang="ja-JP" dirty="0"/>
+          </a:p>
+          <a:p>
+            <a:pPr marL="342900" indent="-342900">
+              <a:buFont typeface="Arial"/>
+              <a:buChar char="•"/>
+            </a:pPr>
+            <a:endParaRPr lang="en-US" altLang="ja-JP" dirty="0" smtClean="0"/>
+          </a:p>
+        </p:txBody>
+      </p:sp>
+      <p:sp>
+        <p:nvSpPr>
+          <p:cNvPr id="12" name="コンテンツ プレースホルダー 2"/>
+          <p:cNvSpPr txBox="1">
+            <a:spLocks/>
+          </p:cNvSpPr>
+          <p:nvPr/>
+        </p:nvSpPr>
+        <p:spPr>
+          <a:xfrm>
+            <a:off x="4618952" y="1083533"/>
+            <a:ext cx="3611426" cy="2381328"/>
+          </a:xfrm>
+          <a:prstGeom prst="rect">
+            <a:avLst/>
+          </a:prstGeom>
+        </p:spPr>
+        <p:txBody>
+          <a:bodyPr vert="horz" lIns="91440" tIns="45720" rIns="91440" bIns="45720" rtlCol="0">
+            <a:normAutofit fontScale="92500" lnSpcReduction="10000"/>
+          </a:bodyPr>
+          <a:lstStyle>
+            <a:lvl1pPr marL="0" indent="0" algn="l" defTabSz="914400" rtl="0" eaLnBrk="1" latinLnBrk="0" hangingPunct="1">
+              <a:spcBef>
+                <a:spcPct val="20000"/>
+              </a:spcBef>
+              <a:spcAft>
+                <a:spcPts val="600"/>
+              </a:spcAft>
+              <a:buFont typeface="Arial" pitchFamily="34" charset="0"/>
+              <a:buNone/>
+              <a:defRPr kumimoji="1" sz="2000" b="1" kern="1200">
+                <a:solidFill>
+                  <a:schemeClr val="tx1"/>
+                </a:solidFill>
+                <a:latin typeface="+mn-lt"/>
+                <a:ea typeface="+mn-ea"/>
+                <a:cs typeface="+mn-cs"/>
+              </a:defRPr>
+            </a:lvl1pPr>
+            <a:lvl2pPr marL="457200" indent="-182880" algn="l" defTabSz="914400" rtl="0" eaLnBrk="1" latinLnBrk="0" hangingPunct="1">
+              <a:spcBef>
+                <a:spcPct val="20000"/>
+              </a:spcBef>
+              <a:buClr>
+                <a:schemeClr val="tx2"/>
+              </a:buClr>
+              <a:buFont typeface="Arial" pitchFamily="34" charset="0"/>
+              <a:buChar char="•"/>
+              <a:defRPr kumimoji="1" sz="2000" kern="1200">
+                <a:solidFill>
+                  <a:schemeClr val="tx1"/>
+                </a:solidFill>
+                <a:latin typeface="+mn-lt"/>
+                <a:ea typeface="+mn-ea"/>
+                <a:cs typeface="+mn-cs"/>
+              </a:defRPr>
+            </a:lvl2pPr>
+            <a:lvl3pPr marL="1143000" indent="-228600" algn="l" defTabSz="914400" rtl="0" eaLnBrk="1" latinLnBrk="0" hangingPunct="1">
+              <a:spcBef>
+                <a:spcPct val="20000"/>
+              </a:spcBef>
+              <a:buClr>
+                <a:schemeClr val="tx2"/>
+              </a:buClr>
+              <a:buFont typeface="Arial" pitchFamily="34" charset="0"/>
+              <a:buChar char="•"/>
+              <a:defRPr kumimoji="1" sz="1800" kern="1200">
+                <a:solidFill>
+                  <a:schemeClr val="tx1"/>
+                </a:solidFill>
+                <a:latin typeface="+mn-lt"/>
+                <a:ea typeface="+mn-ea"/>
+                <a:cs typeface="+mn-cs"/>
+              </a:defRPr>
+            </a:lvl3pPr>
+            <a:lvl4pPr marL="1600200" indent="-228600" algn="l" defTabSz="914400" rtl="0" eaLnBrk="1" latinLnBrk="0" hangingPunct="1">
+              <a:spcBef>
+                <a:spcPct val="20000"/>
+              </a:spcBef>
+              <a:buClr>
+                <a:schemeClr val="tx2"/>
+              </a:buClr>
+              <a:buFont typeface="Arial" pitchFamily="34" charset="0"/>
+              <a:buChar char="•"/>
+              <a:defRPr kumimoji="1" sz="1800" kern="1200">
+                <a:solidFill>
+                  <a:schemeClr val="tx1"/>
+                </a:solidFill>
+                <a:latin typeface="+mn-lt"/>
+                <a:ea typeface="+mn-ea"/>
+                <a:cs typeface="+mn-cs"/>
+              </a:defRPr>
+            </a:lvl4pPr>
+            <a:lvl5pPr marL="2057400" indent="-228600" algn="l" defTabSz="914400" rtl="0" eaLnBrk="1" latinLnBrk="0" hangingPunct="1">
+              <a:spcBef>
+                <a:spcPct val="20000"/>
+              </a:spcBef>
+              <a:buClr>
+                <a:schemeClr val="tx2"/>
+              </a:buClr>
+              <a:buFont typeface="Arial" pitchFamily="34" charset="0"/>
+              <a:buChar char="•"/>
+              <a:defRPr kumimoji="1" sz="1800" kern="1200" baseline="0">
+                <a:solidFill>
+                  <a:schemeClr val="tx1"/>
+                </a:solidFill>
+                <a:latin typeface="+mn-lt"/>
+                <a:ea typeface="+mn-ea"/>
+                <a:cs typeface="+mn-cs"/>
+              </a:defRPr>
+            </a:lvl5pPr>
+            <a:lvl6pPr marL="2514600" indent="-228600" algn="l" defTabSz="914400" rtl="0" eaLnBrk="1" latinLnBrk="0" hangingPunct="1">
+              <a:spcBef>
+                <a:spcPct val="20000"/>
+              </a:spcBef>
+              <a:buClr>
+                <a:schemeClr val="tx2"/>
+              </a:buClr>
+              <a:buFont typeface="Arial" pitchFamily="34" charset="0"/>
+              <a:buChar char="•"/>
+              <a:defRPr kumimoji="1" sz="1600" kern="1200">
+                <a:solidFill>
+                  <a:schemeClr val="tx1"/>
+                </a:solidFill>
+                <a:latin typeface="+mn-lt"/>
+                <a:ea typeface="+mn-ea"/>
+                <a:cs typeface="+mn-cs"/>
+              </a:defRPr>
+            </a:lvl6pPr>
+            <a:lvl7pPr marL="2971800" indent="-228600" algn="l" defTabSz="914400" rtl="0" eaLnBrk="1" latinLnBrk="0" hangingPunct="1">
+              <a:spcBef>
+                <a:spcPct val="20000"/>
+              </a:spcBef>
+              <a:buClr>
+                <a:schemeClr val="tx2"/>
+              </a:buClr>
+              <a:buFont typeface="Arial" pitchFamily="34" charset="0"/>
+              <a:buChar char="•"/>
+              <a:defRPr kumimoji="1" sz="1600" kern="1200">
+                <a:solidFill>
+                  <a:schemeClr val="tx1"/>
+                </a:solidFill>
+                <a:latin typeface="+mn-lt"/>
+                <a:ea typeface="+mn-ea"/>
+                <a:cs typeface="+mn-cs"/>
+              </a:defRPr>
+            </a:lvl7pPr>
+            <a:lvl8pPr marL="3429000" indent="-228600" algn="l" defTabSz="914400" rtl="0" eaLnBrk="1" latinLnBrk="0" hangingPunct="1">
+              <a:spcBef>
+                <a:spcPct val="20000"/>
+              </a:spcBef>
+              <a:buClr>
+                <a:schemeClr val="tx2"/>
+              </a:buClr>
+              <a:buFont typeface="Arial" pitchFamily="34" charset="0"/>
+              <a:buChar char="•"/>
+              <a:defRPr kumimoji="1" sz="1600" kern="1200">
+                <a:solidFill>
+                  <a:schemeClr val="tx1"/>
+                </a:solidFill>
+                <a:latin typeface="+mn-lt"/>
+                <a:ea typeface="+mn-ea"/>
+                <a:cs typeface="+mn-cs"/>
+              </a:defRPr>
+            </a:lvl8pPr>
+            <a:lvl9pPr marL="3886200" indent="-228600" algn="l" defTabSz="914400" rtl="0" eaLnBrk="1" latinLnBrk="0" hangingPunct="1">
+              <a:spcBef>
+                <a:spcPct val="20000"/>
+              </a:spcBef>
+              <a:buClr>
+                <a:schemeClr val="tx2"/>
+              </a:buClr>
+              <a:buFont typeface="Arial" pitchFamily="34" charset="0"/>
+              <a:buChar char="•"/>
+              <a:defRPr kumimoji="1" sz="1600" kern="1200">
+                <a:solidFill>
+                  <a:schemeClr val="tx1"/>
+                </a:solidFill>
+                <a:latin typeface="+mn-lt"/>
+                <a:ea typeface="+mn-ea"/>
+                <a:cs typeface="+mn-cs"/>
+              </a:defRPr>
+            </a:lvl9pPr>
+          </a:lstStyle>
+          <a:p>
+            <a:pPr marL="342900" indent="-342900">
+              <a:buFont typeface="Arial"/>
+              <a:buChar char="•"/>
+            </a:pPr>
+            <a:r>
+              <a:rPr lang="en-US" altLang="en-US" dirty="0" smtClean="0"/>
+              <a:t>構造体、共用</a:t>
+            </a:r>
+            <a:r>
+              <a:rPr lang="ja-JP" altLang="en-US" dirty="0" smtClean="0"/>
+              <a:t>体、</a:t>
+            </a:r>
+            <a:r>
+              <a:rPr lang="en-US" altLang="ja-JP" dirty="0" err="1" smtClean="0"/>
+              <a:t>typedef</a:t>
+            </a:r>
+            <a:endParaRPr lang="en-US" altLang="ja-JP" dirty="0" smtClean="0"/>
+          </a:p>
+          <a:p>
+            <a:pPr marL="800100" lvl="1" indent="-342900">
+              <a:buFont typeface="Arial"/>
+              <a:buChar char="•"/>
+            </a:pPr>
+            <a:r>
+              <a:rPr lang="en-US" altLang="ja-JP" dirty="0" err="1"/>
+              <a:t>c.storageclassspecifier</a:t>
+            </a:r>
+            <a:endParaRPr lang="en-US" altLang="ja-JP" dirty="0"/>
+          </a:p>
+          <a:p>
+            <a:pPr marL="800100" lvl="1" indent="-342900">
+              <a:buFont typeface="Arial"/>
+              <a:buChar char="•"/>
+            </a:pPr>
+            <a:r>
+              <a:rPr lang="en-US" altLang="ja-JP" dirty="0" err="1"/>
+              <a:t>c.struct</a:t>
+            </a:r>
+            <a:endParaRPr lang="en-US" altLang="ja-JP" dirty="0"/>
+          </a:p>
+          <a:p>
+            <a:pPr marL="800100" lvl="1" indent="-342900">
+              <a:buFont typeface="Arial"/>
+              <a:buChar char="•"/>
+            </a:pPr>
+            <a:r>
+              <a:rPr lang="en-US" altLang="ja-JP" dirty="0" err="1"/>
+              <a:t>c.union</a:t>
+            </a:r>
+            <a:endParaRPr lang="en-US" altLang="ja-JP" dirty="0"/>
+          </a:p>
+          <a:p>
+            <a:pPr marL="800100" lvl="1" indent="-342900">
+              <a:buFont typeface="Arial"/>
+              <a:buChar char="•"/>
+            </a:pPr>
+            <a:r>
+              <a:rPr lang="en-US" altLang="ja-JP" dirty="0" err="1"/>
+              <a:t>c.structdeclaration</a:t>
+            </a:r>
+            <a:endParaRPr lang="en-US" altLang="ja-JP" dirty="0"/>
+          </a:p>
+          <a:p>
+            <a:pPr marL="800100" lvl="1" indent="-342900">
+              <a:buFont typeface="Arial"/>
+              <a:buChar char="•"/>
+            </a:pPr>
+            <a:r>
+              <a:rPr lang="en-US" altLang="ja-JP" dirty="0" err="1" smtClean="0"/>
+              <a:t>c.structdeclaratorlist</a:t>
+            </a:r>
+            <a:endParaRPr lang="en-US" altLang="ja-JP" dirty="0" smtClean="0"/>
+          </a:p>
+          <a:p>
+            <a:pPr marL="800100" lvl="1" indent="-342900">
+              <a:buFont typeface="Arial"/>
+              <a:buChar char="•"/>
+            </a:pPr>
+            <a:r>
+              <a:rPr lang="en-US" altLang="ja-JP" dirty="0" err="1"/>
+              <a:t>c</a:t>
+            </a:r>
+            <a:r>
+              <a:rPr lang="en-US" altLang="ja-JP" dirty="0" err="1" smtClean="0"/>
+              <a:t>.typedefname</a:t>
+            </a:r>
+            <a:endParaRPr lang="en-US" altLang="ja-JP" dirty="0"/>
+          </a:p>
+          <a:p>
+            <a:pPr marL="342900" indent="-342900">
+              <a:buFont typeface="Arial"/>
+              <a:buChar char="•"/>
+            </a:pPr>
+            <a:endParaRPr lang="en-US" altLang="ja-JP" dirty="0" smtClean="0"/>
+          </a:p>
+        </p:txBody>
+      </p:sp>
+      <p:sp>
+        <p:nvSpPr>
+          <p:cNvPr id="13" name="コンテンツ プレースホルダー 2"/>
+          <p:cNvSpPr txBox="1">
+            <a:spLocks/>
+          </p:cNvSpPr>
+          <p:nvPr/>
+        </p:nvSpPr>
+        <p:spPr>
+          <a:xfrm>
+            <a:off x="4618952" y="4155678"/>
+            <a:ext cx="3076016" cy="1338679"/>
+          </a:xfrm>
+          <a:prstGeom prst="rect">
+            <a:avLst/>
+          </a:prstGeom>
+        </p:spPr>
+        <p:txBody>
+          <a:bodyPr vert="horz" lIns="91440" tIns="45720" rIns="91440" bIns="45720" rtlCol="0">
+            <a:normAutofit/>
+          </a:bodyPr>
+          <a:lstStyle>
+            <a:lvl1pPr marL="0" indent="0" algn="l" defTabSz="914400" rtl="0" eaLnBrk="1" latinLnBrk="0" hangingPunct="1">
+              <a:spcBef>
+                <a:spcPct val="20000"/>
+              </a:spcBef>
+              <a:spcAft>
+                <a:spcPts val="600"/>
+              </a:spcAft>
+              <a:buFont typeface="Arial" pitchFamily="34" charset="0"/>
+              <a:buNone/>
+              <a:defRPr kumimoji="1" sz="2000" b="1" kern="1200">
+                <a:solidFill>
+                  <a:schemeClr val="tx1"/>
+                </a:solidFill>
+                <a:latin typeface="+mn-lt"/>
+                <a:ea typeface="+mn-ea"/>
+                <a:cs typeface="+mn-cs"/>
+              </a:defRPr>
+            </a:lvl1pPr>
+            <a:lvl2pPr marL="457200" indent="-182880" algn="l" defTabSz="914400" rtl="0" eaLnBrk="1" latinLnBrk="0" hangingPunct="1">
+              <a:spcBef>
+                <a:spcPct val="20000"/>
+              </a:spcBef>
+              <a:buClr>
+                <a:schemeClr val="tx2"/>
+              </a:buClr>
+              <a:buFont typeface="Arial" pitchFamily="34" charset="0"/>
+              <a:buChar char="•"/>
+              <a:defRPr kumimoji="1" sz="2000" kern="1200">
+                <a:solidFill>
+                  <a:schemeClr val="tx1"/>
+                </a:solidFill>
+                <a:latin typeface="+mn-lt"/>
+                <a:ea typeface="+mn-ea"/>
+                <a:cs typeface="+mn-cs"/>
+              </a:defRPr>
+            </a:lvl2pPr>
+            <a:lvl3pPr marL="1143000" indent="-228600" algn="l" defTabSz="914400" rtl="0" eaLnBrk="1" latinLnBrk="0" hangingPunct="1">
+              <a:spcBef>
+                <a:spcPct val="20000"/>
+              </a:spcBef>
+              <a:buClr>
+                <a:schemeClr val="tx2"/>
+              </a:buClr>
+              <a:buFont typeface="Arial" pitchFamily="34" charset="0"/>
+              <a:buChar char="•"/>
+              <a:defRPr kumimoji="1" sz="1800" kern="1200">
+                <a:solidFill>
+                  <a:schemeClr val="tx1"/>
+                </a:solidFill>
+                <a:latin typeface="+mn-lt"/>
+                <a:ea typeface="+mn-ea"/>
+                <a:cs typeface="+mn-cs"/>
+              </a:defRPr>
+            </a:lvl3pPr>
+            <a:lvl4pPr marL="1600200" indent="-228600" algn="l" defTabSz="914400" rtl="0" eaLnBrk="1" latinLnBrk="0" hangingPunct="1">
+              <a:spcBef>
+                <a:spcPct val="20000"/>
+              </a:spcBef>
+              <a:buClr>
+                <a:schemeClr val="tx2"/>
+              </a:buClr>
+              <a:buFont typeface="Arial" pitchFamily="34" charset="0"/>
+              <a:buChar char="•"/>
+              <a:defRPr kumimoji="1" sz="1800" kern="1200">
+                <a:solidFill>
+                  <a:schemeClr val="tx1"/>
+                </a:solidFill>
+                <a:latin typeface="+mn-lt"/>
+                <a:ea typeface="+mn-ea"/>
+                <a:cs typeface="+mn-cs"/>
+              </a:defRPr>
+            </a:lvl4pPr>
+            <a:lvl5pPr marL="2057400" indent="-228600" algn="l" defTabSz="914400" rtl="0" eaLnBrk="1" latinLnBrk="0" hangingPunct="1">
+              <a:spcBef>
+                <a:spcPct val="20000"/>
+              </a:spcBef>
+              <a:buClr>
+                <a:schemeClr val="tx2"/>
+              </a:buClr>
+              <a:buFont typeface="Arial" pitchFamily="34" charset="0"/>
+              <a:buChar char="•"/>
+              <a:defRPr kumimoji="1" sz="1800" kern="1200" baseline="0">
+                <a:solidFill>
+                  <a:schemeClr val="tx1"/>
+                </a:solidFill>
+                <a:latin typeface="+mn-lt"/>
+                <a:ea typeface="+mn-ea"/>
+                <a:cs typeface="+mn-cs"/>
+              </a:defRPr>
+            </a:lvl5pPr>
+            <a:lvl6pPr marL="2514600" indent="-228600" algn="l" defTabSz="914400" rtl="0" eaLnBrk="1" latinLnBrk="0" hangingPunct="1">
+              <a:spcBef>
+                <a:spcPct val="20000"/>
+              </a:spcBef>
+              <a:buClr>
+                <a:schemeClr val="tx2"/>
+              </a:buClr>
+              <a:buFont typeface="Arial" pitchFamily="34" charset="0"/>
+              <a:buChar char="•"/>
+              <a:defRPr kumimoji="1" sz="1600" kern="1200">
+                <a:solidFill>
+                  <a:schemeClr val="tx1"/>
+                </a:solidFill>
+                <a:latin typeface="+mn-lt"/>
+                <a:ea typeface="+mn-ea"/>
+                <a:cs typeface="+mn-cs"/>
+              </a:defRPr>
+            </a:lvl6pPr>
+            <a:lvl7pPr marL="2971800" indent="-228600" algn="l" defTabSz="914400" rtl="0" eaLnBrk="1" latinLnBrk="0" hangingPunct="1">
+              <a:spcBef>
+                <a:spcPct val="20000"/>
+              </a:spcBef>
+              <a:buClr>
+                <a:schemeClr val="tx2"/>
+              </a:buClr>
+              <a:buFont typeface="Arial" pitchFamily="34" charset="0"/>
+              <a:buChar char="•"/>
+              <a:defRPr kumimoji="1" sz="1600" kern="1200">
+                <a:solidFill>
+                  <a:schemeClr val="tx1"/>
+                </a:solidFill>
+                <a:latin typeface="+mn-lt"/>
+                <a:ea typeface="+mn-ea"/>
+                <a:cs typeface="+mn-cs"/>
+              </a:defRPr>
+            </a:lvl7pPr>
+            <a:lvl8pPr marL="3429000" indent="-228600" algn="l" defTabSz="914400" rtl="0" eaLnBrk="1" latinLnBrk="0" hangingPunct="1">
+              <a:spcBef>
+                <a:spcPct val="20000"/>
+              </a:spcBef>
+              <a:buClr>
+                <a:schemeClr val="tx2"/>
+              </a:buClr>
+              <a:buFont typeface="Arial" pitchFamily="34" charset="0"/>
+              <a:buChar char="•"/>
+              <a:defRPr kumimoji="1" sz="1600" kern="1200">
+                <a:solidFill>
+                  <a:schemeClr val="tx1"/>
+                </a:solidFill>
+                <a:latin typeface="+mn-lt"/>
+                <a:ea typeface="+mn-ea"/>
+                <a:cs typeface="+mn-cs"/>
+              </a:defRPr>
+            </a:lvl8pPr>
+            <a:lvl9pPr marL="3886200" indent="-228600" algn="l" defTabSz="914400" rtl="0" eaLnBrk="1" latinLnBrk="0" hangingPunct="1">
+              <a:spcBef>
+                <a:spcPct val="20000"/>
+              </a:spcBef>
+              <a:buClr>
+                <a:schemeClr val="tx2"/>
+              </a:buClr>
+              <a:buFont typeface="Arial" pitchFamily="34" charset="0"/>
+              <a:buChar char="•"/>
+              <a:defRPr kumimoji="1" sz="1600" kern="1200">
+                <a:solidFill>
+                  <a:schemeClr val="tx1"/>
+                </a:solidFill>
+                <a:latin typeface="+mn-lt"/>
+                <a:ea typeface="+mn-ea"/>
+                <a:cs typeface="+mn-cs"/>
+              </a:defRPr>
+            </a:lvl9pPr>
+          </a:lstStyle>
+          <a:p>
+            <a:pPr marL="342900" indent="-342900">
+              <a:buFont typeface="Arial"/>
+              <a:buChar char="•"/>
+            </a:pPr>
+            <a:r>
+              <a:rPr lang="ja-JP" altLang="en-US" dirty="0" smtClean="0"/>
+              <a:t>ポインタ</a:t>
+            </a:r>
+            <a:endParaRPr lang="en-US" altLang="ja-JP" dirty="0" smtClean="0"/>
+          </a:p>
+          <a:p>
+            <a:pPr marL="800100" lvl="1" indent="-342900">
+              <a:buFont typeface="Arial"/>
+              <a:buChar char="•"/>
+            </a:pPr>
+            <a:r>
+              <a:rPr lang="en-US" altLang="ja-JP" dirty="0" err="1"/>
+              <a:t>c.pointer</a:t>
+            </a:r>
+            <a:endParaRPr lang="en-US" altLang="ja-JP" dirty="0"/>
+          </a:p>
+          <a:p>
+            <a:pPr marL="800100" lvl="1" indent="-342900">
+              <a:buFont typeface="Arial"/>
+              <a:buChar char="•"/>
+            </a:pPr>
+            <a:r>
+              <a:rPr lang="en-US" altLang="ja-JP" dirty="0" err="1"/>
+              <a:t>c.ptr</a:t>
+            </a:r>
+            <a:endParaRPr lang="en-US" altLang="ja-JP" dirty="0"/>
+          </a:p>
+          <a:p>
+            <a:pPr marL="342900" indent="-342900">
+              <a:buFont typeface="Arial"/>
+              <a:buChar char="•"/>
+            </a:pPr>
+            <a:endParaRPr lang="en-US" altLang="ja-JP" dirty="0"/>
+          </a:p>
+          <a:p>
+            <a:pPr marL="342900" indent="-342900">
+              <a:buFont typeface="Arial"/>
+              <a:buChar char="•"/>
+            </a:pPr>
+            <a:endParaRPr lang="en-US" altLang="ja-JP" dirty="0"/>
+          </a:p>
+          <a:p>
+            <a:pPr marL="342900" indent="-342900">
+              <a:buFont typeface="Arial"/>
+              <a:buChar char="•"/>
+            </a:pPr>
+            <a:endParaRPr lang="en-US" altLang="ja-JP" dirty="0" smtClean="0"/>
+          </a:p>
+        </p:txBody>
+      </p:sp>
+      <p:sp>
+        <p:nvSpPr>
+          <p:cNvPr id="14" name="コンテンツ プレースホルダー 2"/>
+          <p:cNvSpPr txBox="1">
+            <a:spLocks/>
+          </p:cNvSpPr>
+          <p:nvPr/>
+        </p:nvSpPr>
+        <p:spPr>
+          <a:xfrm>
+            <a:off x="609599" y="5033827"/>
+            <a:ext cx="3848003" cy="1257663"/>
+          </a:xfrm>
+          <a:prstGeom prst="rect">
+            <a:avLst/>
+          </a:prstGeom>
+        </p:spPr>
+        <p:txBody>
+          <a:bodyPr vert="horz" lIns="91440" tIns="45720" rIns="91440" bIns="45720" rtlCol="0">
+            <a:normAutofit/>
+          </a:bodyPr>
+          <a:lstStyle>
+            <a:lvl1pPr marL="0" indent="0" algn="l" defTabSz="914400" rtl="0" eaLnBrk="1" latinLnBrk="0" hangingPunct="1">
+              <a:spcBef>
+                <a:spcPct val="20000"/>
+              </a:spcBef>
+              <a:spcAft>
+                <a:spcPts val="600"/>
+              </a:spcAft>
+              <a:buFont typeface="Arial" pitchFamily="34" charset="0"/>
+              <a:buNone/>
+              <a:defRPr kumimoji="1" sz="2000" b="1" kern="1200">
+                <a:solidFill>
+                  <a:schemeClr val="tx1"/>
+                </a:solidFill>
+                <a:latin typeface="+mn-lt"/>
+                <a:ea typeface="+mn-ea"/>
+                <a:cs typeface="+mn-cs"/>
+              </a:defRPr>
+            </a:lvl1pPr>
+            <a:lvl2pPr marL="457200" indent="-182880" algn="l" defTabSz="914400" rtl="0" eaLnBrk="1" latinLnBrk="0" hangingPunct="1">
+              <a:spcBef>
+                <a:spcPct val="20000"/>
+              </a:spcBef>
+              <a:buClr>
+                <a:schemeClr val="tx2"/>
+              </a:buClr>
+              <a:buFont typeface="Arial" pitchFamily="34" charset="0"/>
+              <a:buChar char="•"/>
+              <a:defRPr kumimoji="1" sz="2000" kern="1200">
+                <a:solidFill>
+                  <a:schemeClr val="tx1"/>
+                </a:solidFill>
+                <a:latin typeface="+mn-lt"/>
+                <a:ea typeface="+mn-ea"/>
+                <a:cs typeface="+mn-cs"/>
+              </a:defRPr>
+            </a:lvl2pPr>
+            <a:lvl3pPr marL="1143000" indent="-228600" algn="l" defTabSz="914400" rtl="0" eaLnBrk="1" latinLnBrk="0" hangingPunct="1">
+              <a:spcBef>
+                <a:spcPct val="20000"/>
+              </a:spcBef>
+              <a:buClr>
+                <a:schemeClr val="tx2"/>
+              </a:buClr>
+              <a:buFont typeface="Arial" pitchFamily="34" charset="0"/>
+              <a:buChar char="•"/>
+              <a:defRPr kumimoji="1" sz="1800" kern="1200">
+                <a:solidFill>
+                  <a:schemeClr val="tx1"/>
+                </a:solidFill>
+                <a:latin typeface="+mn-lt"/>
+                <a:ea typeface="+mn-ea"/>
+                <a:cs typeface="+mn-cs"/>
+              </a:defRPr>
+            </a:lvl3pPr>
+            <a:lvl4pPr marL="1600200" indent="-228600" algn="l" defTabSz="914400" rtl="0" eaLnBrk="1" latinLnBrk="0" hangingPunct="1">
+              <a:spcBef>
+                <a:spcPct val="20000"/>
+              </a:spcBef>
+              <a:buClr>
+                <a:schemeClr val="tx2"/>
+              </a:buClr>
+              <a:buFont typeface="Arial" pitchFamily="34" charset="0"/>
+              <a:buChar char="•"/>
+              <a:defRPr kumimoji="1" sz="1800" kern="1200">
+                <a:solidFill>
+                  <a:schemeClr val="tx1"/>
+                </a:solidFill>
+                <a:latin typeface="+mn-lt"/>
+                <a:ea typeface="+mn-ea"/>
+                <a:cs typeface="+mn-cs"/>
+              </a:defRPr>
+            </a:lvl4pPr>
+            <a:lvl5pPr marL="2057400" indent="-228600" algn="l" defTabSz="914400" rtl="0" eaLnBrk="1" latinLnBrk="0" hangingPunct="1">
+              <a:spcBef>
+                <a:spcPct val="20000"/>
+              </a:spcBef>
+              <a:buClr>
+                <a:schemeClr val="tx2"/>
+              </a:buClr>
+              <a:buFont typeface="Arial" pitchFamily="34" charset="0"/>
+              <a:buChar char="•"/>
+              <a:defRPr kumimoji="1" sz="1800" kern="1200" baseline="0">
+                <a:solidFill>
+                  <a:schemeClr val="tx1"/>
+                </a:solidFill>
+                <a:latin typeface="+mn-lt"/>
+                <a:ea typeface="+mn-ea"/>
+                <a:cs typeface="+mn-cs"/>
+              </a:defRPr>
+            </a:lvl5pPr>
+            <a:lvl6pPr marL="2514600" indent="-228600" algn="l" defTabSz="914400" rtl="0" eaLnBrk="1" latinLnBrk="0" hangingPunct="1">
+              <a:spcBef>
+                <a:spcPct val="20000"/>
+              </a:spcBef>
+              <a:buClr>
+                <a:schemeClr val="tx2"/>
+              </a:buClr>
+              <a:buFont typeface="Arial" pitchFamily="34" charset="0"/>
+              <a:buChar char="•"/>
+              <a:defRPr kumimoji="1" sz="1600" kern="1200">
+                <a:solidFill>
+                  <a:schemeClr val="tx1"/>
+                </a:solidFill>
+                <a:latin typeface="+mn-lt"/>
+                <a:ea typeface="+mn-ea"/>
+                <a:cs typeface="+mn-cs"/>
+              </a:defRPr>
+            </a:lvl6pPr>
+            <a:lvl7pPr marL="2971800" indent="-228600" algn="l" defTabSz="914400" rtl="0" eaLnBrk="1" latinLnBrk="0" hangingPunct="1">
+              <a:spcBef>
+                <a:spcPct val="20000"/>
+              </a:spcBef>
+              <a:buClr>
+                <a:schemeClr val="tx2"/>
+              </a:buClr>
+              <a:buFont typeface="Arial" pitchFamily="34" charset="0"/>
+              <a:buChar char="•"/>
+              <a:defRPr kumimoji="1" sz="1600" kern="1200">
+                <a:solidFill>
+                  <a:schemeClr val="tx1"/>
+                </a:solidFill>
+                <a:latin typeface="+mn-lt"/>
+                <a:ea typeface="+mn-ea"/>
+                <a:cs typeface="+mn-cs"/>
+              </a:defRPr>
+            </a:lvl7pPr>
+            <a:lvl8pPr marL="3429000" indent="-228600" algn="l" defTabSz="914400" rtl="0" eaLnBrk="1" latinLnBrk="0" hangingPunct="1">
+              <a:spcBef>
+                <a:spcPct val="20000"/>
+              </a:spcBef>
+              <a:buClr>
+                <a:schemeClr val="tx2"/>
+              </a:buClr>
+              <a:buFont typeface="Arial" pitchFamily="34" charset="0"/>
+              <a:buChar char="•"/>
+              <a:defRPr kumimoji="1" sz="1600" kern="1200">
+                <a:solidFill>
+                  <a:schemeClr val="tx1"/>
+                </a:solidFill>
+                <a:latin typeface="+mn-lt"/>
+                <a:ea typeface="+mn-ea"/>
+                <a:cs typeface="+mn-cs"/>
+              </a:defRPr>
+            </a:lvl8pPr>
+            <a:lvl9pPr marL="3886200" indent="-228600" algn="l" defTabSz="914400" rtl="0" eaLnBrk="1" latinLnBrk="0" hangingPunct="1">
+              <a:spcBef>
+                <a:spcPct val="20000"/>
+              </a:spcBef>
+              <a:buClr>
+                <a:schemeClr val="tx2"/>
+              </a:buClr>
+              <a:buFont typeface="Arial" pitchFamily="34" charset="0"/>
+              <a:buChar char="•"/>
+              <a:defRPr kumimoji="1" sz="1600" kern="1200">
+                <a:solidFill>
+                  <a:schemeClr val="tx1"/>
+                </a:solidFill>
+                <a:latin typeface="+mn-lt"/>
+                <a:ea typeface="+mn-ea"/>
+                <a:cs typeface="+mn-cs"/>
+              </a:defRPr>
+            </a:lvl9pPr>
+          </a:lstStyle>
+          <a:p>
+            <a:pPr marL="342900" indent="-342900">
+              <a:buFont typeface="Arial"/>
+              <a:buChar char="•"/>
+            </a:pPr>
+            <a:r>
+              <a:rPr lang="ja-JP" altLang="en-US" dirty="0" smtClean="0"/>
+              <a:t>式</a:t>
+            </a:r>
+            <a:endParaRPr lang="en-US" altLang="ja-JP" dirty="0" smtClean="0"/>
+          </a:p>
+          <a:p>
+            <a:pPr marL="800100" lvl="1" indent="-342900">
+              <a:buFont typeface="Arial"/>
+              <a:buChar char="•"/>
+            </a:pPr>
+            <a:r>
+              <a:rPr lang="en-US" altLang="ja-JP" dirty="0" err="1"/>
+              <a:t>c</a:t>
+            </a:r>
+            <a:r>
+              <a:rPr lang="en-US" altLang="ja-JP" dirty="0" err="1" smtClean="0"/>
+              <a:t>.expressionstatement</a:t>
+            </a:r>
+            <a:endParaRPr lang="en-US" altLang="ja-JP" dirty="0"/>
+          </a:p>
+          <a:p>
+            <a:pPr marL="342900" indent="-342900">
+              <a:buFont typeface="Arial"/>
+              <a:buChar char="•"/>
+            </a:pPr>
+            <a:endParaRPr lang="en-US" altLang="ja-JP" dirty="0"/>
+          </a:p>
+          <a:p>
+            <a:pPr marL="342900" indent="-342900">
+              <a:buFont typeface="Arial"/>
+              <a:buChar char="•"/>
+            </a:pPr>
+            <a:endParaRPr lang="en-US" altLang="ja-JP" dirty="0" smtClean="0"/>
+          </a:p>
+        </p:txBody>
+      </p:sp>
+    </p:spTree>
+    <p:extLst>
+      <p:ext uri="{BB962C8B-B14F-4D97-AF65-F5344CB8AC3E}">
+        <p14:creationId xmlns:p14="http://schemas.microsoft.com/office/powerpoint/2010/main" val="3372767811"/>
+      </p:ext>
+    </p:extLst>
+  </p:cSld>
+  <p:clrMapOvr>
+    <a:masterClrMapping/>
+  </p:clrMapOvr>
+</p:sld>
+</file>
+
+<file path=ppt/slides/slide39.xml><?xml version="1.0" encoding="utf-8"?>
+<p:sld xmlns:a="http://schemas.openxmlformats.org/drawingml/2006/main" xmlns:r="http://schemas.openxmlformats.org/officeDocument/2006/relationships" xmlns:p="http://schemas.openxmlformats.org/presentationml/2006/main">
+  <p:cSld>
+    <p:spTree>
+      <p:nvGrpSpPr>
+        <p:cNvPr id="1" name=""/>
+        <p:cNvGrpSpPr/>
+        <p:nvPr/>
+      </p:nvGrpSpPr>
+      <p:grpSpPr>
+        <a:xfrm>
+          <a:off x="0" y="0"/>
+          <a:ext cx="0" cy="0"/>
+          <a:chOff x="0" y="0"/>
+          <a:chExt cx="0" cy="0"/>
+        </a:xfrm>
+      </p:grpSpPr>
+      <p:sp>
+        <p:nvSpPr>
+          <p:cNvPr id="2" name="タイトル 1"/>
+          <p:cNvSpPr>
+            <a:spLocks noGrp="1"/>
+          </p:cNvSpPr>
+          <p:nvPr>
+            <p:ph type="title"/>
+          </p:nvPr>
+        </p:nvSpPr>
+        <p:spPr/>
+        <p:txBody>
+          <a:bodyPr/>
+          <a:lstStyle/>
+          <a:p>
+            <a:r>
+              <a:rPr lang="en-US" altLang="ja-JP" dirty="0"/>
+              <a:t>C</a:t>
+            </a:r>
+            <a:r>
+              <a:rPr lang="ja-JP" altLang="en-US" dirty="0"/>
+              <a:t>言語</a:t>
+            </a:r>
+            <a:r>
+              <a:rPr lang="en-US" altLang="ja-JP" dirty="0"/>
+              <a:t>  AST</a:t>
+            </a:r>
+            <a:r>
+              <a:rPr lang="ja-JP" altLang="en-US" dirty="0"/>
+              <a:t>独自ラベル</a:t>
+            </a:r>
+            <a:r>
+              <a:rPr lang="ja-JP" altLang="en-US" dirty="0" smtClean="0"/>
+              <a:t>一覧</a:t>
+            </a:r>
+            <a:r>
+              <a:rPr lang="en-US" altLang="ja-JP" dirty="0" smtClean="0"/>
+              <a:t>(2/</a:t>
+            </a:r>
+            <a:r>
+              <a:rPr lang="en-US" altLang="ja-JP" dirty="0"/>
+              <a:t>2)</a:t>
+            </a:r>
+            <a:endParaRPr kumimoji="1" lang="ja-JP" altLang="en-US" dirty="0"/>
+          </a:p>
+        </p:txBody>
+      </p:sp>
+      <p:sp>
+        <p:nvSpPr>
+          <p:cNvPr id="10" name="コンテンツ プレースホルダー 2"/>
+          <p:cNvSpPr>
+            <a:spLocks noGrp="1"/>
+          </p:cNvSpPr>
+          <p:nvPr>
+            <p:ph idx="1"/>
+          </p:nvPr>
+        </p:nvSpPr>
+        <p:spPr>
+          <a:xfrm>
+            <a:off x="609599" y="1519357"/>
+            <a:ext cx="3328027" cy="1083134"/>
+          </a:xfrm>
+        </p:spPr>
+        <p:txBody>
+          <a:bodyPr>
+            <a:normAutofit/>
+          </a:bodyPr>
+          <a:lstStyle/>
+          <a:p>
+            <a:pPr marL="342900" indent="-342900">
+              <a:buFont typeface="Arial"/>
+              <a:buChar char="•"/>
+            </a:pPr>
+            <a:r>
+              <a:rPr lang="ja-JP" altLang="en-US" dirty="0" smtClean="0"/>
+              <a:t>キャスト</a:t>
+            </a:r>
+            <a:endParaRPr lang="en-US" altLang="ja-JP" dirty="0"/>
+          </a:p>
+          <a:p>
+            <a:pPr marL="800100" lvl="1" indent="-342900">
+              <a:buFont typeface="Arial"/>
+              <a:buChar char="•"/>
+            </a:pPr>
+            <a:r>
+              <a:rPr lang="en-US" altLang="ja-JP" dirty="0" err="1"/>
+              <a:t>c</a:t>
+            </a:r>
+            <a:r>
+              <a:rPr lang="en-US" altLang="ja-JP" dirty="0" err="1" smtClean="0"/>
+              <a:t>.castexpression</a:t>
+            </a:r>
+            <a:endParaRPr lang="en-US" altLang="ja-JP" dirty="0"/>
+          </a:p>
+        </p:txBody>
+      </p:sp>
+      <p:sp>
+        <p:nvSpPr>
+          <p:cNvPr id="12" name="コンテンツ プレースホルダー 2"/>
+          <p:cNvSpPr txBox="1">
+            <a:spLocks/>
+          </p:cNvSpPr>
+          <p:nvPr/>
+        </p:nvSpPr>
+        <p:spPr>
+          <a:xfrm>
+            <a:off x="4487954" y="1482000"/>
+            <a:ext cx="3611426" cy="1123665"/>
+          </a:xfrm>
+          <a:prstGeom prst="rect">
+            <a:avLst/>
+          </a:prstGeom>
+        </p:spPr>
+        <p:txBody>
+          <a:bodyPr vert="horz" lIns="91440" tIns="45720" rIns="91440" bIns="45720" rtlCol="0">
+            <a:normAutofit/>
+          </a:bodyPr>
+          <a:lstStyle>
+            <a:lvl1pPr marL="0" indent="0" algn="l" defTabSz="914400" rtl="0" eaLnBrk="1" latinLnBrk="0" hangingPunct="1">
+              <a:spcBef>
+                <a:spcPct val="20000"/>
+              </a:spcBef>
+              <a:spcAft>
+                <a:spcPts val="600"/>
+              </a:spcAft>
+              <a:buFont typeface="Arial" pitchFamily="34" charset="0"/>
+              <a:buNone/>
+              <a:defRPr kumimoji="1" sz="2000" b="1" kern="1200">
+                <a:solidFill>
+                  <a:schemeClr val="tx1"/>
+                </a:solidFill>
+                <a:latin typeface="+mn-lt"/>
+                <a:ea typeface="+mn-ea"/>
+                <a:cs typeface="+mn-cs"/>
+              </a:defRPr>
+            </a:lvl1pPr>
+            <a:lvl2pPr marL="457200" indent="-182880" algn="l" defTabSz="914400" rtl="0" eaLnBrk="1" latinLnBrk="0" hangingPunct="1">
+              <a:spcBef>
+                <a:spcPct val="20000"/>
+              </a:spcBef>
+              <a:buClr>
+                <a:schemeClr val="tx2"/>
+              </a:buClr>
+              <a:buFont typeface="Arial" pitchFamily="34" charset="0"/>
+              <a:buChar char="•"/>
+              <a:defRPr kumimoji="1" sz="2000" kern="1200">
+                <a:solidFill>
+                  <a:schemeClr val="tx1"/>
+                </a:solidFill>
+                <a:latin typeface="+mn-lt"/>
+                <a:ea typeface="+mn-ea"/>
+                <a:cs typeface="+mn-cs"/>
+              </a:defRPr>
+            </a:lvl2pPr>
+            <a:lvl3pPr marL="1143000" indent="-228600" algn="l" defTabSz="914400" rtl="0" eaLnBrk="1" latinLnBrk="0" hangingPunct="1">
+              <a:spcBef>
+                <a:spcPct val="20000"/>
+              </a:spcBef>
+              <a:buClr>
+                <a:schemeClr val="tx2"/>
+              </a:buClr>
+              <a:buFont typeface="Arial" pitchFamily="34" charset="0"/>
+              <a:buChar char="•"/>
+              <a:defRPr kumimoji="1" sz="1800" kern="1200">
+                <a:solidFill>
+                  <a:schemeClr val="tx1"/>
+                </a:solidFill>
+                <a:latin typeface="+mn-lt"/>
+                <a:ea typeface="+mn-ea"/>
+                <a:cs typeface="+mn-cs"/>
+              </a:defRPr>
+            </a:lvl3pPr>
+            <a:lvl4pPr marL="1600200" indent="-228600" algn="l" defTabSz="914400" rtl="0" eaLnBrk="1" latinLnBrk="0" hangingPunct="1">
+              <a:spcBef>
+                <a:spcPct val="20000"/>
+              </a:spcBef>
+              <a:buClr>
+                <a:schemeClr val="tx2"/>
+              </a:buClr>
+              <a:buFont typeface="Arial" pitchFamily="34" charset="0"/>
+              <a:buChar char="•"/>
+              <a:defRPr kumimoji="1" sz="1800" kern="1200">
+                <a:solidFill>
+                  <a:schemeClr val="tx1"/>
+                </a:solidFill>
+                <a:latin typeface="+mn-lt"/>
+                <a:ea typeface="+mn-ea"/>
+                <a:cs typeface="+mn-cs"/>
+              </a:defRPr>
+            </a:lvl4pPr>
+            <a:lvl5pPr marL="2057400" indent="-228600" algn="l" defTabSz="914400" rtl="0" eaLnBrk="1" latinLnBrk="0" hangingPunct="1">
+              <a:spcBef>
+                <a:spcPct val="20000"/>
+              </a:spcBef>
+              <a:buClr>
+                <a:schemeClr val="tx2"/>
+              </a:buClr>
+              <a:buFont typeface="Arial" pitchFamily="34" charset="0"/>
+              <a:buChar char="•"/>
+              <a:defRPr kumimoji="1" sz="1800" kern="1200" baseline="0">
+                <a:solidFill>
+                  <a:schemeClr val="tx1"/>
+                </a:solidFill>
+                <a:latin typeface="+mn-lt"/>
+                <a:ea typeface="+mn-ea"/>
+                <a:cs typeface="+mn-cs"/>
+              </a:defRPr>
+            </a:lvl5pPr>
+            <a:lvl6pPr marL="2514600" indent="-228600" algn="l" defTabSz="914400" rtl="0" eaLnBrk="1" latinLnBrk="0" hangingPunct="1">
+              <a:spcBef>
+                <a:spcPct val="20000"/>
+              </a:spcBef>
+              <a:buClr>
+                <a:schemeClr val="tx2"/>
+              </a:buClr>
+              <a:buFont typeface="Arial" pitchFamily="34" charset="0"/>
+              <a:buChar char="•"/>
+              <a:defRPr kumimoji="1" sz="1600" kern="1200">
+                <a:solidFill>
+                  <a:schemeClr val="tx1"/>
+                </a:solidFill>
+                <a:latin typeface="+mn-lt"/>
+                <a:ea typeface="+mn-ea"/>
+                <a:cs typeface="+mn-cs"/>
+              </a:defRPr>
+            </a:lvl6pPr>
+            <a:lvl7pPr marL="2971800" indent="-228600" algn="l" defTabSz="914400" rtl="0" eaLnBrk="1" latinLnBrk="0" hangingPunct="1">
+              <a:spcBef>
+                <a:spcPct val="20000"/>
+              </a:spcBef>
+              <a:buClr>
+                <a:schemeClr val="tx2"/>
+              </a:buClr>
+              <a:buFont typeface="Arial" pitchFamily="34" charset="0"/>
+              <a:buChar char="•"/>
+              <a:defRPr kumimoji="1" sz="1600" kern="1200">
+                <a:solidFill>
+                  <a:schemeClr val="tx1"/>
+                </a:solidFill>
+                <a:latin typeface="+mn-lt"/>
+                <a:ea typeface="+mn-ea"/>
+                <a:cs typeface="+mn-cs"/>
+              </a:defRPr>
+            </a:lvl7pPr>
+            <a:lvl8pPr marL="3429000" indent="-228600" algn="l" defTabSz="914400" rtl="0" eaLnBrk="1" latinLnBrk="0" hangingPunct="1">
+              <a:spcBef>
+                <a:spcPct val="20000"/>
+              </a:spcBef>
+              <a:buClr>
+                <a:schemeClr val="tx2"/>
+              </a:buClr>
+              <a:buFont typeface="Arial" pitchFamily="34" charset="0"/>
+              <a:buChar char="•"/>
+              <a:defRPr kumimoji="1" sz="1600" kern="1200">
+                <a:solidFill>
+                  <a:schemeClr val="tx1"/>
+                </a:solidFill>
+                <a:latin typeface="+mn-lt"/>
+                <a:ea typeface="+mn-ea"/>
+                <a:cs typeface="+mn-cs"/>
+              </a:defRPr>
+            </a:lvl8pPr>
+            <a:lvl9pPr marL="3886200" indent="-228600" algn="l" defTabSz="914400" rtl="0" eaLnBrk="1" latinLnBrk="0" hangingPunct="1">
+              <a:spcBef>
+                <a:spcPct val="20000"/>
+              </a:spcBef>
+              <a:buClr>
+                <a:schemeClr val="tx2"/>
+              </a:buClr>
+              <a:buFont typeface="Arial" pitchFamily="34" charset="0"/>
+              <a:buChar char="•"/>
+              <a:defRPr kumimoji="1" sz="1600" kern="1200">
+                <a:solidFill>
+                  <a:schemeClr val="tx1"/>
+                </a:solidFill>
+                <a:latin typeface="+mn-lt"/>
+                <a:ea typeface="+mn-ea"/>
+                <a:cs typeface="+mn-cs"/>
+              </a:defRPr>
+            </a:lvl9pPr>
+          </a:lstStyle>
+          <a:p>
+            <a:pPr marL="342900" indent="-342900">
+              <a:buFont typeface="Arial"/>
+              <a:buChar char="•"/>
+            </a:pPr>
+            <a:r>
+              <a:rPr lang="en-US" altLang="en-US" dirty="0" err="1"/>
+              <a:t>e</a:t>
+            </a:r>
+            <a:r>
+              <a:rPr lang="en-US" altLang="en-US" dirty="0" err="1" smtClean="0"/>
+              <a:t>num</a:t>
+            </a:r>
+            <a:endParaRPr lang="en-US" altLang="ja-JP" dirty="0" smtClean="0"/>
+          </a:p>
+          <a:p>
+            <a:pPr marL="800100" lvl="1" indent="-342900">
+              <a:buFont typeface="Arial"/>
+              <a:buChar char="•"/>
+            </a:pPr>
+            <a:r>
+              <a:rPr lang="en-US" altLang="ja-JP" dirty="0" err="1"/>
+              <a:t>c</a:t>
+            </a:r>
+            <a:r>
+              <a:rPr lang="en-US" altLang="ja-JP" dirty="0" err="1" smtClean="0"/>
+              <a:t>.enumeratorlist</a:t>
+            </a:r>
+            <a:endParaRPr lang="en-US" altLang="ja-JP" dirty="0"/>
+          </a:p>
+        </p:txBody>
+      </p:sp>
+      <p:sp>
+        <p:nvSpPr>
+          <p:cNvPr id="13" name="コンテンツ プレースホルダー 2"/>
+          <p:cNvSpPr txBox="1">
+            <a:spLocks/>
+          </p:cNvSpPr>
+          <p:nvPr/>
+        </p:nvSpPr>
+        <p:spPr>
+          <a:xfrm>
+            <a:off x="4487954" y="2745613"/>
+            <a:ext cx="3076016" cy="1288871"/>
+          </a:xfrm>
+          <a:prstGeom prst="rect">
+            <a:avLst/>
+          </a:prstGeom>
+        </p:spPr>
+        <p:txBody>
+          <a:bodyPr vert="horz" lIns="91440" tIns="45720" rIns="91440" bIns="45720" rtlCol="0">
+            <a:normAutofit/>
+          </a:bodyPr>
+          <a:lstStyle>
+            <a:lvl1pPr marL="0" indent="0" algn="l" defTabSz="914400" rtl="0" eaLnBrk="1" latinLnBrk="0" hangingPunct="1">
+              <a:spcBef>
+                <a:spcPct val="20000"/>
+              </a:spcBef>
+              <a:spcAft>
+                <a:spcPts val="600"/>
+              </a:spcAft>
+              <a:buFont typeface="Arial" pitchFamily="34" charset="0"/>
+              <a:buNone/>
+              <a:defRPr kumimoji="1" sz="2000" b="1" kern="1200">
+                <a:solidFill>
+                  <a:schemeClr val="tx1"/>
+                </a:solidFill>
+                <a:latin typeface="+mn-lt"/>
+                <a:ea typeface="+mn-ea"/>
+                <a:cs typeface="+mn-cs"/>
+              </a:defRPr>
+            </a:lvl1pPr>
+            <a:lvl2pPr marL="457200" indent="-182880" algn="l" defTabSz="914400" rtl="0" eaLnBrk="1" latinLnBrk="0" hangingPunct="1">
+              <a:spcBef>
+                <a:spcPct val="20000"/>
+              </a:spcBef>
+              <a:buClr>
+                <a:schemeClr val="tx2"/>
+              </a:buClr>
+              <a:buFont typeface="Arial" pitchFamily="34" charset="0"/>
+              <a:buChar char="•"/>
+              <a:defRPr kumimoji="1" sz="2000" kern="1200">
+                <a:solidFill>
+                  <a:schemeClr val="tx1"/>
+                </a:solidFill>
+                <a:latin typeface="+mn-lt"/>
+                <a:ea typeface="+mn-ea"/>
+                <a:cs typeface="+mn-cs"/>
+              </a:defRPr>
+            </a:lvl2pPr>
+            <a:lvl3pPr marL="1143000" indent="-228600" algn="l" defTabSz="914400" rtl="0" eaLnBrk="1" latinLnBrk="0" hangingPunct="1">
+              <a:spcBef>
+                <a:spcPct val="20000"/>
+              </a:spcBef>
+              <a:buClr>
+                <a:schemeClr val="tx2"/>
+              </a:buClr>
+              <a:buFont typeface="Arial" pitchFamily="34" charset="0"/>
+              <a:buChar char="•"/>
+              <a:defRPr kumimoji="1" sz="1800" kern="1200">
+                <a:solidFill>
+                  <a:schemeClr val="tx1"/>
+                </a:solidFill>
+                <a:latin typeface="+mn-lt"/>
+                <a:ea typeface="+mn-ea"/>
+                <a:cs typeface="+mn-cs"/>
+              </a:defRPr>
+            </a:lvl3pPr>
+            <a:lvl4pPr marL="1600200" indent="-228600" algn="l" defTabSz="914400" rtl="0" eaLnBrk="1" latinLnBrk="0" hangingPunct="1">
+              <a:spcBef>
+                <a:spcPct val="20000"/>
+              </a:spcBef>
+              <a:buClr>
+                <a:schemeClr val="tx2"/>
+              </a:buClr>
+              <a:buFont typeface="Arial" pitchFamily="34" charset="0"/>
+              <a:buChar char="•"/>
+              <a:defRPr kumimoji="1" sz="1800" kern="1200">
+                <a:solidFill>
+                  <a:schemeClr val="tx1"/>
+                </a:solidFill>
+                <a:latin typeface="+mn-lt"/>
+                <a:ea typeface="+mn-ea"/>
+                <a:cs typeface="+mn-cs"/>
+              </a:defRPr>
+            </a:lvl4pPr>
+            <a:lvl5pPr marL="2057400" indent="-228600" algn="l" defTabSz="914400" rtl="0" eaLnBrk="1" latinLnBrk="0" hangingPunct="1">
+              <a:spcBef>
+                <a:spcPct val="20000"/>
+              </a:spcBef>
+              <a:buClr>
+                <a:schemeClr val="tx2"/>
+              </a:buClr>
+              <a:buFont typeface="Arial" pitchFamily="34" charset="0"/>
+              <a:buChar char="•"/>
+              <a:defRPr kumimoji="1" sz="1800" kern="1200" baseline="0">
+                <a:solidFill>
+                  <a:schemeClr val="tx1"/>
+                </a:solidFill>
+                <a:latin typeface="+mn-lt"/>
+                <a:ea typeface="+mn-ea"/>
+                <a:cs typeface="+mn-cs"/>
+              </a:defRPr>
+            </a:lvl5pPr>
+            <a:lvl6pPr marL="2514600" indent="-228600" algn="l" defTabSz="914400" rtl="0" eaLnBrk="1" latinLnBrk="0" hangingPunct="1">
+              <a:spcBef>
+                <a:spcPct val="20000"/>
+              </a:spcBef>
+              <a:buClr>
+                <a:schemeClr val="tx2"/>
+              </a:buClr>
+              <a:buFont typeface="Arial" pitchFamily="34" charset="0"/>
+              <a:buChar char="•"/>
+              <a:defRPr kumimoji="1" sz="1600" kern="1200">
+                <a:solidFill>
+                  <a:schemeClr val="tx1"/>
+                </a:solidFill>
+                <a:latin typeface="+mn-lt"/>
+                <a:ea typeface="+mn-ea"/>
+                <a:cs typeface="+mn-cs"/>
+              </a:defRPr>
+            </a:lvl6pPr>
+            <a:lvl7pPr marL="2971800" indent="-228600" algn="l" defTabSz="914400" rtl="0" eaLnBrk="1" latinLnBrk="0" hangingPunct="1">
+              <a:spcBef>
+                <a:spcPct val="20000"/>
+              </a:spcBef>
+              <a:buClr>
+                <a:schemeClr val="tx2"/>
+              </a:buClr>
+              <a:buFont typeface="Arial" pitchFamily="34" charset="0"/>
+              <a:buChar char="•"/>
+              <a:defRPr kumimoji="1" sz="1600" kern="1200">
+                <a:solidFill>
+                  <a:schemeClr val="tx1"/>
+                </a:solidFill>
+                <a:latin typeface="+mn-lt"/>
+                <a:ea typeface="+mn-ea"/>
+                <a:cs typeface="+mn-cs"/>
+              </a:defRPr>
+            </a:lvl7pPr>
+            <a:lvl8pPr marL="3429000" indent="-228600" algn="l" defTabSz="914400" rtl="0" eaLnBrk="1" latinLnBrk="0" hangingPunct="1">
+              <a:spcBef>
+                <a:spcPct val="20000"/>
+              </a:spcBef>
+              <a:buClr>
+                <a:schemeClr val="tx2"/>
+              </a:buClr>
+              <a:buFont typeface="Arial" pitchFamily="34" charset="0"/>
+              <a:buChar char="•"/>
+              <a:defRPr kumimoji="1" sz="1600" kern="1200">
+                <a:solidFill>
+                  <a:schemeClr val="tx1"/>
+                </a:solidFill>
+                <a:latin typeface="+mn-lt"/>
+                <a:ea typeface="+mn-ea"/>
+                <a:cs typeface="+mn-cs"/>
+              </a:defRPr>
+            </a:lvl8pPr>
+            <a:lvl9pPr marL="3886200" indent="-228600" algn="l" defTabSz="914400" rtl="0" eaLnBrk="1" latinLnBrk="0" hangingPunct="1">
+              <a:spcBef>
+                <a:spcPct val="20000"/>
+              </a:spcBef>
+              <a:buClr>
+                <a:schemeClr val="tx2"/>
+              </a:buClr>
+              <a:buFont typeface="Arial" pitchFamily="34" charset="0"/>
+              <a:buChar char="•"/>
+              <a:defRPr kumimoji="1" sz="1600" kern="1200">
+                <a:solidFill>
+                  <a:schemeClr val="tx1"/>
+                </a:solidFill>
+                <a:latin typeface="+mn-lt"/>
+                <a:ea typeface="+mn-ea"/>
+                <a:cs typeface="+mn-cs"/>
+              </a:defRPr>
+            </a:lvl9pPr>
+          </a:lstStyle>
+          <a:p>
+            <a:pPr marL="342900" indent="-342900">
+              <a:buFont typeface="Arial"/>
+              <a:buChar char="•"/>
+            </a:pPr>
+            <a:r>
+              <a:rPr lang="en-US" altLang="ja-JP" dirty="0" err="1"/>
+              <a:t>s</a:t>
+            </a:r>
+            <a:r>
+              <a:rPr lang="en-US" altLang="ja-JP" dirty="0" err="1" smtClean="0"/>
+              <a:t>izeof</a:t>
+            </a:r>
+            <a:endParaRPr lang="en-US" altLang="ja-JP" dirty="0" smtClean="0"/>
+          </a:p>
+          <a:p>
+            <a:pPr marL="800100" lvl="1" indent="-342900">
+              <a:buFont typeface="Arial"/>
+              <a:buChar char="•"/>
+            </a:pPr>
+            <a:r>
+              <a:rPr lang="en-US" altLang="ja-JP" dirty="0" err="1"/>
+              <a:t>c</a:t>
+            </a:r>
+            <a:r>
+              <a:rPr lang="en-US" altLang="ja-JP" dirty="0" err="1" smtClean="0"/>
+              <a:t>.sizeof</a:t>
+            </a:r>
+            <a:endParaRPr lang="en-US" altLang="ja-JP" dirty="0" smtClean="0"/>
+          </a:p>
+          <a:p>
+            <a:pPr marL="800100" lvl="1" indent="-342900">
+              <a:buFont typeface="Arial"/>
+              <a:buChar char="•"/>
+            </a:pPr>
+            <a:r>
+              <a:rPr lang="en-US" altLang="ja-JP" dirty="0" err="1"/>
+              <a:t>c</a:t>
+            </a:r>
+            <a:r>
+              <a:rPr lang="en-US" altLang="ja-JP" dirty="0" err="1" smtClean="0"/>
+              <a:t>.typename</a:t>
+            </a:r>
+            <a:endParaRPr lang="en-US" altLang="ja-JP" dirty="0"/>
+          </a:p>
+          <a:p>
+            <a:pPr marL="342900" indent="-342900">
+              <a:buFont typeface="Arial"/>
+              <a:buChar char="•"/>
+            </a:pPr>
+            <a:endParaRPr lang="en-US" altLang="ja-JP" dirty="0"/>
+          </a:p>
+          <a:p>
+            <a:pPr marL="342900" indent="-342900">
+              <a:buFont typeface="Arial"/>
+              <a:buChar char="•"/>
+            </a:pPr>
+            <a:endParaRPr lang="en-US" altLang="ja-JP" dirty="0"/>
+          </a:p>
+          <a:p>
+            <a:pPr marL="342900" indent="-342900">
+              <a:buFont typeface="Arial"/>
+              <a:buChar char="•"/>
+            </a:pPr>
+            <a:endParaRPr lang="en-US" altLang="ja-JP" dirty="0" smtClean="0"/>
+          </a:p>
+        </p:txBody>
+      </p:sp>
+      <p:sp>
+        <p:nvSpPr>
+          <p:cNvPr id="7" name="コンテンツ プレースホルダー 2"/>
+          <p:cNvSpPr txBox="1">
+            <a:spLocks/>
+          </p:cNvSpPr>
+          <p:nvPr/>
+        </p:nvSpPr>
+        <p:spPr>
+          <a:xfrm>
+            <a:off x="609599" y="2845231"/>
+            <a:ext cx="3848003" cy="1257663"/>
+          </a:xfrm>
+          <a:prstGeom prst="rect">
+            <a:avLst/>
+          </a:prstGeom>
+        </p:spPr>
+        <p:txBody>
+          <a:bodyPr vert="horz" lIns="91440" tIns="45720" rIns="91440" bIns="45720" rtlCol="0">
+            <a:normAutofit/>
+          </a:bodyPr>
+          <a:lstStyle>
+            <a:lvl1pPr marL="0" indent="0" algn="l" defTabSz="914400" rtl="0" eaLnBrk="1" latinLnBrk="0" hangingPunct="1">
+              <a:spcBef>
+                <a:spcPct val="20000"/>
+              </a:spcBef>
+              <a:spcAft>
+                <a:spcPts val="600"/>
+              </a:spcAft>
+              <a:buFont typeface="Arial" pitchFamily="34" charset="0"/>
+              <a:buNone/>
+              <a:defRPr kumimoji="1" sz="2000" b="1" kern="1200">
+                <a:solidFill>
+                  <a:schemeClr val="tx1"/>
+                </a:solidFill>
+                <a:latin typeface="+mn-lt"/>
+                <a:ea typeface="+mn-ea"/>
+                <a:cs typeface="+mn-cs"/>
+              </a:defRPr>
+            </a:lvl1pPr>
+            <a:lvl2pPr marL="457200" indent="-182880" algn="l" defTabSz="914400" rtl="0" eaLnBrk="1" latinLnBrk="0" hangingPunct="1">
+              <a:spcBef>
+                <a:spcPct val="20000"/>
+              </a:spcBef>
+              <a:buClr>
+                <a:schemeClr val="tx2"/>
+              </a:buClr>
+              <a:buFont typeface="Arial" pitchFamily="34" charset="0"/>
+              <a:buChar char="•"/>
+              <a:defRPr kumimoji="1" sz="2000" kern="1200">
+                <a:solidFill>
+                  <a:schemeClr val="tx1"/>
+                </a:solidFill>
+                <a:latin typeface="+mn-lt"/>
+                <a:ea typeface="+mn-ea"/>
+                <a:cs typeface="+mn-cs"/>
+              </a:defRPr>
+            </a:lvl2pPr>
+            <a:lvl3pPr marL="1143000" indent="-228600" algn="l" defTabSz="914400" rtl="0" eaLnBrk="1" latinLnBrk="0" hangingPunct="1">
+              <a:spcBef>
+                <a:spcPct val="20000"/>
+              </a:spcBef>
+              <a:buClr>
+                <a:schemeClr val="tx2"/>
+              </a:buClr>
+              <a:buFont typeface="Arial" pitchFamily="34" charset="0"/>
+              <a:buChar char="•"/>
+              <a:defRPr kumimoji="1" sz="1800" kern="1200">
+                <a:solidFill>
+                  <a:schemeClr val="tx1"/>
+                </a:solidFill>
+                <a:latin typeface="+mn-lt"/>
+                <a:ea typeface="+mn-ea"/>
+                <a:cs typeface="+mn-cs"/>
+              </a:defRPr>
+            </a:lvl3pPr>
+            <a:lvl4pPr marL="1600200" indent="-228600" algn="l" defTabSz="914400" rtl="0" eaLnBrk="1" latinLnBrk="0" hangingPunct="1">
+              <a:spcBef>
+                <a:spcPct val="20000"/>
+              </a:spcBef>
+              <a:buClr>
+                <a:schemeClr val="tx2"/>
+              </a:buClr>
+              <a:buFont typeface="Arial" pitchFamily="34" charset="0"/>
+              <a:buChar char="•"/>
+              <a:defRPr kumimoji="1" sz="1800" kern="1200">
+                <a:solidFill>
+                  <a:schemeClr val="tx1"/>
+                </a:solidFill>
+                <a:latin typeface="+mn-lt"/>
+                <a:ea typeface="+mn-ea"/>
+                <a:cs typeface="+mn-cs"/>
+              </a:defRPr>
+            </a:lvl4pPr>
+            <a:lvl5pPr marL="2057400" indent="-228600" algn="l" defTabSz="914400" rtl="0" eaLnBrk="1" latinLnBrk="0" hangingPunct="1">
+              <a:spcBef>
+                <a:spcPct val="20000"/>
+              </a:spcBef>
+              <a:buClr>
+                <a:schemeClr val="tx2"/>
+              </a:buClr>
+              <a:buFont typeface="Arial" pitchFamily="34" charset="0"/>
+              <a:buChar char="•"/>
+              <a:defRPr kumimoji="1" sz="1800" kern="1200" baseline="0">
+                <a:solidFill>
+                  <a:schemeClr val="tx1"/>
+                </a:solidFill>
+                <a:latin typeface="+mn-lt"/>
+                <a:ea typeface="+mn-ea"/>
+                <a:cs typeface="+mn-cs"/>
+              </a:defRPr>
+            </a:lvl5pPr>
+            <a:lvl6pPr marL="2514600" indent="-228600" algn="l" defTabSz="914400" rtl="0" eaLnBrk="1" latinLnBrk="0" hangingPunct="1">
+              <a:spcBef>
+                <a:spcPct val="20000"/>
+              </a:spcBef>
+              <a:buClr>
+                <a:schemeClr val="tx2"/>
+              </a:buClr>
+              <a:buFont typeface="Arial" pitchFamily="34" charset="0"/>
+              <a:buChar char="•"/>
+              <a:defRPr kumimoji="1" sz="1600" kern="1200">
+                <a:solidFill>
+                  <a:schemeClr val="tx1"/>
+                </a:solidFill>
+                <a:latin typeface="+mn-lt"/>
+                <a:ea typeface="+mn-ea"/>
+                <a:cs typeface="+mn-cs"/>
+              </a:defRPr>
+            </a:lvl6pPr>
+            <a:lvl7pPr marL="2971800" indent="-228600" algn="l" defTabSz="914400" rtl="0" eaLnBrk="1" latinLnBrk="0" hangingPunct="1">
+              <a:spcBef>
+                <a:spcPct val="20000"/>
+              </a:spcBef>
+              <a:buClr>
+                <a:schemeClr val="tx2"/>
+              </a:buClr>
+              <a:buFont typeface="Arial" pitchFamily="34" charset="0"/>
+              <a:buChar char="•"/>
+              <a:defRPr kumimoji="1" sz="1600" kern="1200">
+                <a:solidFill>
+                  <a:schemeClr val="tx1"/>
+                </a:solidFill>
+                <a:latin typeface="+mn-lt"/>
+                <a:ea typeface="+mn-ea"/>
+                <a:cs typeface="+mn-cs"/>
+              </a:defRPr>
+            </a:lvl7pPr>
+            <a:lvl8pPr marL="3429000" indent="-228600" algn="l" defTabSz="914400" rtl="0" eaLnBrk="1" latinLnBrk="0" hangingPunct="1">
+              <a:spcBef>
+                <a:spcPct val="20000"/>
+              </a:spcBef>
+              <a:buClr>
+                <a:schemeClr val="tx2"/>
+              </a:buClr>
+              <a:buFont typeface="Arial" pitchFamily="34" charset="0"/>
+              <a:buChar char="•"/>
+              <a:defRPr kumimoji="1" sz="1600" kern="1200">
+                <a:solidFill>
+                  <a:schemeClr val="tx1"/>
+                </a:solidFill>
+                <a:latin typeface="+mn-lt"/>
+                <a:ea typeface="+mn-ea"/>
+                <a:cs typeface="+mn-cs"/>
+              </a:defRPr>
+            </a:lvl8pPr>
+            <a:lvl9pPr marL="3886200" indent="-228600" algn="l" defTabSz="914400" rtl="0" eaLnBrk="1" latinLnBrk="0" hangingPunct="1">
+              <a:spcBef>
+                <a:spcPct val="20000"/>
+              </a:spcBef>
+              <a:buClr>
+                <a:schemeClr val="tx2"/>
+              </a:buClr>
+              <a:buFont typeface="Arial" pitchFamily="34" charset="0"/>
+              <a:buChar char="•"/>
+              <a:defRPr kumimoji="1" sz="1600" kern="1200">
+                <a:solidFill>
+                  <a:schemeClr val="tx1"/>
+                </a:solidFill>
+                <a:latin typeface="+mn-lt"/>
+                <a:ea typeface="+mn-ea"/>
+                <a:cs typeface="+mn-cs"/>
+              </a:defRPr>
+            </a:lvl9pPr>
+          </a:lstStyle>
+          <a:p>
+            <a:pPr marL="342900" indent="-342900">
+              <a:buFont typeface="Arial"/>
+              <a:buChar char="•"/>
+            </a:pPr>
+            <a:r>
+              <a:rPr lang="ja-JP" altLang="en-US" dirty="0" smtClean="0"/>
+              <a:t>代入演算子</a:t>
+            </a:r>
+            <a:endParaRPr lang="en-US" altLang="ja-JP" dirty="0" smtClean="0"/>
+          </a:p>
+          <a:p>
+            <a:pPr marL="800100" lvl="1" indent="-342900">
+              <a:buFont typeface="Arial"/>
+              <a:buChar char="•"/>
+            </a:pPr>
+            <a:r>
+              <a:rPr lang="en-US" altLang="ja-JP" dirty="0" err="1"/>
+              <a:t>c</a:t>
+            </a:r>
+            <a:r>
+              <a:rPr lang="en-US" altLang="ja-JP" dirty="0" err="1" smtClean="0"/>
+              <a:t>.assignmentoperator</a:t>
+            </a:r>
+            <a:endParaRPr lang="en-US" altLang="ja-JP" dirty="0"/>
+          </a:p>
+          <a:p>
+            <a:pPr marL="342900" indent="-342900">
+              <a:buFont typeface="Arial"/>
+              <a:buChar char="•"/>
+            </a:pPr>
+            <a:endParaRPr lang="en-US" altLang="ja-JP" dirty="0" smtClean="0"/>
+          </a:p>
+        </p:txBody>
+      </p:sp>
+    </p:spTree>
+    <p:extLst>
+      <p:ext uri="{BB962C8B-B14F-4D97-AF65-F5344CB8AC3E}">
+        <p14:creationId xmlns:p14="http://schemas.microsoft.com/office/powerpoint/2010/main" val="2717462520"/>
+      </p:ext>
+    </p:extLst>
+  </p:cSld>
+  <p:clrMapOvr>
+    <a:masterClrMapping/>
+  </p:clrMapOvr>
+</p:sld>
+</file>
+
 <file path=ppt/slides/slide4.xml><?xml version="1.0" encoding="utf-8"?>
 <p:sld xmlns:a="http://schemas.openxmlformats.org/drawingml/2006/main" xmlns:r="http://schemas.openxmlformats.org/officeDocument/2006/relationships" xmlns:p="http://schemas.openxmlformats.org/presentationml/2006/main">
   <p:cSld>
@@ -11504,11 +14828,7 @@
           <a:p>
             <a:r>
               <a:rPr lang="en-US" altLang="ja-JP" dirty="0" smtClean="0"/>
-              <a:t>template </a:t>
-            </a:r>
-            <a:r>
-              <a:rPr lang="en-US" altLang="ja-JP" dirty="0" smtClean="0"/>
-              <a:t>#add(x: int32, y: int32): int32 {</a:t>
+              <a:t>template #add(x: int32, y: int32): int32 {</a:t>
             </a:r>
           </a:p>
           <a:p>
@@ -11532,6 +14852,5330 @@
     <p:extLst>
       <p:ext uri="{BB962C8B-B14F-4D97-AF65-F5344CB8AC3E}">
         <p14:creationId xmlns:p14="http://schemas.microsoft.com/office/powerpoint/2010/main" val="875733533"/>
+      </p:ext>
+    </p:extLst>
+  </p:cSld>
+  <p:clrMapOvr>
+    <a:masterClrMapping/>
+  </p:clrMapOvr>
+</p:sld>
+</file>
+
+<file path=ppt/slides/slide40.xml><?xml version="1.0" encoding="utf-8"?>
+<p:sld xmlns:a="http://schemas.openxmlformats.org/drawingml/2006/main" xmlns:r="http://schemas.openxmlformats.org/officeDocument/2006/relationships" xmlns:p="http://schemas.openxmlformats.org/presentationml/2006/main">
+  <p:cSld>
+    <p:spTree>
+      <p:nvGrpSpPr>
+        <p:cNvPr id="1" name=""/>
+        <p:cNvGrpSpPr/>
+        <p:nvPr/>
+      </p:nvGrpSpPr>
+      <p:grpSpPr>
+        <a:xfrm>
+          <a:off x="0" y="0"/>
+          <a:ext cx="0" cy="0"/>
+          <a:chOff x="0" y="0"/>
+          <a:chExt cx="0" cy="0"/>
+        </a:xfrm>
+      </p:grpSpPr>
+      <p:sp>
+        <p:nvSpPr>
+          <p:cNvPr id="2" name="タイトル 1"/>
+          <p:cNvSpPr>
+            <a:spLocks noGrp="1"/>
+          </p:cNvSpPr>
+          <p:nvPr>
+            <p:ph type="title"/>
+          </p:nvPr>
+        </p:nvSpPr>
+        <p:spPr/>
+        <p:txBody>
+          <a:bodyPr>
+            <a:normAutofit/>
+          </a:bodyPr>
+          <a:lstStyle/>
+          <a:p>
+            <a:r>
+              <a:rPr lang="ja-JP" altLang="en-US" dirty="0"/>
+              <a:t>関数</a:t>
+            </a:r>
+            <a:r>
+              <a:rPr lang="ja-JP" altLang="en-US" dirty="0" smtClean="0"/>
+              <a:t>定義</a:t>
+            </a:r>
+            <a:endParaRPr kumimoji="1" lang="ja-JP" altLang="en-US" dirty="0"/>
+          </a:p>
+        </p:txBody>
+      </p:sp>
+      <p:sp>
+        <p:nvSpPr>
+          <p:cNvPr id="4" name="テキスト ボックス 3"/>
+          <p:cNvSpPr txBox="1"/>
+          <p:nvPr/>
+        </p:nvSpPr>
+        <p:spPr>
+          <a:xfrm>
+            <a:off x="4355713" y="1741506"/>
+            <a:ext cx="3901790" cy="3970318"/>
+          </a:xfrm>
+          <a:prstGeom prst="rect">
+            <a:avLst/>
+          </a:prstGeom>
+          <a:noFill/>
+        </p:spPr>
+        <p:txBody>
+          <a:bodyPr wrap="square" rtlCol="0">
+            <a:spAutoFit/>
+          </a:bodyPr>
+          <a:lstStyle/>
+          <a:p>
+            <a:r>
+              <a:rPr lang="en-US" altLang="ja-JP" dirty="0">
+                <a:latin typeface="Arial"/>
+                <a:cs typeface="Arial"/>
+              </a:rPr>
+              <a:t> </a:t>
+            </a:r>
+            <a:r>
+              <a:rPr lang="en-US" altLang="ja-JP" dirty="0" smtClean="0">
+                <a:latin typeface="Arial"/>
+                <a:cs typeface="Arial"/>
+              </a:rPr>
+              <a:t>    #</a:t>
+            </a:r>
+            <a:r>
+              <a:rPr lang="en-US" altLang="ja-JP" dirty="0" smtClean="0">
+                <a:latin typeface="Arial"/>
+                <a:cs typeface="Arial"/>
+              </a:rPr>
+              <a:t>function </a:t>
+            </a:r>
+            <a:r>
+              <a:rPr lang="en-US" altLang="ja-JP" dirty="0" smtClean="0">
+                <a:latin typeface="Arial"/>
+                <a:cs typeface="Arial"/>
+              </a:rPr>
+              <a:t>{</a:t>
+            </a:r>
+          </a:p>
+          <a:p>
+            <a:r>
+              <a:rPr lang="en-US" altLang="ja-JP" dirty="0" smtClean="0">
+                <a:latin typeface="Arial"/>
+                <a:cs typeface="Arial"/>
+              </a:rPr>
+              <a:t>         </a:t>
+            </a:r>
+            <a:r>
+              <a:rPr lang="en-US" altLang="ja-JP" dirty="0" smtClean="0">
+                <a:solidFill>
+                  <a:srgbClr val="FF6600"/>
+                </a:solidFill>
+                <a:latin typeface="Arial"/>
+                <a:cs typeface="Arial"/>
+              </a:rPr>
+              <a:t>#</a:t>
+            </a:r>
+            <a:r>
+              <a:rPr lang="en-US" altLang="ja-JP" dirty="0" err="1" smtClean="0">
+                <a:solidFill>
+                  <a:srgbClr val="FF6600"/>
+                </a:solidFill>
+                <a:latin typeface="Arial"/>
+                <a:cs typeface="Arial"/>
+              </a:rPr>
+              <a:t>c.declarationspecifier</a:t>
+            </a:r>
+            <a:r>
+              <a:rPr lang="en-US" altLang="ja-JP" dirty="0" smtClean="0">
+                <a:solidFill>
+                  <a:srgbClr val="FF6600"/>
+                </a:solidFill>
+                <a:latin typeface="Arial"/>
+                <a:cs typeface="Arial"/>
+              </a:rPr>
+              <a:t> </a:t>
+            </a:r>
+            <a:r>
+              <a:rPr lang="en-US" altLang="ja-JP" dirty="0" smtClean="0">
+                <a:latin typeface="Arial"/>
+                <a:cs typeface="Arial"/>
+              </a:rPr>
+              <a:t>{</a:t>
+            </a:r>
+          </a:p>
+          <a:p>
+            <a:r>
+              <a:rPr lang="en-US" altLang="ja-JP" dirty="0" smtClean="0">
+                <a:latin typeface="Arial"/>
+                <a:cs typeface="Arial"/>
+              </a:rPr>
+              <a:t>             </a:t>
+            </a:r>
+            <a:r>
+              <a:rPr lang="en-US" altLang="ja-JP" dirty="0" smtClean="0">
+                <a:latin typeface="Arial"/>
+                <a:cs typeface="Arial"/>
+              </a:rPr>
+              <a:t>#</a:t>
+            </a:r>
+            <a:r>
+              <a:rPr lang="en-US" altLang="ja-JP" dirty="0" err="1" smtClean="0">
+                <a:latin typeface="Arial"/>
+                <a:cs typeface="Arial"/>
+              </a:rPr>
+              <a:t>c.typespecifier</a:t>
+            </a:r>
+            <a:r>
+              <a:rPr lang="en-US" altLang="ja-JP" dirty="0">
+                <a:latin typeface="Arial"/>
+                <a:cs typeface="Arial"/>
+              </a:rPr>
+              <a:t>: </a:t>
+            </a:r>
+            <a:r>
+              <a:rPr lang="en-US" altLang="ja-JP" dirty="0" err="1" smtClean="0">
+                <a:latin typeface="Arial"/>
+                <a:cs typeface="Arial"/>
+              </a:rPr>
+              <a:t>int</a:t>
+            </a:r>
+            <a:endParaRPr lang="en-US" altLang="ja-JP" dirty="0" smtClean="0">
+              <a:latin typeface="Arial"/>
+              <a:cs typeface="Arial"/>
+            </a:endParaRPr>
+          </a:p>
+          <a:p>
+            <a:r>
+              <a:rPr lang="en-US" altLang="ja-JP" dirty="0">
+                <a:latin typeface="Arial"/>
+                <a:cs typeface="Arial"/>
+              </a:rPr>
+              <a:t> </a:t>
+            </a:r>
+            <a:r>
+              <a:rPr lang="en-US" altLang="ja-JP" dirty="0" smtClean="0">
+                <a:latin typeface="Arial"/>
+                <a:cs typeface="Arial"/>
+              </a:rPr>
+              <a:t>         }</a:t>
+            </a:r>
+            <a:endParaRPr lang="en-US" altLang="ja-JP" dirty="0">
+              <a:latin typeface="Arial"/>
+              <a:cs typeface="Arial"/>
+            </a:endParaRPr>
+          </a:p>
+          <a:p>
+            <a:r>
+              <a:rPr lang="en-US" altLang="ja-JP" dirty="0">
+                <a:latin typeface="Arial"/>
+                <a:cs typeface="Arial"/>
+              </a:rPr>
+              <a:t>      </a:t>
+            </a:r>
+            <a:r>
+              <a:rPr lang="en-US" altLang="ja-JP" dirty="0" smtClean="0">
+                <a:latin typeface="Arial"/>
+                <a:cs typeface="Arial"/>
+              </a:rPr>
+              <a:t>   </a:t>
+            </a:r>
+            <a:r>
+              <a:rPr lang="en-US" altLang="ja-JP" dirty="0" smtClean="0">
+                <a:solidFill>
+                  <a:srgbClr val="FF6600"/>
+                </a:solidFill>
+                <a:latin typeface="Arial"/>
+                <a:cs typeface="Arial"/>
+              </a:rPr>
+              <a:t>#</a:t>
+            </a:r>
+            <a:r>
+              <a:rPr lang="en-US" altLang="ja-JP" dirty="0" err="1" smtClean="0">
+                <a:solidFill>
+                  <a:srgbClr val="FF6600"/>
+                </a:solidFill>
+                <a:latin typeface="Arial"/>
+                <a:cs typeface="Arial"/>
+              </a:rPr>
+              <a:t>c.declarator</a:t>
+            </a:r>
+            <a:r>
+              <a:rPr lang="en-US" altLang="ja-JP" dirty="0" smtClean="0">
+                <a:solidFill>
+                  <a:srgbClr val="FF6600"/>
+                </a:solidFill>
+                <a:latin typeface="Arial"/>
+                <a:cs typeface="Arial"/>
+              </a:rPr>
+              <a:t> </a:t>
+            </a:r>
+            <a:r>
+              <a:rPr lang="en-US" altLang="ja-JP" dirty="0" smtClean="0">
+                <a:latin typeface="Arial"/>
+                <a:cs typeface="Arial"/>
+              </a:rPr>
+              <a:t>{</a:t>
+            </a:r>
+            <a:endParaRPr lang="en-US" altLang="ja-JP" dirty="0">
+              <a:latin typeface="Arial"/>
+              <a:cs typeface="Arial"/>
+            </a:endParaRPr>
+          </a:p>
+          <a:p>
+            <a:r>
+              <a:rPr lang="en-US" altLang="ja-JP" dirty="0">
+                <a:latin typeface="Arial"/>
+                <a:cs typeface="Arial"/>
+              </a:rPr>
+              <a:t>         </a:t>
+            </a:r>
+            <a:r>
+              <a:rPr lang="en-US" altLang="ja-JP" dirty="0" smtClean="0">
+                <a:latin typeface="Arial"/>
+                <a:cs typeface="Arial"/>
+              </a:rPr>
+              <a:t>    </a:t>
+            </a:r>
+            <a:r>
+              <a:rPr lang="en-US" altLang="ja-JP" dirty="0" smtClean="0">
+                <a:latin typeface="Arial"/>
+                <a:cs typeface="Arial"/>
+              </a:rPr>
+              <a:t>#</a:t>
+            </a:r>
+            <a:r>
+              <a:rPr lang="en-US" altLang="ja-JP" dirty="0" smtClean="0">
+                <a:latin typeface="Arial"/>
+                <a:cs typeface="Arial"/>
+              </a:rPr>
+              <a:t>name</a:t>
+            </a:r>
+            <a:r>
+              <a:rPr lang="en-US" altLang="ja-JP" dirty="0" smtClean="0">
+                <a:latin typeface="Arial"/>
+                <a:cs typeface="Arial"/>
+              </a:rPr>
+              <a:t>: </a:t>
+            </a:r>
+            <a:r>
+              <a:rPr lang="en-US" altLang="ja-JP" dirty="0">
+                <a:latin typeface="Arial"/>
+                <a:cs typeface="Arial"/>
+              </a:rPr>
+              <a:t>main </a:t>
+            </a:r>
+            <a:endParaRPr lang="en-US" altLang="ja-JP" dirty="0" smtClean="0">
+              <a:latin typeface="Arial"/>
+              <a:cs typeface="Arial"/>
+            </a:endParaRPr>
+          </a:p>
+          <a:p>
+            <a:r>
+              <a:rPr lang="fi-FI" altLang="ja-JP" dirty="0" smtClean="0">
+                <a:latin typeface="Arial"/>
+                <a:cs typeface="Arial"/>
+              </a:rPr>
+              <a:t>             </a:t>
+            </a:r>
+            <a:r>
+              <a:rPr lang="fi-FI" altLang="ja-JP" dirty="0" smtClean="0">
+                <a:solidFill>
+                  <a:srgbClr val="FF6600"/>
+                </a:solidFill>
+                <a:latin typeface="Arial"/>
+                <a:cs typeface="Arial"/>
+              </a:rPr>
+              <a:t>#</a:t>
+            </a:r>
+            <a:r>
+              <a:rPr lang="fi-FI" altLang="ja-JP" dirty="0" err="1" smtClean="0">
+                <a:solidFill>
+                  <a:srgbClr val="FF6600"/>
+                </a:solidFill>
+                <a:latin typeface="Arial"/>
+                <a:cs typeface="Arial"/>
+              </a:rPr>
+              <a:t>c.typespecifier</a:t>
+            </a:r>
+            <a:r>
+              <a:rPr lang="fi-FI" altLang="ja-JP" dirty="0" smtClean="0">
+                <a:latin typeface="Arial"/>
+                <a:cs typeface="Arial"/>
+              </a:rPr>
+              <a:t>: </a:t>
+            </a:r>
+            <a:r>
+              <a:rPr lang="fi-FI" altLang="ja-JP" dirty="0" err="1" smtClean="0">
+                <a:latin typeface="Arial"/>
+                <a:cs typeface="Arial"/>
+              </a:rPr>
+              <a:t>void</a:t>
+            </a:r>
+            <a:endParaRPr lang="fi-FI" altLang="ja-JP" dirty="0" smtClean="0">
+              <a:latin typeface="Arial"/>
+              <a:cs typeface="Arial"/>
+            </a:endParaRPr>
+          </a:p>
+          <a:p>
+            <a:r>
+              <a:rPr lang="fi-FI" altLang="ja-JP" dirty="0" smtClean="0">
+                <a:latin typeface="Arial"/>
+                <a:cs typeface="Arial"/>
+              </a:rPr>
+              <a:t>         }</a:t>
+            </a:r>
+          </a:p>
+          <a:p>
+            <a:r>
+              <a:rPr lang="en-US" altLang="ja-JP" dirty="0" smtClean="0">
+                <a:latin typeface="Arial"/>
+                <a:cs typeface="Arial"/>
+              </a:rPr>
+              <a:t>         </a:t>
+            </a:r>
+            <a:r>
+              <a:rPr lang="en-US" altLang="ja-JP" dirty="0" smtClean="0">
+                <a:latin typeface="Arial"/>
+                <a:cs typeface="Arial"/>
+              </a:rPr>
+              <a:t>#</a:t>
+            </a:r>
+            <a:r>
+              <a:rPr lang="en-US" altLang="ja-JP" dirty="0" smtClean="0">
+                <a:latin typeface="Arial"/>
+                <a:cs typeface="Arial"/>
+              </a:rPr>
+              <a:t>block</a:t>
+            </a:r>
+            <a:r>
+              <a:rPr lang="en-US" altLang="ja-JP" dirty="0" smtClean="0">
+                <a:latin typeface="Arial"/>
+                <a:cs typeface="Arial"/>
+              </a:rPr>
+              <a:t> </a:t>
+            </a:r>
+            <a:r>
+              <a:rPr lang="en-US" altLang="ja-JP" dirty="0">
+                <a:latin typeface="Arial"/>
+                <a:cs typeface="Arial"/>
+              </a:rPr>
+              <a:t>{ </a:t>
+            </a:r>
+            <a:r>
+              <a:rPr lang="en-US" altLang="ja-JP" dirty="0" smtClean="0">
+                <a:latin typeface="Arial"/>
+                <a:cs typeface="Arial"/>
+              </a:rPr>
+              <a:t> </a:t>
+            </a:r>
+            <a:endParaRPr lang="en-US" altLang="ja-JP" dirty="0">
+              <a:latin typeface="Arial"/>
+              <a:cs typeface="Arial"/>
+            </a:endParaRPr>
+          </a:p>
+          <a:p>
+            <a:r>
+              <a:rPr lang="en-US" altLang="ja-JP" dirty="0">
+                <a:latin typeface="Arial"/>
+                <a:cs typeface="Arial"/>
+              </a:rPr>
+              <a:t>         </a:t>
+            </a:r>
+            <a:r>
+              <a:rPr lang="en-US" altLang="ja-JP" dirty="0" smtClean="0">
+                <a:latin typeface="Arial"/>
+                <a:cs typeface="Arial"/>
+              </a:rPr>
+              <a:t>    #</a:t>
+            </a:r>
+            <a:r>
+              <a:rPr lang="en-US" altLang="ja-JP" dirty="0" smtClean="0">
+                <a:latin typeface="Arial"/>
+                <a:cs typeface="Arial"/>
+              </a:rPr>
+              <a:t>return </a:t>
+            </a:r>
+            <a:r>
+              <a:rPr lang="en-US" altLang="ja-JP" dirty="0" smtClean="0">
+                <a:latin typeface="Arial"/>
+                <a:cs typeface="Arial"/>
+              </a:rPr>
+              <a:t>{</a:t>
+            </a:r>
+            <a:endParaRPr lang="en-US" altLang="ja-JP" dirty="0">
+              <a:latin typeface="Arial"/>
+              <a:cs typeface="Arial"/>
+            </a:endParaRPr>
+          </a:p>
+          <a:p>
+            <a:r>
+              <a:rPr lang="en-US" altLang="ja-JP" dirty="0">
+                <a:latin typeface="Arial"/>
+                <a:cs typeface="Arial"/>
+              </a:rPr>
+              <a:t>            </a:t>
+            </a:r>
+            <a:r>
+              <a:rPr lang="en-US" altLang="ja-JP" dirty="0" smtClean="0">
+                <a:latin typeface="Arial"/>
+                <a:cs typeface="Arial"/>
+              </a:rPr>
+              <a:t>    #</a:t>
+            </a:r>
+            <a:r>
+              <a:rPr lang="en-US" altLang="ja-JP" dirty="0" smtClean="0">
+                <a:latin typeface="Arial"/>
+                <a:cs typeface="Arial"/>
+              </a:rPr>
+              <a:t>integer: </a:t>
+            </a:r>
+            <a:r>
+              <a:rPr lang="en-US" altLang="ja-JP" dirty="0" smtClean="0">
+                <a:latin typeface="Arial"/>
+                <a:cs typeface="Arial"/>
+              </a:rPr>
+              <a:t>0</a:t>
+            </a:r>
+            <a:endParaRPr lang="en-US" altLang="ja-JP" dirty="0">
+              <a:latin typeface="Arial"/>
+              <a:cs typeface="Arial"/>
+            </a:endParaRPr>
+          </a:p>
+          <a:p>
+            <a:r>
+              <a:rPr lang="en-US" altLang="ja-JP" dirty="0">
+                <a:latin typeface="Arial"/>
+                <a:cs typeface="Arial"/>
+              </a:rPr>
+              <a:t>         </a:t>
+            </a:r>
+            <a:r>
+              <a:rPr lang="en-US" altLang="ja-JP" dirty="0" smtClean="0">
+                <a:latin typeface="Arial"/>
+                <a:cs typeface="Arial"/>
+              </a:rPr>
+              <a:t>    }</a:t>
+            </a:r>
+            <a:endParaRPr lang="en-US" altLang="ja-JP" dirty="0">
+              <a:latin typeface="Arial"/>
+              <a:cs typeface="Arial"/>
+            </a:endParaRPr>
+          </a:p>
+          <a:p>
+            <a:r>
+              <a:rPr lang="en-US" altLang="ja-JP" dirty="0">
+                <a:latin typeface="Arial"/>
+                <a:cs typeface="Arial"/>
+              </a:rPr>
+              <a:t>      </a:t>
+            </a:r>
+            <a:r>
+              <a:rPr lang="en-US" altLang="ja-JP" dirty="0" smtClean="0">
+                <a:latin typeface="Arial"/>
+                <a:cs typeface="Arial"/>
+              </a:rPr>
+              <a:t>   } </a:t>
+            </a:r>
+            <a:endParaRPr lang="en-US" altLang="ja-JP" dirty="0">
+              <a:latin typeface="Arial"/>
+              <a:cs typeface="Arial"/>
+            </a:endParaRPr>
+          </a:p>
+          <a:p>
+            <a:r>
+              <a:rPr lang="en-US" altLang="ja-JP" dirty="0">
+                <a:latin typeface="Arial"/>
+                <a:cs typeface="Arial"/>
+              </a:rPr>
+              <a:t>   </a:t>
+            </a:r>
+            <a:r>
+              <a:rPr lang="en-US" altLang="ja-JP" dirty="0" smtClean="0">
+                <a:latin typeface="Arial"/>
+                <a:cs typeface="Arial"/>
+              </a:rPr>
+              <a:t>  } </a:t>
+            </a:r>
+            <a:endParaRPr lang="en-US" altLang="ja-JP" dirty="0">
+              <a:latin typeface="Arial"/>
+              <a:cs typeface="Arial"/>
+            </a:endParaRPr>
+          </a:p>
+        </p:txBody>
+      </p:sp>
+      <p:sp>
+        <p:nvSpPr>
+          <p:cNvPr id="5" name="テキスト ボックス 4"/>
+          <p:cNvSpPr txBox="1"/>
+          <p:nvPr/>
+        </p:nvSpPr>
+        <p:spPr>
+          <a:xfrm>
+            <a:off x="1126020" y="1777414"/>
+            <a:ext cx="1711338" cy="923330"/>
+          </a:xfrm>
+          <a:prstGeom prst="rect">
+            <a:avLst/>
+          </a:prstGeom>
+          <a:noFill/>
+        </p:spPr>
+        <p:txBody>
+          <a:bodyPr wrap="none" rtlCol="0">
+            <a:spAutoFit/>
+          </a:bodyPr>
+          <a:lstStyle/>
+          <a:p>
+            <a:r>
+              <a:rPr lang="en-US" altLang="ja-JP" dirty="0" err="1">
+                <a:latin typeface="Arial"/>
+                <a:cs typeface="Arial"/>
+              </a:rPr>
+              <a:t>int</a:t>
+            </a:r>
+            <a:r>
+              <a:rPr lang="en-US" altLang="ja-JP" dirty="0">
+                <a:latin typeface="Arial"/>
+                <a:cs typeface="Arial"/>
+              </a:rPr>
+              <a:t> main(void) {</a:t>
+            </a:r>
+          </a:p>
+          <a:p>
+            <a:r>
+              <a:rPr lang="en-US" altLang="ja-JP" dirty="0">
+                <a:latin typeface="Arial"/>
+                <a:cs typeface="Arial"/>
+              </a:rPr>
+              <a:t>	return 0;</a:t>
+            </a:r>
+          </a:p>
+          <a:p>
+            <a:r>
+              <a:rPr lang="en-US" altLang="ja-JP" dirty="0">
+                <a:latin typeface="Arial"/>
+                <a:cs typeface="Arial"/>
+              </a:rPr>
+              <a:t>}</a:t>
+            </a:r>
+            <a:endParaRPr kumimoji="1" lang="ja-JP" altLang="en-US" dirty="0" smtClean="0">
+              <a:latin typeface="Arial"/>
+              <a:cs typeface="Arial"/>
+            </a:endParaRPr>
+          </a:p>
+        </p:txBody>
+      </p:sp>
+      <p:sp>
+        <p:nvSpPr>
+          <p:cNvPr id="6" name="テキスト ボックス 5"/>
+          <p:cNvSpPr txBox="1"/>
+          <p:nvPr/>
+        </p:nvSpPr>
+        <p:spPr>
+          <a:xfrm>
+            <a:off x="1461683" y="1251629"/>
+            <a:ext cx="646331" cy="369332"/>
+          </a:xfrm>
+          <a:prstGeom prst="rect">
+            <a:avLst/>
+          </a:prstGeom>
+          <a:noFill/>
+        </p:spPr>
+        <p:txBody>
+          <a:bodyPr wrap="none" rtlCol="0">
+            <a:spAutoFit/>
+          </a:bodyPr>
+          <a:lstStyle/>
+          <a:p>
+            <a:r>
+              <a:rPr lang="ja-JP" altLang="en-US" b="1" dirty="0" smtClean="0">
+                <a:latin typeface="Arial"/>
+                <a:cs typeface="Arial"/>
+              </a:rPr>
+              <a:t>入力</a:t>
+            </a:r>
+            <a:endParaRPr kumimoji="1" lang="ja-JP" altLang="en-US" b="1" dirty="0" smtClean="0">
+              <a:latin typeface="Arial"/>
+              <a:cs typeface="Arial"/>
+            </a:endParaRPr>
+          </a:p>
+        </p:txBody>
+      </p:sp>
+      <p:sp>
+        <p:nvSpPr>
+          <p:cNvPr id="7" name="テキスト ボックス 6"/>
+          <p:cNvSpPr txBox="1"/>
+          <p:nvPr/>
+        </p:nvSpPr>
+        <p:spPr>
+          <a:xfrm>
+            <a:off x="5830110" y="1257295"/>
+            <a:ext cx="877163" cy="369332"/>
+          </a:xfrm>
+          <a:prstGeom prst="rect">
+            <a:avLst/>
+          </a:prstGeom>
+          <a:noFill/>
+        </p:spPr>
+        <p:txBody>
+          <a:bodyPr wrap="none" rtlCol="0">
+            <a:spAutoFit/>
+          </a:bodyPr>
+          <a:lstStyle/>
+          <a:p>
+            <a:r>
+              <a:rPr kumimoji="1" lang="ja-JP" altLang="en-US" b="1" dirty="0" smtClean="0">
+                <a:latin typeface="Arial"/>
+                <a:cs typeface="Arial"/>
+              </a:rPr>
+              <a:t>ラベル</a:t>
+            </a:r>
+          </a:p>
+        </p:txBody>
+      </p:sp>
+    </p:spTree>
+    <p:extLst>
+      <p:ext uri="{BB962C8B-B14F-4D97-AF65-F5344CB8AC3E}">
+        <p14:creationId xmlns:p14="http://schemas.microsoft.com/office/powerpoint/2010/main" val="2009103686"/>
+      </p:ext>
+    </p:extLst>
+  </p:cSld>
+  <p:clrMapOvr>
+    <a:masterClrMapping/>
+  </p:clrMapOvr>
+</p:sld>
+</file>
+
+<file path=ppt/slides/slide41.xml><?xml version="1.0" encoding="utf-8"?>
+<p:sld xmlns:a="http://schemas.openxmlformats.org/drawingml/2006/main" xmlns:r="http://schemas.openxmlformats.org/officeDocument/2006/relationships" xmlns:p="http://schemas.openxmlformats.org/presentationml/2006/main">
+  <p:cSld>
+    <p:spTree>
+      <p:nvGrpSpPr>
+        <p:cNvPr id="1" name=""/>
+        <p:cNvGrpSpPr/>
+        <p:nvPr/>
+      </p:nvGrpSpPr>
+      <p:grpSpPr>
+        <a:xfrm>
+          <a:off x="0" y="0"/>
+          <a:ext cx="0" cy="0"/>
+          <a:chOff x="0" y="0"/>
+          <a:chExt cx="0" cy="0"/>
+        </a:xfrm>
+      </p:grpSpPr>
+      <p:sp>
+        <p:nvSpPr>
+          <p:cNvPr id="2" name="タイトル 1"/>
+          <p:cNvSpPr>
+            <a:spLocks noGrp="1"/>
+          </p:cNvSpPr>
+          <p:nvPr>
+            <p:ph type="title"/>
+          </p:nvPr>
+        </p:nvSpPr>
+        <p:spPr/>
+        <p:txBody>
+          <a:bodyPr>
+            <a:normAutofit/>
+          </a:bodyPr>
+          <a:lstStyle/>
+          <a:p>
+            <a:r>
+              <a:rPr lang="ja-JP" altLang="en-US" dirty="0"/>
+              <a:t>変数</a:t>
+            </a:r>
+            <a:r>
+              <a:rPr lang="ja-JP" altLang="en-US" dirty="0" smtClean="0"/>
+              <a:t>宣言</a:t>
+            </a:r>
+            <a:endParaRPr kumimoji="1" lang="ja-JP" altLang="en-US" dirty="0"/>
+          </a:p>
+        </p:txBody>
+      </p:sp>
+      <p:sp>
+        <p:nvSpPr>
+          <p:cNvPr id="4" name="テキスト ボックス 3"/>
+          <p:cNvSpPr txBox="1"/>
+          <p:nvPr/>
+        </p:nvSpPr>
+        <p:spPr>
+          <a:xfrm>
+            <a:off x="4355713" y="1741506"/>
+            <a:ext cx="3901790" cy="5047535"/>
+          </a:xfrm>
+          <a:prstGeom prst="rect">
+            <a:avLst/>
+          </a:prstGeom>
+          <a:noFill/>
+        </p:spPr>
+        <p:txBody>
+          <a:bodyPr wrap="square" rtlCol="0">
+            <a:spAutoFit/>
+          </a:bodyPr>
+          <a:lstStyle/>
+          <a:p>
+            <a:r>
+              <a:rPr lang="tr-TR" altLang="ja-JP" sz="1400" dirty="0">
+                <a:solidFill>
+                  <a:srgbClr val="FF6600"/>
+                </a:solidFill>
+                <a:latin typeface="Arial"/>
+                <a:cs typeface="Arial"/>
+              </a:rPr>
+              <a:t>#</a:t>
+            </a:r>
+            <a:r>
+              <a:rPr lang="tr-TR" altLang="ja-JP" sz="1400" dirty="0" err="1">
+                <a:solidFill>
+                  <a:srgbClr val="FF6600"/>
+                </a:solidFill>
+                <a:latin typeface="Arial"/>
+                <a:cs typeface="Arial"/>
+              </a:rPr>
+              <a:t>c.declaration</a:t>
+            </a:r>
+            <a:r>
+              <a:rPr lang="tr-TR" altLang="ja-JP" sz="1400" dirty="0">
+                <a:solidFill>
+                  <a:srgbClr val="FF6600"/>
+                </a:solidFill>
+                <a:latin typeface="Arial"/>
+                <a:cs typeface="Arial"/>
+              </a:rPr>
+              <a:t> </a:t>
+            </a:r>
+            <a:r>
+              <a:rPr lang="tr-TR" altLang="ja-JP" sz="1400" dirty="0">
+                <a:latin typeface="Arial"/>
+                <a:cs typeface="Arial"/>
+              </a:rPr>
+              <a:t>{</a:t>
+            </a:r>
+          </a:p>
+          <a:p>
+            <a:r>
+              <a:rPr lang="tr-TR" altLang="ja-JP" sz="1400" dirty="0">
+                <a:latin typeface="Arial"/>
+                <a:cs typeface="Arial"/>
+              </a:rPr>
+              <a:t>   #</a:t>
+            </a:r>
+            <a:r>
+              <a:rPr lang="tr-TR" altLang="ja-JP" sz="1400" dirty="0" err="1">
+                <a:latin typeface="Arial"/>
+                <a:cs typeface="Arial"/>
+              </a:rPr>
+              <a:t>c.declarationspecifier</a:t>
+            </a:r>
+            <a:r>
+              <a:rPr lang="tr-TR" altLang="ja-JP" sz="1400" dirty="0">
+                <a:latin typeface="Arial"/>
+                <a:cs typeface="Arial"/>
+              </a:rPr>
+              <a:t> {</a:t>
+            </a:r>
+          </a:p>
+          <a:p>
+            <a:r>
+              <a:rPr lang="tr-TR" altLang="ja-JP" sz="1400" dirty="0">
+                <a:latin typeface="Arial"/>
+                <a:cs typeface="Arial"/>
+              </a:rPr>
+              <a:t>      #</a:t>
+            </a:r>
+            <a:r>
+              <a:rPr lang="tr-TR" altLang="ja-JP" sz="1400" dirty="0" err="1">
+                <a:latin typeface="Arial"/>
+                <a:cs typeface="Arial"/>
+              </a:rPr>
+              <a:t>c.typespecifier</a:t>
+            </a:r>
+            <a:r>
+              <a:rPr lang="tr-TR" altLang="ja-JP" sz="1400" dirty="0">
+                <a:latin typeface="Arial"/>
+                <a:cs typeface="Arial"/>
+              </a:rPr>
+              <a:t>: </a:t>
+            </a:r>
+            <a:r>
+              <a:rPr lang="tr-TR" altLang="ja-JP" sz="1400" dirty="0" err="1">
+                <a:latin typeface="Arial"/>
+                <a:cs typeface="Arial"/>
+              </a:rPr>
+              <a:t>int</a:t>
+            </a:r>
+            <a:endParaRPr lang="tr-TR" altLang="ja-JP" sz="1400" dirty="0">
+              <a:latin typeface="Arial"/>
+              <a:cs typeface="Arial"/>
+            </a:endParaRPr>
+          </a:p>
+          <a:p>
+            <a:r>
+              <a:rPr lang="tr-TR" altLang="ja-JP" sz="1400" dirty="0">
+                <a:latin typeface="Arial"/>
+                <a:cs typeface="Arial"/>
+              </a:rPr>
+              <a:t>   }</a:t>
+            </a:r>
+          </a:p>
+          <a:p>
+            <a:r>
+              <a:rPr lang="tr-TR" altLang="ja-JP" sz="1400" dirty="0">
+                <a:latin typeface="Arial"/>
+                <a:cs typeface="Arial"/>
+              </a:rPr>
+              <a:t>   </a:t>
+            </a:r>
+            <a:r>
+              <a:rPr lang="tr-TR" altLang="ja-JP" sz="1400" dirty="0">
+                <a:solidFill>
+                  <a:srgbClr val="FF6600"/>
+                </a:solidFill>
+                <a:latin typeface="Arial"/>
+                <a:cs typeface="Arial"/>
+              </a:rPr>
+              <a:t>#</a:t>
+            </a:r>
+            <a:r>
+              <a:rPr lang="tr-TR" altLang="ja-JP" sz="1400" dirty="0" err="1">
+                <a:solidFill>
+                  <a:srgbClr val="FF6600"/>
+                </a:solidFill>
+                <a:latin typeface="Arial"/>
+                <a:cs typeface="Arial"/>
+              </a:rPr>
+              <a:t>c.initdeclaratorlist</a:t>
+            </a:r>
+            <a:r>
+              <a:rPr lang="tr-TR" altLang="ja-JP" sz="1400" dirty="0">
+                <a:solidFill>
+                  <a:srgbClr val="FF6600"/>
+                </a:solidFill>
+                <a:latin typeface="Arial"/>
+                <a:cs typeface="Arial"/>
+              </a:rPr>
+              <a:t> </a:t>
+            </a:r>
+            <a:r>
+              <a:rPr lang="tr-TR" altLang="ja-JP" sz="1400" dirty="0">
+                <a:latin typeface="Arial"/>
+                <a:cs typeface="Arial"/>
+              </a:rPr>
+              <a:t>{</a:t>
+            </a:r>
+          </a:p>
+          <a:p>
+            <a:r>
+              <a:rPr lang="tr-TR" altLang="ja-JP" sz="1400" dirty="0">
+                <a:latin typeface="Arial"/>
+                <a:cs typeface="Arial"/>
+              </a:rPr>
+              <a:t>     </a:t>
+            </a:r>
+            <a:r>
+              <a:rPr lang="tr-TR" altLang="ja-JP" sz="1400" dirty="0">
+                <a:solidFill>
+                  <a:srgbClr val="FF6600"/>
+                </a:solidFill>
+                <a:latin typeface="Arial"/>
+                <a:cs typeface="Arial"/>
+              </a:rPr>
+              <a:t> #</a:t>
+            </a:r>
+            <a:r>
+              <a:rPr lang="tr-TR" altLang="ja-JP" sz="1400" dirty="0" err="1">
+                <a:solidFill>
+                  <a:srgbClr val="FF6600"/>
+                </a:solidFill>
+                <a:latin typeface="Arial"/>
+                <a:cs typeface="Arial"/>
+              </a:rPr>
+              <a:t>c.initdeclarator</a:t>
+            </a:r>
+            <a:r>
+              <a:rPr lang="tr-TR" altLang="ja-JP" sz="1400" dirty="0">
+                <a:solidFill>
+                  <a:srgbClr val="FF6600"/>
+                </a:solidFill>
+                <a:latin typeface="Arial"/>
+                <a:cs typeface="Arial"/>
+              </a:rPr>
+              <a:t> </a:t>
+            </a:r>
+            <a:r>
+              <a:rPr lang="tr-TR" altLang="ja-JP" sz="1400" dirty="0">
+                <a:latin typeface="Arial"/>
+                <a:cs typeface="Arial"/>
+              </a:rPr>
+              <a:t>{ </a:t>
+            </a:r>
+          </a:p>
+          <a:p>
+            <a:r>
+              <a:rPr lang="tr-TR" altLang="ja-JP" sz="1400" dirty="0">
+                <a:latin typeface="Arial"/>
+                <a:cs typeface="Arial"/>
+              </a:rPr>
+              <a:t>         #</a:t>
+            </a:r>
+            <a:r>
+              <a:rPr lang="tr-TR" altLang="ja-JP" sz="1400" dirty="0" err="1">
+                <a:latin typeface="Arial"/>
+                <a:cs typeface="Arial"/>
+              </a:rPr>
+              <a:t>c.declarator</a:t>
+            </a:r>
+            <a:r>
+              <a:rPr lang="tr-TR" altLang="ja-JP" sz="1400" dirty="0">
+                <a:latin typeface="Arial"/>
+                <a:cs typeface="Arial"/>
+              </a:rPr>
+              <a:t> {  </a:t>
+            </a:r>
+          </a:p>
+          <a:p>
+            <a:r>
+              <a:rPr lang="tr-TR" altLang="ja-JP" sz="1400" dirty="0">
+                <a:latin typeface="Arial"/>
+                <a:cs typeface="Arial"/>
+              </a:rPr>
+              <a:t>            #name: a </a:t>
+            </a:r>
+          </a:p>
+          <a:p>
+            <a:r>
+              <a:rPr lang="tr-TR" altLang="ja-JP" sz="1400" dirty="0">
+                <a:latin typeface="Arial"/>
+                <a:cs typeface="Arial"/>
+              </a:rPr>
+              <a:t>         }</a:t>
+            </a:r>
+          </a:p>
+          <a:p>
+            <a:r>
+              <a:rPr lang="tr-TR" altLang="ja-JP" sz="1400" dirty="0">
+                <a:latin typeface="Arial"/>
+                <a:cs typeface="Arial"/>
+              </a:rPr>
+              <a:t>         </a:t>
+            </a:r>
+            <a:r>
+              <a:rPr lang="tr-TR" altLang="ja-JP" sz="1400" dirty="0">
+                <a:solidFill>
+                  <a:srgbClr val="FF6600"/>
+                </a:solidFill>
+                <a:latin typeface="Arial"/>
+                <a:cs typeface="Arial"/>
+              </a:rPr>
+              <a:t>#</a:t>
+            </a:r>
+            <a:r>
+              <a:rPr lang="tr-TR" altLang="ja-JP" sz="1400" dirty="0" err="1">
+                <a:solidFill>
+                  <a:srgbClr val="FF6600"/>
+                </a:solidFill>
+                <a:latin typeface="Arial"/>
+                <a:cs typeface="Arial"/>
+              </a:rPr>
+              <a:t>c.initializer</a:t>
+            </a:r>
+            <a:r>
+              <a:rPr lang="tr-TR" altLang="ja-JP" sz="1400" dirty="0">
+                <a:solidFill>
+                  <a:srgbClr val="FF6600"/>
+                </a:solidFill>
+                <a:latin typeface="Arial"/>
+                <a:cs typeface="Arial"/>
+              </a:rPr>
+              <a:t> </a:t>
+            </a:r>
+            <a:r>
+              <a:rPr lang="tr-TR" altLang="ja-JP" sz="1400" dirty="0">
+                <a:latin typeface="Arial"/>
+                <a:cs typeface="Arial"/>
+              </a:rPr>
+              <a:t>{</a:t>
+            </a:r>
+          </a:p>
+          <a:p>
+            <a:r>
+              <a:rPr lang="tr-TR" altLang="ja-JP" sz="1400" dirty="0">
+                <a:latin typeface="Arial"/>
+                <a:cs typeface="Arial"/>
+              </a:rPr>
+              <a:t>            #</a:t>
+            </a:r>
+            <a:r>
+              <a:rPr lang="tr-TR" altLang="ja-JP" sz="1400" dirty="0" err="1">
+                <a:latin typeface="Arial"/>
+                <a:cs typeface="Arial"/>
+              </a:rPr>
+              <a:t>integer</a:t>
+            </a:r>
+            <a:r>
+              <a:rPr lang="tr-TR" altLang="ja-JP" sz="1400" dirty="0">
+                <a:latin typeface="Arial"/>
+                <a:cs typeface="Arial"/>
+              </a:rPr>
+              <a:t>: 1  </a:t>
+            </a:r>
+          </a:p>
+          <a:p>
+            <a:r>
+              <a:rPr lang="tr-TR" altLang="ja-JP" sz="1400" dirty="0">
+                <a:latin typeface="Arial"/>
+                <a:cs typeface="Arial"/>
+              </a:rPr>
+              <a:t>         }</a:t>
+            </a:r>
+          </a:p>
+          <a:p>
+            <a:r>
+              <a:rPr lang="tr-TR" altLang="ja-JP" sz="1400" dirty="0">
+                <a:latin typeface="Arial"/>
+                <a:cs typeface="Arial"/>
+              </a:rPr>
+              <a:t>      }</a:t>
+            </a:r>
+          </a:p>
+          <a:p>
+            <a:r>
+              <a:rPr lang="tr-TR" altLang="ja-JP" sz="1400" dirty="0">
+                <a:latin typeface="Arial"/>
+                <a:cs typeface="Arial"/>
+              </a:rPr>
+              <a:t>      </a:t>
+            </a:r>
+            <a:r>
+              <a:rPr lang="tr-TR" altLang="ja-JP" sz="1400" dirty="0">
+                <a:solidFill>
+                  <a:srgbClr val="FF6600"/>
+                </a:solidFill>
+                <a:latin typeface="Arial"/>
+                <a:cs typeface="Arial"/>
+              </a:rPr>
+              <a:t>#</a:t>
+            </a:r>
+            <a:r>
+              <a:rPr lang="tr-TR" altLang="ja-JP" sz="1400" dirty="0" err="1">
+                <a:solidFill>
+                  <a:srgbClr val="FF6600"/>
+                </a:solidFill>
+                <a:latin typeface="Arial"/>
+                <a:cs typeface="Arial"/>
+              </a:rPr>
+              <a:t>c.initdeclarator</a:t>
+            </a:r>
+            <a:r>
+              <a:rPr lang="tr-TR" altLang="ja-JP" sz="1400" dirty="0">
+                <a:solidFill>
+                  <a:srgbClr val="FF6600"/>
+                </a:solidFill>
+                <a:latin typeface="Arial"/>
+                <a:cs typeface="Arial"/>
+              </a:rPr>
+              <a:t> </a:t>
+            </a:r>
+            <a:r>
+              <a:rPr lang="tr-TR" altLang="ja-JP" sz="1400" dirty="0">
+                <a:latin typeface="Arial"/>
+                <a:cs typeface="Arial"/>
+              </a:rPr>
+              <a:t>{</a:t>
+            </a:r>
+          </a:p>
+          <a:p>
+            <a:r>
+              <a:rPr lang="tr-TR" altLang="ja-JP" sz="1400" dirty="0">
+                <a:latin typeface="Arial"/>
+                <a:cs typeface="Arial"/>
+              </a:rPr>
+              <a:t>         #</a:t>
+            </a:r>
+            <a:r>
+              <a:rPr lang="tr-TR" altLang="ja-JP" sz="1400" dirty="0" err="1">
+                <a:latin typeface="Arial"/>
+                <a:cs typeface="Arial"/>
+              </a:rPr>
+              <a:t>c.declarator</a:t>
+            </a:r>
+            <a:r>
+              <a:rPr lang="tr-TR" altLang="ja-JP" sz="1400" dirty="0">
+                <a:latin typeface="Arial"/>
+                <a:cs typeface="Arial"/>
+              </a:rPr>
+              <a:t> { </a:t>
+            </a:r>
+          </a:p>
+          <a:p>
+            <a:r>
+              <a:rPr lang="tr-TR" altLang="ja-JP" sz="1400" dirty="0">
+                <a:latin typeface="Arial"/>
+                <a:cs typeface="Arial"/>
+              </a:rPr>
+              <a:t>            #name: b    </a:t>
+            </a:r>
+          </a:p>
+          <a:p>
+            <a:r>
+              <a:rPr lang="tr-TR" altLang="ja-JP" sz="1400" dirty="0">
+                <a:latin typeface="Arial"/>
+                <a:cs typeface="Arial"/>
+              </a:rPr>
+              <a:t>         }</a:t>
+            </a:r>
+          </a:p>
+          <a:p>
+            <a:r>
+              <a:rPr lang="tr-TR" altLang="ja-JP" sz="1400" dirty="0">
+                <a:latin typeface="Arial"/>
+                <a:cs typeface="Arial"/>
+              </a:rPr>
+              <a:t>         </a:t>
+            </a:r>
+            <a:r>
+              <a:rPr lang="tr-TR" altLang="ja-JP" sz="1400" dirty="0">
+                <a:solidFill>
+                  <a:srgbClr val="FF6600"/>
+                </a:solidFill>
+                <a:latin typeface="Arial"/>
+                <a:cs typeface="Arial"/>
+              </a:rPr>
+              <a:t>#</a:t>
+            </a:r>
+            <a:r>
+              <a:rPr lang="tr-TR" altLang="ja-JP" sz="1400" dirty="0" err="1">
+                <a:solidFill>
+                  <a:srgbClr val="FF6600"/>
+                </a:solidFill>
+                <a:latin typeface="Arial"/>
+                <a:cs typeface="Arial"/>
+              </a:rPr>
+              <a:t>c.initializer</a:t>
+            </a:r>
+            <a:r>
+              <a:rPr lang="tr-TR" altLang="ja-JP" sz="1400" dirty="0">
+                <a:solidFill>
+                  <a:srgbClr val="FF6600"/>
+                </a:solidFill>
+                <a:latin typeface="Arial"/>
+                <a:cs typeface="Arial"/>
+              </a:rPr>
+              <a:t> </a:t>
+            </a:r>
+            <a:r>
+              <a:rPr lang="tr-TR" altLang="ja-JP" sz="1400" dirty="0">
+                <a:latin typeface="Arial"/>
+                <a:cs typeface="Arial"/>
+              </a:rPr>
+              <a:t>{</a:t>
+            </a:r>
+          </a:p>
+          <a:p>
+            <a:r>
+              <a:rPr lang="tr-TR" altLang="ja-JP" sz="1400" dirty="0">
+                <a:latin typeface="Arial"/>
+                <a:cs typeface="Arial"/>
+              </a:rPr>
+              <a:t>            #</a:t>
+            </a:r>
+            <a:r>
+              <a:rPr lang="tr-TR" altLang="ja-JP" sz="1400" dirty="0" err="1">
+                <a:latin typeface="Arial"/>
+                <a:cs typeface="Arial"/>
+              </a:rPr>
+              <a:t>integer</a:t>
+            </a:r>
+            <a:r>
+              <a:rPr lang="tr-TR" altLang="ja-JP" sz="1400" dirty="0">
+                <a:latin typeface="Arial"/>
+                <a:cs typeface="Arial"/>
+              </a:rPr>
+              <a:t>: 2  </a:t>
+            </a:r>
+          </a:p>
+          <a:p>
+            <a:r>
+              <a:rPr lang="tr-TR" altLang="ja-JP" sz="1400" dirty="0">
+                <a:latin typeface="Arial"/>
+                <a:cs typeface="Arial"/>
+              </a:rPr>
+              <a:t>         }</a:t>
+            </a:r>
+          </a:p>
+          <a:p>
+            <a:r>
+              <a:rPr lang="tr-TR" altLang="ja-JP" sz="1400" dirty="0">
+                <a:latin typeface="Arial"/>
+                <a:cs typeface="Arial"/>
+              </a:rPr>
+              <a:t>      }</a:t>
+            </a:r>
+          </a:p>
+          <a:p>
+            <a:r>
+              <a:rPr lang="tr-TR" altLang="ja-JP" sz="1400" dirty="0">
+                <a:latin typeface="Arial"/>
+                <a:cs typeface="Arial"/>
+              </a:rPr>
+              <a:t>   }</a:t>
+            </a:r>
+          </a:p>
+          <a:p>
+            <a:r>
+              <a:rPr lang="tr-TR" altLang="ja-JP" sz="1400" dirty="0">
+                <a:latin typeface="Arial"/>
+                <a:cs typeface="Arial"/>
+              </a:rPr>
+              <a:t>}</a:t>
+            </a:r>
+            <a:endParaRPr lang="tr-TR" altLang="ja-JP" sz="1400" dirty="0">
+              <a:latin typeface="Arial"/>
+              <a:cs typeface="Arial"/>
+            </a:endParaRPr>
+          </a:p>
+        </p:txBody>
+      </p:sp>
+      <p:sp>
+        <p:nvSpPr>
+          <p:cNvPr id="5" name="テキスト ボックス 4"/>
+          <p:cNvSpPr txBox="1"/>
+          <p:nvPr/>
+        </p:nvSpPr>
+        <p:spPr>
+          <a:xfrm>
+            <a:off x="1126020" y="1777414"/>
+            <a:ext cx="1660506" cy="369332"/>
+          </a:xfrm>
+          <a:prstGeom prst="rect">
+            <a:avLst/>
+          </a:prstGeom>
+          <a:noFill/>
+        </p:spPr>
+        <p:txBody>
+          <a:bodyPr wrap="none" rtlCol="0">
+            <a:spAutoFit/>
+          </a:bodyPr>
+          <a:lstStyle/>
+          <a:p>
+            <a:r>
+              <a:rPr lang="en-US" altLang="ja-JP" dirty="0" err="1" smtClean="0">
+                <a:latin typeface="Arial"/>
+                <a:cs typeface="Arial"/>
+              </a:rPr>
+              <a:t>int</a:t>
+            </a:r>
+            <a:r>
+              <a:rPr lang="en-US" altLang="ja-JP" dirty="0" smtClean="0">
+                <a:latin typeface="Arial"/>
+                <a:cs typeface="Arial"/>
+              </a:rPr>
+              <a:t> a =1, b = 2;</a:t>
+            </a:r>
+            <a:endParaRPr kumimoji="1" lang="ja-JP" altLang="en-US" dirty="0" smtClean="0">
+              <a:latin typeface="Arial"/>
+              <a:cs typeface="Arial"/>
+            </a:endParaRPr>
+          </a:p>
+        </p:txBody>
+      </p:sp>
+      <p:sp>
+        <p:nvSpPr>
+          <p:cNvPr id="6" name="テキスト ボックス 5"/>
+          <p:cNvSpPr txBox="1"/>
+          <p:nvPr/>
+        </p:nvSpPr>
+        <p:spPr>
+          <a:xfrm>
+            <a:off x="1461683" y="1251629"/>
+            <a:ext cx="646331" cy="369332"/>
+          </a:xfrm>
+          <a:prstGeom prst="rect">
+            <a:avLst/>
+          </a:prstGeom>
+          <a:noFill/>
+        </p:spPr>
+        <p:txBody>
+          <a:bodyPr wrap="none" rtlCol="0">
+            <a:spAutoFit/>
+          </a:bodyPr>
+          <a:lstStyle/>
+          <a:p>
+            <a:r>
+              <a:rPr lang="ja-JP" altLang="en-US" b="1" dirty="0" smtClean="0">
+                <a:latin typeface="Arial"/>
+                <a:cs typeface="Arial"/>
+              </a:rPr>
+              <a:t>入力</a:t>
+            </a:r>
+            <a:endParaRPr kumimoji="1" lang="ja-JP" altLang="en-US" b="1" dirty="0" smtClean="0">
+              <a:latin typeface="Arial"/>
+              <a:cs typeface="Arial"/>
+            </a:endParaRPr>
+          </a:p>
+        </p:txBody>
+      </p:sp>
+      <p:sp>
+        <p:nvSpPr>
+          <p:cNvPr id="7" name="テキスト ボックス 6"/>
+          <p:cNvSpPr txBox="1"/>
+          <p:nvPr/>
+        </p:nvSpPr>
+        <p:spPr>
+          <a:xfrm>
+            <a:off x="5830110" y="1257295"/>
+            <a:ext cx="877163" cy="369332"/>
+          </a:xfrm>
+          <a:prstGeom prst="rect">
+            <a:avLst/>
+          </a:prstGeom>
+          <a:noFill/>
+        </p:spPr>
+        <p:txBody>
+          <a:bodyPr wrap="none" rtlCol="0">
+            <a:spAutoFit/>
+          </a:bodyPr>
+          <a:lstStyle/>
+          <a:p>
+            <a:r>
+              <a:rPr kumimoji="1" lang="ja-JP" altLang="en-US" b="1" dirty="0" smtClean="0">
+                <a:latin typeface="Arial"/>
+                <a:cs typeface="Arial"/>
+              </a:rPr>
+              <a:t>ラベル</a:t>
+            </a:r>
+          </a:p>
+        </p:txBody>
+      </p:sp>
+    </p:spTree>
+    <p:extLst>
+      <p:ext uri="{BB962C8B-B14F-4D97-AF65-F5344CB8AC3E}">
+        <p14:creationId xmlns:p14="http://schemas.microsoft.com/office/powerpoint/2010/main" val="2666124670"/>
+      </p:ext>
+    </p:extLst>
+  </p:cSld>
+  <p:clrMapOvr>
+    <a:masterClrMapping/>
+  </p:clrMapOvr>
+</p:sld>
+</file>
+
+<file path=ppt/slides/slide42.xml><?xml version="1.0" encoding="utf-8"?>
+<p:sld xmlns:a="http://schemas.openxmlformats.org/drawingml/2006/main" xmlns:r="http://schemas.openxmlformats.org/officeDocument/2006/relationships" xmlns:p="http://schemas.openxmlformats.org/presentationml/2006/main">
+  <p:cSld>
+    <p:spTree>
+      <p:nvGrpSpPr>
+        <p:cNvPr id="1" name=""/>
+        <p:cNvGrpSpPr/>
+        <p:nvPr/>
+      </p:nvGrpSpPr>
+      <p:grpSpPr>
+        <a:xfrm>
+          <a:off x="0" y="0"/>
+          <a:ext cx="0" cy="0"/>
+          <a:chOff x="0" y="0"/>
+          <a:chExt cx="0" cy="0"/>
+        </a:xfrm>
+      </p:grpSpPr>
+      <p:sp>
+        <p:nvSpPr>
+          <p:cNvPr id="2" name="タイトル 1"/>
+          <p:cNvSpPr>
+            <a:spLocks noGrp="1"/>
+          </p:cNvSpPr>
+          <p:nvPr>
+            <p:ph type="title"/>
+          </p:nvPr>
+        </p:nvSpPr>
+        <p:spPr/>
+        <p:txBody>
+          <a:bodyPr>
+            <a:normAutofit/>
+          </a:bodyPr>
+          <a:lstStyle/>
+          <a:p>
+            <a:r>
+              <a:rPr lang="ja-JP" altLang="en-US" dirty="0" smtClean="0"/>
+              <a:t>式</a:t>
+            </a:r>
+            <a:endParaRPr kumimoji="1" lang="ja-JP" altLang="en-US" dirty="0"/>
+          </a:p>
+        </p:txBody>
+      </p:sp>
+      <p:sp>
+        <p:nvSpPr>
+          <p:cNvPr id="4" name="テキスト ボックス 3"/>
+          <p:cNvSpPr txBox="1"/>
+          <p:nvPr/>
+        </p:nvSpPr>
+        <p:spPr>
+          <a:xfrm>
+            <a:off x="4355713" y="1741506"/>
+            <a:ext cx="3901790" cy="2585323"/>
+          </a:xfrm>
+          <a:prstGeom prst="rect">
+            <a:avLst/>
+          </a:prstGeom>
+          <a:noFill/>
+        </p:spPr>
+        <p:txBody>
+          <a:bodyPr wrap="square" rtlCol="0">
+            <a:spAutoFit/>
+          </a:bodyPr>
+          <a:lstStyle/>
+          <a:p>
+            <a:r>
+              <a:rPr lang="nl-NL" altLang="ja-JP" dirty="0">
+                <a:solidFill>
+                  <a:srgbClr val="FF6600"/>
+                </a:solidFill>
+                <a:latin typeface="Arial"/>
+                <a:cs typeface="Arial"/>
+              </a:rPr>
+              <a:t>#</a:t>
+            </a:r>
+            <a:r>
+              <a:rPr lang="nl-NL" altLang="ja-JP" dirty="0" err="1">
+                <a:solidFill>
+                  <a:srgbClr val="FF6600"/>
+                </a:solidFill>
+                <a:latin typeface="Arial"/>
+                <a:cs typeface="Arial"/>
+              </a:rPr>
+              <a:t>c.expressionstatement</a:t>
+            </a:r>
+            <a:r>
+              <a:rPr lang="nl-NL" altLang="ja-JP" dirty="0">
+                <a:solidFill>
+                  <a:srgbClr val="FF6600"/>
+                </a:solidFill>
+                <a:latin typeface="Arial"/>
+                <a:cs typeface="Arial"/>
+              </a:rPr>
+              <a:t> </a:t>
+            </a:r>
+            <a:r>
+              <a:rPr lang="nl-NL" altLang="ja-JP" dirty="0">
+                <a:latin typeface="Arial"/>
+                <a:cs typeface="Arial"/>
+              </a:rPr>
+              <a:t>{</a:t>
+            </a:r>
+          </a:p>
+          <a:p>
+            <a:r>
+              <a:rPr lang="nl-NL" altLang="ja-JP" dirty="0">
+                <a:latin typeface="Arial"/>
+                <a:cs typeface="Arial"/>
+              </a:rPr>
+              <a:t>   #</a:t>
+            </a:r>
+            <a:r>
+              <a:rPr lang="nl-NL" altLang="ja-JP" dirty="0" err="1">
+                <a:latin typeface="Arial"/>
+                <a:cs typeface="Arial"/>
+              </a:rPr>
+              <a:t>apply</a:t>
+            </a:r>
+            <a:r>
+              <a:rPr lang="nl-NL" altLang="ja-JP" dirty="0">
+                <a:latin typeface="Arial"/>
+                <a:cs typeface="Arial"/>
+              </a:rPr>
+              <a:t> {</a:t>
+            </a:r>
+          </a:p>
+          <a:p>
+            <a:r>
+              <a:rPr lang="nl-NL" altLang="ja-JP" dirty="0">
+                <a:latin typeface="Arial"/>
+                <a:cs typeface="Arial"/>
+              </a:rPr>
+              <a:t>      #name: </a:t>
+            </a:r>
+            <a:r>
+              <a:rPr lang="nl-NL" altLang="ja-JP" dirty="0" err="1">
+                <a:latin typeface="Arial"/>
+                <a:cs typeface="Arial"/>
+              </a:rPr>
+              <a:t>func</a:t>
+            </a:r>
+            <a:endParaRPr lang="nl-NL" altLang="ja-JP" dirty="0">
+              <a:latin typeface="Arial"/>
+              <a:cs typeface="Arial"/>
+            </a:endParaRPr>
+          </a:p>
+          <a:p>
+            <a:r>
+              <a:rPr lang="nl-NL" altLang="ja-JP" dirty="0">
+                <a:latin typeface="Arial"/>
+                <a:cs typeface="Arial"/>
+              </a:rPr>
+              <a:t>      #</a:t>
+            </a:r>
+            <a:r>
+              <a:rPr lang="nl-NL" altLang="ja-JP" dirty="0" err="1">
+                <a:latin typeface="Arial"/>
+                <a:cs typeface="Arial"/>
+              </a:rPr>
+              <a:t>args</a:t>
+            </a:r>
+            <a:r>
+              <a:rPr lang="nl-NL" altLang="ja-JP" dirty="0">
+                <a:latin typeface="Arial"/>
+                <a:cs typeface="Arial"/>
+              </a:rPr>
+              <a:t> {</a:t>
+            </a:r>
+          </a:p>
+          <a:p>
+            <a:r>
+              <a:rPr lang="nl-NL" altLang="ja-JP" dirty="0">
+                <a:latin typeface="Arial"/>
+                <a:cs typeface="Arial"/>
+              </a:rPr>
+              <a:t>         #integer: 2</a:t>
+            </a:r>
+          </a:p>
+          <a:p>
+            <a:r>
+              <a:rPr lang="nl-NL" altLang="ja-JP" dirty="0">
+                <a:latin typeface="Arial"/>
+                <a:cs typeface="Arial"/>
+              </a:rPr>
+              <a:t>         #integer: 3</a:t>
+            </a:r>
+          </a:p>
+          <a:p>
+            <a:r>
+              <a:rPr lang="nl-NL" altLang="ja-JP" dirty="0">
+                <a:latin typeface="Arial"/>
+                <a:cs typeface="Arial"/>
+              </a:rPr>
+              <a:t>      }</a:t>
+            </a:r>
+          </a:p>
+          <a:p>
+            <a:r>
+              <a:rPr lang="nl-NL" altLang="ja-JP" dirty="0">
+                <a:latin typeface="Arial"/>
+                <a:cs typeface="Arial"/>
+              </a:rPr>
+              <a:t>   }</a:t>
+            </a:r>
+          </a:p>
+          <a:p>
+            <a:r>
+              <a:rPr lang="nl-NL" altLang="ja-JP" dirty="0">
+                <a:latin typeface="Arial"/>
+                <a:cs typeface="Arial"/>
+              </a:rPr>
+              <a:t>}</a:t>
+            </a:r>
+            <a:endParaRPr lang="nl-NL" altLang="ja-JP" dirty="0">
+              <a:latin typeface="Arial"/>
+              <a:cs typeface="Arial"/>
+            </a:endParaRPr>
+          </a:p>
+        </p:txBody>
+      </p:sp>
+      <p:sp>
+        <p:nvSpPr>
+          <p:cNvPr id="5" name="テキスト ボックス 4"/>
+          <p:cNvSpPr txBox="1"/>
+          <p:nvPr/>
+        </p:nvSpPr>
+        <p:spPr>
+          <a:xfrm>
+            <a:off x="1126020" y="1777414"/>
+            <a:ext cx="1223863" cy="369332"/>
+          </a:xfrm>
+          <a:prstGeom prst="rect">
+            <a:avLst/>
+          </a:prstGeom>
+          <a:noFill/>
+        </p:spPr>
+        <p:txBody>
+          <a:bodyPr wrap="none" rtlCol="0">
+            <a:spAutoFit/>
+          </a:bodyPr>
+          <a:lstStyle/>
+          <a:p>
+            <a:r>
+              <a:rPr lang="en-US" altLang="ja-JP" dirty="0" err="1" smtClean="0">
+                <a:latin typeface="Arial"/>
+                <a:cs typeface="Arial"/>
+              </a:rPr>
+              <a:t>func</a:t>
+            </a:r>
+            <a:r>
+              <a:rPr lang="en-US" altLang="ja-JP" dirty="0" smtClean="0">
+                <a:latin typeface="Arial"/>
+                <a:cs typeface="Arial"/>
+              </a:rPr>
+              <a:t>(2, 3);</a:t>
+            </a:r>
+            <a:endParaRPr kumimoji="1" lang="ja-JP" altLang="en-US" dirty="0" smtClean="0">
+              <a:latin typeface="Arial"/>
+              <a:cs typeface="Arial"/>
+            </a:endParaRPr>
+          </a:p>
+        </p:txBody>
+      </p:sp>
+      <p:sp>
+        <p:nvSpPr>
+          <p:cNvPr id="6" name="テキスト ボックス 5"/>
+          <p:cNvSpPr txBox="1"/>
+          <p:nvPr/>
+        </p:nvSpPr>
+        <p:spPr>
+          <a:xfrm>
+            <a:off x="1461683" y="1251629"/>
+            <a:ext cx="646331" cy="369332"/>
+          </a:xfrm>
+          <a:prstGeom prst="rect">
+            <a:avLst/>
+          </a:prstGeom>
+          <a:noFill/>
+        </p:spPr>
+        <p:txBody>
+          <a:bodyPr wrap="none" rtlCol="0">
+            <a:spAutoFit/>
+          </a:bodyPr>
+          <a:lstStyle/>
+          <a:p>
+            <a:r>
+              <a:rPr lang="ja-JP" altLang="en-US" b="1" dirty="0" smtClean="0">
+                <a:latin typeface="Arial"/>
+                <a:cs typeface="Arial"/>
+              </a:rPr>
+              <a:t>入力</a:t>
+            </a:r>
+            <a:endParaRPr kumimoji="1" lang="ja-JP" altLang="en-US" b="1" dirty="0" smtClean="0">
+              <a:latin typeface="Arial"/>
+              <a:cs typeface="Arial"/>
+            </a:endParaRPr>
+          </a:p>
+        </p:txBody>
+      </p:sp>
+      <p:sp>
+        <p:nvSpPr>
+          <p:cNvPr id="7" name="テキスト ボックス 6"/>
+          <p:cNvSpPr txBox="1"/>
+          <p:nvPr/>
+        </p:nvSpPr>
+        <p:spPr>
+          <a:xfrm>
+            <a:off x="5830110" y="1257295"/>
+            <a:ext cx="877163" cy="369332"/>
+          </a:xfrm>
+          <a:prstGeom prst="rect">
+            <a:avLst/>
+          </a:prstGeom>
+          <a:noFill/>
+        </p:spPr>
+        <p:txBody>
+          <a:bodyPr wrap="none" rtlCol="0">
+            <a:spAutoFit/>
+          </a:bodyPr>
+          <a:lstStyle/>
+          <a:p>
+            <a:r>
+              <a:rPr kumimoji="1" lang="ja-JP" altLang="en-US" b="1" dirty="0" smtClean="0">
+                <a:latin typeface="Arial"/>
+                <a:cs typeface="Arial"/>
+              </a:rPr>
+              <a:t>ラベル</a:t>
+            </a:r>
+          </a:p>
+        </p:txBody>
+      </p:sp>
+    </p:spTree>
+    <p:extLst>
+      <p:ext uri="{BB962C8B-B14F-4D97-AF65-F5344CB8AC3E}">
+        <p14:creationId xmlns:p14="http://schemas.microsoft.com/office/powerpoint/2010/main" val="3402529787"/>
+      </p:ext>
+    </p:extLst>
+  </p:cSld>
+  <p:clrMapOvr>
+    <a:masterClrMapping/>
+  </p:clrMapOvr>
+</p:sld>
+</file>
+
+<file path=ppt/slides/slide43.xml><?xml version="1.0" encoding="utf-8"?>
+<p:sld xmlns:a="http://schemas.openxmlformats.org/drawingml/2006/main" xmlns:r="http://schemas.openxmlformats.org/officeDocument/2006/relationships" xmlns:p="http://schemas.openxmlformats.org/presentationml/2006/main">
+  <p:cSld>
+    <p:spTree>
+      <p:nvGrpSpPr>
+        <p:cNvPr id="1" name=""/>
+        <p:cNvGrpSpPr/>
+        <p:nvPr/>
+      </p:nvGrpSpPr>
+      <p:grpSpPr>
+        <a:xfrm>
+          <a:off x="0" y="0"/>
+          <a:ext cx="0" cy="0"/>
+          <a:chOff x="0" y="0"/>
+          <a:chExt cx="0" cy="0"/>
+        </a:xfrm>
+      </p:grpSpPr>
+      <p:sp>
+        <p:nvSpPr>
+          <p:cNvPr id="2" name="タイトル 1"/>
+          <p:cNvSpPr>
+            <a:spLocks noGrp="1"/>
+          </p:cNvSpPr>
+          <p:nvPr>
+            <p:ph type="title"/>
+          </p:nvPr>
+        </p:nvSpPr>
+        <p:spPr/>
+        <p:txBody>
+          <a:bodyPr>
+            <a:normAutofit/>
+          </a:bodyPr>
+          <a:lstStyle/>
+          <a:p>
+            <a:r>
+              <a:rPr lang="en-US" altLang="en-US" dirty="0"/>
+              <a:t>構造体、共用</a:t>
+            </a:r>
+            <a:r>
+              <a:rPr lang="ja-JP" altLang="en-US" dirty="0"/>
+              <a:t>体、</a:t>
+            </a:r>
+            <a:r>
+              <a:rPr lang="en-US" altLang="ja-JP" dirty="0" err="1" smtClean="0"/>
+              <a:t>typedef</a:t>
+            </a:r>
+            <a:endParaRPr kumimoji="1" lang="ja-JP" altLang="en-US" dirty="0"/>
+          </a:p>
+        </p:txBody>
+      </p:sp>
+      <p:sp>
+        <p:nvSpPr>
+          <p:cNvPr id="5" name="テキスト ボックス 4"/>
+          <p:cNvSpPr txBox="1"/>
+          <p:nvPr/>
+        </p:nvSpPr>
+        <p:spPr>
+          <a:xfrm>
+            <a:off x="1126020" y="1777414"/>
+            <a:ext cx="1890887" cy="1200329"/>
+          </a:xfrm>
+          <a:prstGeom prst="rect">
+            <a:avLst/>
+          </a:prstGeom>
+          <a:noFill/>
+        </p:spPr>
+        <p:txBody>
+          <a:bodyPr wrap="none" rtlCol="0">
+            <a:spAutoFit/>
+          </a:bodyPr>
+          <a:lstStyle/>
+          <a:p>
+            <a:r>
+              <a:rPr lang="en-US" altLang="ja-JP" dirty="0" err="1" smtClean="0">
+                <a:latin typeface="Arial"/>
+                <a:cs typeface="Arial"/>
+              </a:rPr>
+              <a:t>typdef</a:t>
+            </a:r>
+            <a:r>
+              <a:rPr lang="en-US" altLang="ja-JP" dirty="0" smtClean="0">
+                <a:latin typeface="Arial"/>
+                <a:cs typeface="Arial"/>
+              </a:rPr>
+              <a:t> </a:t>
+            </a:r>
+            <a:r>
+              <a:rPr lang="en-US" altLang="ja-JP" dirty="0" err="1" smtClean="0">
+                <a:latin typeface="Arial"/>
+                <a:cs typeface="Arial"/>
+              </a:rPr>
+              <a:t>struct</a:t>
+            </a:r>
+            <a:r>
+              <a:rPr lang="en-US" altLang="ja-JP" dirty="0" smtClean="0">
+                <a:latin typeface="Arial"/>
+                <a:cs typeface="Arial"/>
+              </a:rPr>
+              <a:t> {</a:t>
+            </a:r>
+          </a:p>
+          <a:p>
+            <a:r>
+              <a:rPr lang="en-US" altLang="ja-JP" dirty="0">
+                <a:latin typeface="Arial"/>
+                <a:cs typeface="Arial"/>
+              </a:rPr>
+              <a:t>	</a:t>
+            </a:r>
+            <a:r>
+              <a:rPr lang="en-US" altLang="ja-JP" dirty="0" err="1" smtClean="0">
+                <a:latin typeface="Arial"/>
+                <a:cs typeface="Arial"/>
+              </a:rPr>
+              <a:t>int</a:t>
+            </a:r>
+            <a:r>
+              <a:rPr lang="en-US" altLang="ja-JP" dirty="0" smtClean="0">
+                <a:latin typeface="Arial"/>
+                <a:cs typeface="Arial"/>
+              </a:rPr>
+              <a:t> number;</a:t>
+            </a:r>
+          </a:p>
+          <a:p>
+            <a:r>
+              <a:rPr lang="en-US" altLang="ja-JP" dirty="0">
+                <a:latin typeface="Arial"/>
+                <a:cs typeface="Arial"/>
+              </a:rPr>
+              <a:t>	</a:t>
+            </a:r>
+            <a:r>
+              <a:rPr lang="en-US" altLang="ja-JP" dirty="0" smtClean="0">
+                <a:latin typeface="Arial"/>
+                <a:cs typeface="Arial"/>
+              </a:rPr>
+              <a:t>char *name;</a:t>
+            </a:r>
+          </a:p>
+          <a:p>
+            <a:r>
+              <a:rPr lang="en-US" altLang="ja-JP" dirty="0" smtClean="0">
+                <a:latin typeface="Arial"/>
+                <a:cs typeface="Arial"/>
+              </a:rPr>
+              <a:t>} student;</a:t>
+            </a:r>
+            <a:endParaRPr lang="en-US" altLang="ja-JP" dirty="0">
+              <a:latin typeface="Arial"/>
+              <a:cs typeface="Arial"/>
+            </a:endParaRPr>
+          </a:p>
+        </p:txBody>
+      </p:sp>
+      <p:sp>
+        <p:nvSpPr>
+          <p:cNvPr id="6" name="テキスト ボックス 5"/>
+          <p:cNvSpPr txBox="1"/>
+          <p:nvPr/>
+        </p:nvSpPr>
+        <p:spPr>
+          <a:xfrm>
+            <a:off x="1461683" y="1251629"/>
+            <a:ext cx="646331" cy="369332"/>
+          </a:xfrm>
+          <a:prstGeom prst="rect">
+            <a:avLst/>
+          </a:prstGeom>
+          <a:noFill/>
+        </p:spPr>
+        <p:txBody>
+          <a:bodyPr wrap="none" rtlCol="0">
+            <a:spAutoFit/>
+          </a:bodyPr>
+          <a:lstStyle/>
+          <a:p>
+            <a:r>
+              <a:rPr lang="ja-JP" altLang="en-US" b="1" dirty="0" smtClean="0">
+                <a:latin typeface="Arial"/>
+                <a:cs typeface="Arial"/>
+              </a:rPr>
+              <a:t>入力</a:t>
+            </a:r>
+            <a:endParaRPr kumimoji="1" lang="ja-JP" altLang="en-US" b="1" dirty="0" smtClean="0">
+              <a:latin typeface="Arial"/>
+              <a:cs typeface="Arial"/>
+            </a:endParaRPr>
+          </a:p>
+        </p:txBody>
+      </p:sp>
+      <p:sp>
+        <p:nvSpPr>
+          <p:cNvPr id="7" name="テキスト ボックス 6"/>
+          <p:cNvSpPr txBox="1"/>
+          <p:nvPr/>
+        </p:nvSpPr>
+        <p:spPr>
+          <a:xfrm>
+            <a:off x="5830110" y="852966"/>
+            <a:ext cx="877163" cy="369332"/>
+          </a:xfrm>
+          <a:prstGeom prst="rect">
+            <a:avLst/>
+          </a:prstGeom>
+          <a:noFill/>
+        </p:spPr>
+        <p:txBody>
+          <a:bodyPr wrap="none" rtlCol="0">
+            <a:spAutoFit/>
+          </a:bodyPr>
+          <a:lstStyle/>
+          <a:p>
+            <a:r>
+              <a:rPr kumimoji="1" lang="ja-JP" altLang="en-US" b="1" dirty="0" smtClean="0">
+                <a:latin typeface="Arial"/>
+                <a:cs typeface="Arial"/>
+              </a:rPr>
+              <a:t>ラベル</a:t>
+            </a:r>
+          </a:p>
+        </p:txBody>
+      </p:sp>
+      <p:sp>
+        <p:nvSpPr>
+          <p:cNvPr id="9" name="正方形/長方形 8"/>
+          <p:cNvSpPr/>
+          <p:nvPr/>
+        </p:nvSpPr>
+        <p:spPr>
+          <a:xfrm>
+            <a:off x="4603506" y="1717741"/>
+            <a:ext cx="4540494" cy="5262978"/>
+          </a:xfrm>
+          <a:prstGeom prst="rect">
+            <a:avLst/>
+          </a:prstGeom>
+        </p:spPr>
+        <p:txBody>
+          <a:bodyPr wrap="square">
+            <a:spAutoFit/>
+          </a:bodyPr>
+          <a:lstStyle/>
+          <a:p>
+            <a:r>
+              <a:rPr lang="en-US" altLang="ja-JP" sz="1200" dirty="0">
+                <a:latin typeface="Arial"/>
+                <a:cs typeface="Arial"/>
+              </a:rPr>
+              <a:t>#</a:t>
+            </a:r>
+            <a:r>
+              <a:rPr lang="en-US" altLang="ja-JP" sz="1200" dirty="0" err="1">
+                <a:latin typeface="Arial"/>
+                <a:cs typeface="Arial"/>
+              </a:rPr>
+              <a:t>c.declaration</a:t>
+            </a:r>
+            <a:r>
+              <a:rPr lang="en-US" altLang="ja-JP" sz="1200" dirty="0">
+                <a:latin typeface="Arial"/>
+                <a:cs typeface="Arial"/>
+              </a:rPr>
+              <a:t> {</a:t>
+            </a:r>
+          </a:p>
+          <a:p>
+            <a:r>
+              <a:rPr lang="en-US" altLang="ja-JP" sz="1200" dirty="0">
+                <a:latin typeface="Arial"/>
+                <a:cs typeface="Arial"/>
+              </a:rPr>
+              <a:t>   #</a:t>
+            </a:r>
+            <a:r>
+              <a:rPr lang="en-US" altLang="ja-JP" sz="1200" dirty="0" err="1">
+                <a:latin typeface="Arial"/>
+                <a:cs typeface="Arial"/>
+              </a:rPr>
+              <a:t>c.declarationspecifier</a:t>
+            </a:r>
+            <a:r>
+              <a:rPr lang="en-US" altLang="ja-JP" sz="1200" dirty="0">
+                <a:latin typeface="Arial"/>
+                <a:cs typeface="Arial"/>
+              </a:rPr>
+              <a:t> {</a:t>
+            </a:r>
+          </a:p>
+          <a:p>
+            <a:r>
+              <a:rPr lang="en-US" altLang="ja-JP" sz="1200" dirty="0">
+                <a:latin typeface="Arial"/>
+                <a:cs typeface="Arial"/>
+              </a:rPr>
+              <a:t>      </a:t>
+            </a:r>
+            <a:r>
+              <a:rPr lang="en-US" altLang="ja-JP" sz="1200" dirty="0">
+                <a:solidFill>
+                  <a:srgbClr val="FF6600"/>
+                </a:solidFill>
+                <a:latin typeface="Arial"/>
+                <a:cs typeface="Arial"/>
+              </a:rPr>
+              <a:t>#</a:t>
+            </a:r>
+            <a:r>
+              <a:rPr lang="en-US" altLang="ja-JP" sz="1200" dirty="0" err="1">
+                <a:solidFill>
+                  <a:srgbClr val="FF6600"/>
+                </a:solidFill>
+                <a:latin typeface="Arial"/>
+                <a:cs typeface="Arial"/>
+              </a:rPr>
+              <a:t>c.storageclassspecifier</a:t>
+            </a:r>
+            <a:r>
+              <a:rPr lang="en-US" altLang="ja-JP" sz="1200" dirty="0">
+                <a:latin typeface="Arial"/>
+                <a:cs typeface="Arial"/>
+              </a:rPr>
+              <a:t>: </a:t>
+            </a:r>
+            <a:r>
+              <a:rPr lang="en-US" altLang="ja-JP" sz="1200" dirty="0" err="1">
+                <a:latin typeface="Arial"/>
+                <a:cs typeface="Arial"/>
+              </a:rPr>
+              <a:t>typedef</a:t>
+            </a:r>
+            <a:endParaRPr lang="en-US" altLang="ja-JP" sz="1200" dirty="0">
+              <a:latin typeface="Arial"/>
+              <a:cs typeface="Arial"/>
+            </a:endParaRPr>
+          </a:p>
+          <a:p>
+            <a:r>
+              <a:rPr lang="en-US" altLang="ja-JP" sz="1200" dirty="0">
+                <a:latin typeface="Arial"/>
+                <a:cs typeface="Arial"/>
+              </a:rPr>
+              <a:t>      #</a:t>
+            </a:r>
+            <a:r>
+              <a:rPr lang="en-US" altLang="ja-JP" sz="1200" dirty="0" err="1">
+                <a:latin typeface="Arial"/>
+                <a:cs typeface="Arial"/>
+              </a:rPr>
+              <a:t>c.typespecifier</a:t>
+            </a:r>
+            <a:r>
+              <a:rPr lang="en-US" altLang="ja-JP" sz="1200" dirty="0">
+                <a:latin typeface="Arial"/>
+                <a:cs typeface="Arial"/>
+              </a:rPr>
+              <a:t> {</a:t>
+            </a:r>
+          </a:p>
+          <a:p>
+            <a:r>
+              <a:rPr lang="en-US" altLang="ja-JP" sz="1200" dirty="0">
+                <a:latin typeface="Arial"/>
+                <a:cs typeface="Arial"/>
+              </a:rPr>
+              <a:t>         </a:t>
+            </a:r>
+            <a:r>
+              <a:rPr lang="en-US" altLang="ja-JP" sz="1200" dirty="0">
+                <a:solidFill>
+                  <a:srgbClr val="FF6600"/>
+                </a:solidFill>
+                <a:latin typeface="Arial"/>
+                <a:cs typeface="Arial"/>
+              </a:rPr>
+              <a:t>#</a:t>
+            </a:r>
+            <a:r>
+              <a:rPr lang="en-US" altLang="ja-JP" sz="1200" dirty="0" err="1">
+                <a:solidFill>
+                  <a:srgbClr val="FF6600"/>
+                </a:solidFill>
+                <a:latin typeface="Arial"/>
+                <a:cs typeface="Arial"/>
+              </a:rPr>
+              <a:t>c.struct</a:t>
+            </a:r>
+            <a:r>
+              <a:rPr lang="en-US" altLang="ja-JP" sz="1200" dirty="0">
+                <a:latin typeface="Arial"/>
+                <a:cs typeface="Arial"/>
+              </a:rPr>
+              <a:t>: </a:t>
+            </a:r>
+            <a:r>
+              <a:rPr lang="en-US" altLang="ja-JP" sz="1200" dirty="0" err="1">
+                <a:latin typeface="Arial"/>
+                <a:cs typeface="Arial"/>
+              </a:rPr>
+              <a:t>struct</a:t>
+            </a:r>
+            <a:endParaRPr lang="en-US" altLang="ja-JP" sz="1200" dirty="0">
+              <a:latin typeface="Arial"/>
+              <a:cs typeface="Arial"/>
+            </a:endParaRPr>
+          </a:p>
+          <a:p>
+            <a:r>
+              <a:rPr lang="en-US" altLang="ja-JP" sz="1200" dirty="0">
+                <a:latin typeface="Arial"/>
+                <a:cs typeface="Arial"/>
+              </a:rPr>
+              <a:t>         </a:t>
+            </a:r>
+            <a:r>
+              <a:rPr lang="en-US" altLang="ja-JP" sz="1200" dirty="0">
+                <a:solidFill>
+                  <a:srgbClr val="FF6600"/>
+                </a:solidFill>
+                <a:latin typeface="Arial"/>
+                <a:cs typeface="Arial"/>
+              </a:rPr>
+              <a:t>#</a:t>
+            </a:r>
+            <a:r>
+              <a:rPr lang="en-US" altLang="ja-JP" sz="1200" dirty="0" err="1">
+                <a:solidFill>
+                  <a:srgbClr val="FF6600"/>
+                </a:solidFill>
+                <a:latin typeface="Arial"/>
+                <a:cs typeface="Arial"/>
+              </a:rPr>
+              <a:t>c.structdeclaration</a:t>
+            </a:r>
+            <a:r>
+              <a:rPr lang="en-US" altLang="ja-JP" sz="1200" dirty="0">
+                <a:solidFill>
+                  <a:srgbClr val="FF6600"/>
+                </a:solidFill>
+                <a:latin typeface="Arial"/>
+                <a:cs typeface="Arial"/>
+              </a:rPr>
+              <a:t> </a:t>
+            </a:r>
+            <a:r>
+              <a:rPr lang="en-US" altLang="ja-JP" sz="1200" dirty="0">
+                <a:latin typeface="Arial"/>
+                <a:cs typeface="Arial"/>
+              </a:rPr>
+              <a:t>{</a:t>
+            </a:r>
+          </a:p>
+          <a:p>
+            <a:r>
+              <a:rPr lang="en-US" altLang="ja-JP" sz="1200" dirty="0">
+                <a:latin typeface="Arial"/>
+                <a:cs typeface="Arial"/>
+              </a:rPr>
+              <a:t>            #</a:t>
+            </a:r>
+            <a:r>
+              <a:rPr lang="en-US" altLang="ja-JP" sz="1200" dirty="0" err="1">
+                <a:latin typeface="Arial"/>
+                <a:cs typeface="Arial"/>
+              </a:rPr>
+              <a:t>c.typespecifier</a:t>
+            </a:r>
+            <a:r>
+              <a:rPr lang="en-US" altLang="ja-JP" sz="1200" dirty="0">
+                <a:latin typeface="Arial"/>
+                <a:cs typeface="Arial"/>
+              </a:rPr>
+              <a:t>: </a:t>
+            </a:r>
+            <a:r>
+              <a:rPr lang="en-US" altLang="ja-JP" sz="1200" dirty="0" err="1">
+                <a:latin typeface="Arial"/>
+                <a:cs typeface="Arial"/>
+              </a:rPr>
+              <a:t>int</a:t>
+            </a:r>
+            <a:endParaRPr lang="en-US" altLang="ja-JP" sz="1200" dirty="0">
+              <a:latin typeface="Arial"/>
+              <a:cs typeface="Arial"/>
+            </a:endParaRPr>
+          </a:p>
+          <a:p>
+            <a:r>
+              <a:rPr lang="en-US" altLang="ja-JP" sz="1200" dirty="0">
+                <a:latin typeface="Arial"/>
+                <a:cs typeface="Arial"/>
+              </a:rPr>
+              <a:t>            </a:t>
+            </a:r>
+            <a:r>
+              <a:rPr lang="en-US" altLang="ja-JP" sz="1200" dirty="0">
+                <a:solidFill>
+                  <a:srgbClr val="FF6600"/>
+                </a:solidFill>
+                <a:latin typeface="Arial"/>
+                <a:cs typeface="Arial"/>
+              </a:rPr>
+              <a:t>#</a:t>
+            </a:r>
+            <a:r>
+              <a:rPr lang="en-US" altLang="ja-JP" sz="1200" dirty="0" err="1">
+                <a:solidFill>
+                  <a:srgbClr val="FF6600"/>
+                </a:solidFill>
+                <a:latin typeface="Arial"/>
+                <a:cs typeface="Arial"/>
+              </a:rPr>
+              <a:t>c.structdeclaratorlist</a:t>
+            </a:r>
+            <a:r>
+              <a:rPr lang="en-US" altLang="ja-JP" sz="1200" dirty="0">
+                <a:solidFill>
+                  <a:srgbClr val="FF6600"/>
+                </a:solidFill>
+                <a:latin typeface="Arial"/>
+                <a:cs typeface="Arial"/>
+              </a:rPr>
+              <a:t> </a:t>
+            </a:r>
+            <a:r>
+              <a:rPr lang="en-US" altLang="ja-JP" sz="1200" dirty="0">
+                <a:latin typeface="Arial"/>
+                <a:cs typeface="Arial"/>
+              </a:rPr>
+              <a:t>{</a:t>
+            </a:r>
+          </a:p>
+          <a:p>
+            <a:r>
+              <a:rPr lang="en-US" altLang="ja-JP" sz="1200" dirty="0">
+                <a:latin typeface="Arial"/>
+                <a:cs typeface="Arial"/>
+              </a:rPr>
+              <a:t>               #</a:t>
+            </a:r>
+            <a:r>
+              <a:rPr lang="en-US" altLang="ja-JP" sz="1200" dirty="0" err="1">
+                <a:latin typeface="Arial"/>
+                <a:cs typeface="Arial"/>
+              </a:rPr>
+              <a:t>c.declarator</a:t>
+            </a:r>
+            <a:r>
+              <a:rPr lang="en-US" altLang="ja-JP" sz="1200" dirty="0">
+                <a:latin typeface="Arial"/>
+                <a:cs typeface="Arial"/>
+              </a:rPr>
+              <a:t> { </a:t>
+            </a:r>
+          </a:p>
+          <a:p>
+            <a:r>
+              <a:rPr lang="en-US" altLang="ja-JP" sz="1200" dirty="0">
+                <a:latin typeface="Arial"/>
+                <a:cs typeface="Arial"/>
+              </a:rPr>
+              <a:t>                  #name: number </a:t>
+            </a:r>
+          </a:p>
+          <a:p>
+            <a:r>
+              <a:rPr lang="en-US" altLang="ja-JP" sz="1200" dirty="0">
+                <a:latin typeface="Arial"/>
+                <a:cs typeface="Arial"/>
+              </a:rPr>
+              <a:t>               }</a:t>
+            </a:r>
+          </a:p>
+          <a:p>
+            <a:r>
+              <a:rPr lang="en-US" altLang="ja-JP" sz="1200" dirty="0">
+                <a:latin typeface="Arial"/>
+                <a:cs typeface="Arial"/>
+              </a:rPr>
+              <a:t>            }</a:t>
+            </a:r>
+          </a:p>
+          <a:p>
+            <a:r>
+              <a:rPr lang="en-US" altLang="ja-JP" sz="1200" dirty="0">
+                <a:latin typeface="Arial"/>
+                <a:cs typeface="Arial"/>
+              </a:rPr>
+              <a:t>         }</a:t>
+            </a:r>
+          </a:p>
+          <a:p>
+            <a:r>
+              <a:rPr lang="en-US" altLang="ja-JP" sz="1200" dirty="0">
+                <a:latin typeface="Arial"/>
+                <a:cs typeface="Arial"/>
+              </a:rPr>
+              <a:t>         </a:t>
+            </a:r>
+            <a:r>
+              <a:rPr lang="en-US" altLang="ja-JP" sz="1200" dirty="0">
+                <a:solidFill>
+                  <a:srgbClr val="FF6600"/>
+                </a:solidFill>
+                <a:latin typeface="Arial"/>
+                <a:cs typeface="Arial"/>
+              </a:rPr>
+              <a:t>#</a:t>
+            </a:r>
+            <a:r>
+              <a:rPr lang="en-US" altLang="ja-JP" sz="1200" dirty="0" err="1">
+                <a:solidFill>
+                  <a:srgbClr val="FF6600"/>
+                </a:solidFill>
+                <a:latin typeface="Arial"/>
+                <a:cs typeface="Arial"/>
+              </a:rPr>
+              <a:t>c.structdeclaration</a:t>
+            </a:r>
+            <a:r>
+              <a:rPr lang="en-US" altLang="ja-JP" sz="1200" dirty="0">
+                <a:solidFill>
+                  <a:srgbClr val="FF6600"/>
+                </a:solidFill>
+                <a:latin typeface="Arial"/>
+                <a:cs typeface="Arial"/>
+              </a:rPr>
+              <a:t> </a:t>
+            </a:r>
+            <a:r>
+              <a:rPr lang="en-US" altLang="ja-JP" sz="1200" dirty="0">
+                <a:latin typeface="Arial"/>
+                <a:cs typeface="Arial"/>
+              </a:rPr>
+              <a:t>{ </a:t>
+            </a:r>
+          </a:p>
+          <a:p>
+            <a:r>
+              <a:rPr lang="en-US" altLang="ja-JP" sz="1200" dirty="0">
+                <a:latin typeface="Arial"/>
+                <a:cs typeface="Arial"/>
+              </a:rPr>
+              <a:t>            #</a:t>
+            </a:r>
+            <a:r>
+              <a:rPr lang="en-US" altLang="ja-JP" sz="1200" dirty="0" err="1">
+                <a:latin typeface="Arial"/>
+                <a:cs typeface="Arial"/>
+              </a:rPr>
+              <a:t>c.typespecifier</a:t>
+            </a:r>
+            <a:r>
+              <a:rPr lang="en-US" altLang="ja-JP" sz="1200" dirty="0">
+                <a:latin typeface="Arial"/>
+                <a:cs typeface="Arial"/>
+              </a:rPr>
+              <a:t>: char</a:t>
+            </a:r>
+          </a:p>
+          <a:p>
+            <a:r>
+              <a:rPr lang="en-US" altLang="ja-JP" sz="1200" dirty="0">
+                <a:latin typeface="Arial"/>
+                <a:cs typeface="Arial"/>
+              </a:rPr>
+              <a:t>            </a:t>
+            </a:r>
+            <a:r>
+              <a:rPr lang="en-US" altLang="ja-JP" sz="1200" dirty="0">
+                <a:solidFill>
+                  <a:srgbClr val="FF6600"/>
+                </a:solidFill>
+                <a:latin typeface="Arial"/>
+                <a:cs typeface="Arial"/>
+              </a:rPr>
+              <a:t>#</a:t>
+            </a:r>
+            <a:r>
+              <a:rPr lang="en-US" altLang="ja-JP" sz="1200" dirty="0" err="1">
+                <a:solidFill>
+                  <a:srgbClr val="FF6600"/>
+                </a:solidFill>
+                <a:latin typeface="Arial"/>
+                <a:cs typeface="Arial"/>
+              </a:rPr>
+              <a:t>c.structdeclaratorlist</a:t>
+            </a:r>
+            <a:r>
+              <a:rPr lang="en-US" altLang="ja-JP" sz="1200" dirty="0">
+                <a:solidFill>
+                  <a:srgbClr val="FF6600"/>
+                </a:solidFill>
+                <a:latin typeface="Arial"/>
+                <a:cs typeface="Arial"/>
+              </a:rPr>
+              <a:t> </a:t>
+            </a:r>
+            <a:r>
+              <a:rPr lang="en-US" altLang="ja-JP" sz="1200" dirty="0">
+                <a:latin typeface="Arial"/>
+                <a:cs typeface="Arial"/>
+              </a:rPr>
+              <a:t>{</a:t>
+            </a:r>
+          </a:p>
+          <a:p>
+            <a:r>
+              <a:rPr lang="en-US" altLang="ja-JP" sz="1200" dirty="0">
+                <a:latin typeface="Arial"/>
+                <a:cs typeface="Arial"/>
+              </a:rPr>
+              <a:t>               #</a:t>
+            </a:r>
+            <a:r>
+              <a:rPr lang="en-US" altLang="ja-JP" sz="1200" dirty="0" err="1">
+                <a:latin typeface="Arial"/>
+                <a:cs typeface="Arial"/>
+              </a:rPr>
+              <a:t>c.declarator</a:t>
+            </a:r>
+            <a:r>
+              <a:rPr lang="en-US" altLang="ja-JP" sz="1200" dirty="0">
+                <a:latin typeface="Arial"/>
+                <a:cs typeface="Arial"/>
+              </a:rPr>
+              <a:t> {  </a:t>
+            </a:r>
+          </a:p>
+          <a:p>
+            <a:r>
+              <a:rPr lang="en-US" altLang="ja-JP" sz="1200" dirty="0">
+                <a:latin typeface="Arial"/>
+                <a:cs typeface="Arial"/>
+              </a:rPr>
+              <a:t>                  #</a:t>
+            </a:r>
+            <a:r>
+              <a:rPr lang="en-US" altLang="ja-JP" sz="1200" dirty="0" err="1">
+                <a:latin typeface="Arial"/>
+                <a:cs typeface="Arial"/>
+              </a:rPr>
+              <a:t>c.pointer</a:t>
+            </a:r>
+            <a:r>
+              <a:rPr lang="en-US" altLang="ja-JP" sz="1200" dirty="0">
+                <a:latin typeface="Arial"/>
+                <a:cs typeface="Arial"/>
+              </a:rPr>
+              <a:t>: * </a:t>
+            </a:r>
+          </a:p>
+          <a:p>
+            <a:r>
+              <a:rPr lang="en-US" altLang="ja-JP" sz="1200" dirty="0">
+                <a:latin typeface="Arial"/>
+                <a:cs typeface="Arial"/>
+              </a:rPr>
+              <a:t>                  #name: name </a:t>
+            </a:r>
+          </a:p>
+          <a:p>
+            <a:r>
+              <a:rPr lang="en-US" altLang="ja-JP" sz="1200" dirty="0">
+                <a:latin typeface="Arial"/>
+                <a:cs typeface="Arial"/>
+              </a:rPr>
+              <a:t>               }</a:t>
+            </a:r>
+          </a:p>
+          <a:p>
+            <a:r>
+              <a:rPr lang="en-US" altLang="ja-JP" sz="1200" dirty="0">
+                <a:latin typeface="Arial"/>
+                <a:cs typeface="Arial"/>
+              </a:rPr>
+              <a:t>            }</a:t>
+            </a:r>
+          </a:p>
+          <a:p>
+            <a:r>
+              <a:rPr lang="en-US" altLang="ja-JP" sz="1200" dirty="0">
+                <a:latin typeface="Arial"/>
+                <a:cs typeface="Arial"/>
+              </a:rPr>
+              <a:t>         }</a:t>
+            </a:r>
+          </a:p>
+          <a:p>
+            <a:r>
+              <a:rPr lang="en-US" altLang="ja-JP" sz="1200" dirty="0">
+                <a:latin typeface="Arial"/>
+                <a:cs typeface="Arial"/>
+              </a:rPr>
+              <a:t>      }</a:t>
+            </a:r>
+          </a:p>
+          <a:p>
+            <a:r>
+              <a:rPr lang="en-US" altLang="ja-JP" sz="1200" dirty="0">
+                <a:latin typeface="Arial"/>
+                <a:cs typeface="Arial"/>
+              </a:rPr>
+              <a:t>   }</a:t>
+            </a:r>
+          </a:p>
+          <a:p>
+            <a:r>
+              <a:rPr lang="en-US" altLang="ja-JP" sz="1200" dirty="0">
+                <a:latin typeface="Arial"/>
+                <a:cs typeface="Arial"/>
+              </a:rPr>
+              <a:t>   #</a:t>
+            </a:r>
+            <a:r>
+              <a:rPr lang="en-US" altLang="ja-JP" sz="1200" dirty="0" err="1">
+                <a:latin typeface="Arial"/>
+                <a:cs typeface="Arial"/>
+              </a:rPr>
+              <a:t>c.declarator</a:t>
+            </a:r>
+            <a:r>
+              <a:rPr lang="en-US" altLang="ja-JP" sz="1200" dirty="0">
+                <a:latin typeface="Arial"/>
+                <a:cs typeface="Arial"/>
+              </a:rPr>
+              <a:t> { </a:t>
+            </a:r>
+          </a:p>
+          <a:p>
+            <a:r>
+              <a:rPr lang="en-US" altLang="ja-JP" sz="1200" dirty="0">
+                <a:latin typeface="Arial"/>
+                <a:cs typeface="Arial"/>
+              </a:rPr>
+              <a:t>      #name: Student</a:t>
+            </a:r>
+          </a:p>
+          <a:p>
+            <a:r>
+              <a:rPr lang="en-US" altLang="ja-JP" sz="1200" dirty="0">
+                <a:latin typeface="Arial"/>
+                <a:cs typeface="Arial"/>
+              </a:rPr>
+              <a:t>   }</a:t>
+            </a:r>
+          </a:p>
+          <a:p>
+            <a:r>
+              <a:rPr lang="en-US" altLang="ja-JP" sz="1200" dirty="0">
+                <a:latin typeface="Arial"/>
+                <a:cs typeface="Arial"/>
+              </a:rPr>
+              <a:t>}</a:t>
+            </a:r>
+            <a:endParaRPr lang="en-US" altLang="ja-JP" sz="1200" dirty="0">
+              <a:latin typeface="Arial"/>
+              <a:cs typeface="Arial"/>
+            </a:endParaRPr>
+          </a:p>
+        </p:txBody>
+      </p:sp>
+    </p:spTree>
+    <p:extLst>
+      <p:ext uri="{BB962C8B-B14F-4D97-AF65-F5344CB8AC3E}">
+        <p14:creationId xmlns:p14="http://schemas.microsoft.com/office/powerpoint/2010/main" val="4291193192"/>
+      </p:ext>
+    </p:extLst>
+  </p:cSld>
+  <p:clrMapOvr>
+    <a:masterClrMapping/>
+  </p:clrMapOvr>
+</p:sld>
+</file>
+
+<file path=ppt/slides/slide44.xml><?xml version="1.0" encoding="utf-8"?>
+<p:sld xmlns:a="http://schemas.openxmlformats.org/drawingml/2006/main" xmlns:r="http://schemas.openxmlformats.org/officeDocument/2006/relationships" xmlns:p="http://schemas.openxmlformats.org/presentationml/2006/main">
+  <p:cSld>
+    <p:spTree>
+      <p:nvGrpSpPr>
+        <p:cNvPr id="1" name=""/>
+        <p:cNvGrpSpPr/>
+        <p:nvPr/>
+      </p:nvGrpSpPr>
+      <p:grpSpPr>
+        <a:xfrm>
+          <a:off x="0" y="0"/>
+          <a:ext cx="0" cy="0"/>
+          <a:chOff x="0" y="0"/>
+          <a:chExt cx="0" cy="0"/>
+        </a:xfrm>
+      </p:grpSpPr>
+      <p:sp>
+        <p:nvSpPr>
+          <p:cNvPr id="2" name="タイトル 1"/>
+          <p:cNvSpPr>
+            <a:spLocks noGrp="1"/>
+          </p:cNvSpPr>
+          <p:nvPr>
+            <p:ph type="title"/>
+          </p:nvPr>
+        </p:nvSpPr>
+        <p:spPr/>
+        <p:txBody>
+          <a:bodyPr>
+            <a:normAutofit/>
+          </a:bodyPr>
+          <a:lstStyle/>
+          <a:p>
+            <a:r>
+              <a:rPr lang="ja-JP" altLang="en-US" dirty="0" smtClean="0"/>
+              <a:t>ポインタ</a:t>
+            </a:r>
+            <a:endParaRPr kumimoji="1" lang="ja-JP" altLang="en-US" dirty="0"/>
+          </a:p>
+        </p:txBody>
+      </p:sp>
+      <p:sp>
+        <p:nvSpPr>
+          <p:cNvPr id="4" name="テキスト ボックス 3"/>
+          <p:cNvSpPr txBox="1"/>
+          <p:nvPr/>
+        </p:nvSpPr>
+        <p:spPr>
+          <a:xfrm>
+            <a:off x="4355713" y="1741506"/>
+            <a:ext cx="3901790" cy="2585323"/>
+          </a:xfrm>
+          <a:prstGeom prst="rect">
+            <a:avLst/>
+          </a:prstGeom>
+          <a:noFill/>
+        </p:spPr>
+        <p:txBody>
+          <a:bodyPr wrap="square" rtlCol="0">
+            <a:spAutoFit/>
+          </a:bodyPr>
+          <a:lstStyle/>
+          <a:p>
+            <a:r>
+              <a:rPr lang="en-US" altLang="ja-JP" dirty="0">
+                <a:latin typeface="Arial"/>
+                <a:cs typeface="Arial"/>
+              </a:rPr>
+              <a:t>#</a:t>
+            </a:r>
+            <a:r>
+              <a:rPr lang="en-US" altLang="ja-JP" dirty="0" err="1">
+                <a:latin typeface="Arial"/>
+                <a:cs typeface="Arial"/>
+              </a:rPr>
+              <a:t>c.declaration</a:t>
+            </a:r>
+            <a:r>
+              <a:rPr lang="en-US" altLang="ja-JP" dirty="0">
+                <a:latin typeface="Arial"/>
+                <a:cs typeface="Arial"/>
+              </a:rPr>
+              <a:t> {</a:t>
+            </a:r>
+          </a:p>
+          <a:p>
+            <a:r>
+              <a:rPr lang="en-US" altLang="ja-JP" dirty="0">
+                <a:latin typeface="Arial"/>
+                <a:cs typeface="Arial"/>
+              </a:rPr>
+              <a:t>   #</a:t>
+            </a:r>
+            <a:r>
+              <a:rPr lang="en-US" altLang="ja-JP" dirty="0" err="1">
+                <a:latin typeface="Arial"/>
+                <a:cs typeface="Arial"/>
+              </a:rPr>
+              <a:t>c.declarationspecifier</a:t>
+            </a:r>
+            <a:r>
+              <a:rPr lang="en-US" altLang="ja-JP" dirty="0">
+                <a:latin typeface="Arial"/>
+                <a:cs typeface="Arial"/>
+              </a:rPr>
+              <a:t> {</a:t>
+            </a:r>
+          </a:p>
+          <a:p>
+            <a:r>
+              <a:rPr lang="en-US" altLang="ja-JP" dirty="0">
+                <a:latin typeface="Arial"/>
+                <a:cs typeface="Arial"/>
+              </a:rPr>
+              <a:t>      #</a:t>
+            </a:r>
+            <a:r>
+              <a:rPr lang="en-US" altLang="ja-JP" dirty="0" err="1">
+                <a:latin typeface="Arial"/>
+                <a:cs typeface="Arial"/>
+              </a:rPr>
+              <a:t>c.typespecifier</a:t>
+            </a:r>
+            <a:r>
+              <a:rPr lang="en-US" altLang="ja-JP" dirty="0">
+                <a:latin typeface="Arial"/>
+                <a:cs typeface="Arial"/>
+              </a:rPr>
+              <a:t>: char</a:t>
+            </a:r>
+          </a:p>
+          <a:p>
+            <a:r>
+              <a:rPr lang="en-US" altLang="ja-JP" dirty="0">
+                <a:latin typeface="Arial"/>
+                <a:cs typeface="Arial"/>
+              </a:rPr>
+              <a:t>   }</a:t>
+            </a:r>
+          </a:p>
+          <a:p>
+            <a:r>
+              <a:rPr lang="en-US" altLang="ja-JP" dirty="0">
+                <a:latin typeface="Arial"/>
+                <a:cs typeface="Arial"/>
+              </a:rPr>
+              <a:t>   #</a:t>
+            </a:r>
+            <a:r>
+              <a:rPr lang="en-US" altLang="ja-JP" dirty="0" err="1">
+                <a:latin typeface="Arial"/>
+                <a:cs typeface="Arial"/>
+              </a:rPr>
+              <a:t>c.declarator</a:t>
+            </a:r>
+            <a:r>
+              <a:rPr lang="en-US" altLang="ja-JP" dirty="0">
+                <a:latin typeface="Arial"/>
+                <a:cs typeface="Arial"/>
+              </a:rPr>
+              <a:t> { </a:t>
+            </a:r>
+          </a:p>
+          <a:p>
+            <a:r>
+              <a:rPr lang="en-US" altLang="ja-JP" dirty="0">
+                <a:latin typeface="Arial"/>
+                <a:cs typeface="Arial"/>
+              </a:rPr>
+              <a:t>      </a:t>
+            </a:r>
+            <a:r>
+              <a:rPr lang="en-US" altLang="ja-JP" dirty="0">
+                <a:solidFill>
+                  <a:srgbClr val="FF6600"/>
+                </a:solidFill>
+                <a:latin typeface="Arial"/>
+                <a:cs typeface="Arial"/>
+              </a:rPr>
+              <a:t>#</a:t>
+            </a:r>
+            <a:r>
+              <a:rPr lang="en-US" altLang="ja-JP" dirty="0" err="1">
+                <a:solidFill>
+                  <a:srgbClr val="FF6600"/>
+                </a:solidFill>
+                <a:latin typeface="Arial"/>
+                <a:cs typeface="Arial"/>
+              </a:rPr>
+              <a:t>c.pointer</a:t>
+            </a:r>
+            <a:r>
+              <a:rPr lang="en-US" altLang="ja-JP" dirty="0">
+                <a:latin typeface="Arial"/>
+                <a:cs typeface="Arial"/>
+              </a:rPr>
+              <a:t>: *</a:t>
+            </a:r>
+          </a:p>
+          <a:p>
+            <a:r>
+              <a:rPr lang="en-US" altLang="ja-JP" dirty="0">
+                <a:latin typeface="Arial"/>
+                <a:cs typeface="Arial"/>
+              </a:rPr>
+              <a:t>      #name: p </a:t>
+            </a:r>
+          </a:p>
+          <a:p>
+            <a:r>
+              <a:rPr lang="en-US" altLang="ja-JP" dirty="0">
+                <a:latin typeface="Arial"/>
+                <a:cs typeface="Arial"/>
+              </a:rPr>
+              <a:t>   }</a:t>
+            </a:r>
+          </a:p>
+          <a:p>
+            <a:r>
+              <a:rPr lang="en-US" altLang="ja-JP" dirty="0">
+                <a:latin typeface="Arial"/>
+                <a:cs typeface="Arial"/>
+              </a:rPr>
+              <a:t>}</a:t>
+            </a:r>
+            <a:endParaRPr lang="en-US" altLang="ja-JP" dirty="0">
+              <a:latin typeface="Arial"/>
+              <a:cs typeface="Arial"/>
+            </a:endParaRPr>
+          </a:p>
+        </p:txBody>
+      </p:sp>
+      <p:sp>
+        <p:nvSpPr>
+          <p:cNvPr id="5" name="テキスト ボックス 4"/>
+          <p:cNvSpPr txBox="1"/>
+          <p:nvPr/>
+        </p:nvSpPr>
+        <p:spPr>
+          <a:xfrm>
+            <a:off x="1461683" y="1962080"/>
+            <a:ext cx="980181" cy="369332"/>
+          </a:xfrm>
+          <a:prstGeom prst="rect">
+            <a:avLst/>
+          </a:prstGeom>
+          <a:noFill/>
+        </p:spPr>
+        <p:txBody>
+          <a:bodyPr wrap="none" rtlCol="0">
+            <a:spAutoFit/>
+          </a:bodyPr>
+          <a:lstStyle/>
+          <a:p>
+            <a:r>
+              <a:rPr lang="en-US" altLang="ja-JP" dirty="0" smtClean="0">
+                <a:latin typeface="Arial"/>
+                <a:cs typeface="Arial"/>
+              </a:rPr>
+              <a:t>char *p;</a:t>
+            </a:r>
+            <a:endParaRPr lang="en-US" altLang="ja-JP" dirty="0">
+              <a:latin typeface="Arial"/>
+              <a:cs typeface="Arial"/>
+            </a:endParaRPr>
+          </a:p>
+        </p:txBody>
+      </p:sp>
+      <p:sp>
+        <p:nvSpPr>
+          <p:cNvPr id="6" name="テキスト ボックス 5"/>
+          <p:cNvSpPr txBox="1"/>
+          <p:nvPr/>
+        </p:nvSpPr>
+        <p:spPr>
+          <a:xfrm>
+            <a:off x="1797346" y="1436295"/>
+            <a:ext cx="646331" cy="369332"/>
+          </a:xfrm>
+          <a:prstGeom prst="rect">
+            <a:avLst/>
+          </a:prstGeom>
+          <a:noFill/>
+        </p:spPr>
+        <p:txBody>
+          <a:bodyPr wrap="none" rtlCol="0">
+            <a:spAutoFit/>
+          </a:bodyPr>
+          <a:lstStyle/>
+          <a:p>
+            <a:r>
+              <a:rPr lang="ja-JP" altLang="en-US" b="1" dirty="0" smtClean="0">
+                <a:latin typeface="Arial"/>
+                <a:cs typeface="Arial"/>
+              </a:rPr>
+              <a:t>入力</a:t>
+            </a:r>
+            <a:endParaRPr kumimoji="1" lang="ja-JP" altLang="en-US" b="1" dirty="0" smtClean="0">
+              <a:latin typeface="Arial"/>
+              <a:cs typeface="Arial"/>
+            </a:endParaRPr>
+          </a:p>
+        </p:txBody>
+      </p:sp>
+      <p:sp>
+        <p:nvSpPr>
+          <p:cNvPr id="7" name="テキスト ボックス 6"/>
+          <p:cNvSpPr txBox="1"/>
+          <p:nvPr/>
+        </p:nvSpPr>
+        <p:spPr>
+          <a:xfrm>
+            <a:off x="5830110" y="1257295"/>
+            <a:ext cx="877163" cy="369332"/>
+          </a:xfrm>
+          <a:prstGeom prst="rect">
+            <a:avLst/>
+          </a:prstGeom>
+          <a:noFill/>
+        </p:spPr>
+        <p:txBody>
+          <a:bodyPr wrap="none" rtlCol="0">
+            <a:spAutoFit/>
+          </a:bodyPr>
+          <a:lstStyle/>
+          <a:p>
+            <a:r>
+              <a:rPr kumimoji="1" lang="ja-JP" altLang="en-US" b="1" dirty="0" smtClean="0">
+                <a:latin typeface="Arial"/>
+                <a:cs typeface="Arial"/>
+              </a:rPr>
+              <a:t>ラベル</a:t>
+            </a:r>
+          </a:p>
+        </p:txBody>
+      </p:sp>
+      <p:sp>
+        <p:nvSpPr>
+          <p:cNvPr id="8" name="テキスト ボックス 7"/>
+          <p:cNvSpPr txBox="1"/>
+          <p:nvPr/>
+        </p:nvSpPr>
+        <p:spPr>
+          <a:xfrm>
+            <a:off x="1278420" y="5366597"/>
+            <a:ext cx="1878376" cy="369332"/>
+          </a:xfrm>
+          <a:prstGeom prst="rect">
+            <a:avLst/>
+          </a:prstGeom>
+          <a:noFill/>
+        </p:spPr>
+        <p:txBody>
+          <a:bodyPr wrap="none" rtlCol="0">
+            <a:spAutoFit/>
+          </a:bodyPr>
+          <a:lstStyle/>
+          <a:p>
+            <a:r>
+              <a:rPr lang="en-US" altLang="ja-JP" dirty="0" smtClean="0">
+                <a:latin typeface="Arial"/>
+                <a:cs typeface="Arial"/>
+              </a:rPr>
+              <a:t>s-&gt;number = 10;</a:t>
+            </a:r>
+            <a:endParaRPr lang="en-US" altLang="ja-JP" dirty="0">
+              <a:latin typeface="Arial"/>
+              <a:cs typeface="Arial"/>
+            </a:endParaRPr>
+          </a:p>
+        </p:txBody>
+      </p:sp>
+      <p:sp>
+        <p:nvSpPr>
+          <p:cNvPr id="9" name="テキスト ボックス 8"/>
+          <p:cNvSpPr txBox="1"/>
+          <p:nvPr/>
+        </p:nvSpPr>
+        <p:spPr>
+          <a:xfrm>
+            <a:off x="1614083" y="4840812"/>
+            <a:ext cx="646331" cy="369332"/>
+          </a:xfrm>
+          <a:prstGeom prst="rect">
+            <a:avLst/>
+          </a:prstGeom>
+          <a:noFill/>
+        </p:spPr>
+        <p:txBody>
+          <a:bodyPr wrap="none" rtlCol="0">
+            <a:spAutoFit/>
+          </a:bodyPr>
+          <a:lstStyle/>
+          <a:p>
+            <a:r>
+              <a:rPr lang="ja-JP" altLang="en-US" b="1" dirty="0" smtClean="0">
+                <a:latin typeface="Arial"/>
+                <a:cs typeface="Arial"/>
+              </a:rPr>
+              <a:t>入力</a:t>
+            </a:r>
+            <a:endParaRPr kumimoji="1" lang="ja-JP" altLang="en-US" b="1" dirty="0" smtClean="0">
+              <a:latin typeface="Arial"/>
+              <a:cs typeface="Arial"/>
+            </a:endParaRPr>
+          </a:p>
+        </p:txBody>
+      </p:sp>
+      <p:sp>
+        <p:nvSpPr>
+          <p:cNvPr id="10" name="テキスト ボックス 9"/>
+          <p:cNvSpPr txBox="1"/>
+          <p:nvPr/>
+        </p:nvSpPr>
+        <p:spPr>
+          <a:xfrm>
+            <a:off x="4508113" y="4272677"/>
+            <a:ext cx="3901790" cy="2308324"/>
+          </a:xfrm>
+          <a:prstGeom prst="rect">
+            <a:avLst/>
+          </a:prstGeom>
+          <a:noFill/>
+        </p:spPr>
+        <p:txBody>
+          <a:bodyPr wrap="square" rtlCol="0">
+            <a:spAutoFit/>
+          </a:bodyPr>
+          <a:lstStyle/>
+          <a:p>
+            <a:r>
+              <a:rPr lang="en-US" altLang="ja-JP" dirty="0">
+                <a:solidFill>
+                  <a:srgbClr val="FF6600"/>
+                </a:solidFill>
+                <a:latin typeface="Arial"/>
+                <a:cs typeface="Arial"/>
+              </a:rPr>
+              <a:t>#assign </a:t>
+            </a:r>
+            <a:r>
+              <a:rPr lang="en-US" altLang="ja-JP" dirty="0">
+                <a:latin typeface="Arial"/>
+                <a:cs typeface="Arial"/>
+              </a:rPr>
+              <a:t>{</a:t>
+            </a:r>
+          </a:p>
+          <a:p>
+            <a:r>
+              <a:rPr lang="en-US" altLang="ja-JP" dirty="0">
+                <a:latin typeface="Arial"/>
+                <a:cs typeface="Arial"/>
+              </a:rPr>
+              <a:t>   </a:t>
+            </a:r>
+            <a:r>
+              <a:rPr lang="en-US" altLang="ja-JP" dirty="0">
+                <a:solidFill>
+                  <a:srgbClr val="FF6600"/>
+                </a:solidFill>
+                <a:latin typeface="Arial"/>
+                <a:cs typeface="Arial"/>
+              </a:rPr>
+              <a:t>#</a:t>
+            </a:r>
+            <a:r>
+              <a:rPr lang="en-US" altLang="ja-JP" dirty="0" err="1">
+                <a:solidFill>
+                  <a:srgbClr val="FF6600"/>
+                </a:solidFill>
+                <a:latin typeface="Arial"/>
+                <a:cs typeface="Arial"/>
+              </a:rPr>
+              <a:t>c.ptr</a:t>
+            </a:r>
+            <a:r>
+              <a:rPr lang="en-US" altLang="ja-JP" dirty="0">
+                <a:solidFill>
+                  <a:srgbClr val="FF6600"/>
+                </a:solidFill>
+                <a:latin typeface="Arial"/>
+                <a:cs typeface="Arial"/>
+              </a:rPr>
+              <a:t> </a:t>
+            </a:r>
+            <a:r>
+              <a:rPr lang="en-US" altLang="ja-JP" dirty="0">
+                <a:latin typeface="Arial"/>
+                <a:cs typeface="Arial"/>
+              </a:rPr>
+              <a:t>{</a:t>
+            </a:r>
+          </a:p>
+          <a:p>
+            <a:r>
+              <a:rPr lang="en-US" altLang="ja-JP" dirty="0">
+                <a:latin typeface="Arial"/>
+                <a:cs typeface="Arial"/>
+              </a:rPr>
+              <a:t>      #name: s </a:t>
+            </a:r>
+          </a:p>
+          <a:p>
+            <a:r>
+              <a:rPr lang="en-US" altLang="ja-JP" dirty="0">
+                <a:latin typeface="Arial"/>
+                <a:cs typeface="Arial"/>
+              </a:rPr>
+              <a:t>      #name: number</a:t>
+            </a:r>
+          </a:p>
+          <a:p>
+            <a:r>
+              <a:rPr lang="en-US" altLang="ja-JP" dirty="0">
+                <a:latin typeface="Arial"/>
+                <a:cs typeface="Arial"/>
+              </a:rPr>
+              <a:t>   }</a:t>
+            </a:r>
+          </a:p>
+          <a:p>
+            <a:r>
+              <a:rPr lang="en-US" altLang="ja-JP" dirty="0">
+                <a:latin typeface="Arial"/>
+                <a:cs typeface="Arial"/>
+              </a:rPr>
+              <a:t>   </a:t>
+            </a:r>
+            <a:r>
+              <a:rPr lang="en-US" altLang="ja-JP" dirty="0">
+                <a:solidFill>
+                  <a:srgbClr val="FF6600"/>
+                </a:solidFill>
+                <a:latin typeface="Arial"/>
+                <a:cs typeface="Arial"/>
+              </a:rPr>
+              <a:t>#</a:t>
+            </a:r>
+            <a:r>
+              <a:rPr lang="en-US" altLang="ja-JP" dirty="0" err="1">
+                <a:solidFill>
+                  <a:srgbClr val="FF6600"/>
+                </a:solidFill>
+                <a:latin typeface="Arial"/>
+                <a:cs typeface="Arial"/>
+              </a:rPr>
+              <a:t>c.assignmentoperator</a:t>
+            </a:r>
+            <a:r>
+              <a:rPr lang="en-US" altLang="ja-JP" dirty="0">
+                <a:latin typeface="Arial"/>
+                <a:cs typeface="Arial"/>
+              </a:rPr>
+              <a:t>: =</a:t>
+            </a:r>
+          </a:p>
+          <a:p>
+            <a:r>
+              <a:rPr lang="en-US" altLang="ja-JP" dirty="0">
+                <a:latin typeface="Arial"/>
+                <a:cs typeface="Arial"/>
+              </a:rPr>
+              <a:t>   #integer: 10</a:t>
+            </a:r>
+          </a:p>
+          <a:p>
+            <a:r>
+              <a:rPr lang="en-US" altLang="ja-JP" dirty="0">
+                <a:latin typeface="Arial"/>
+                <a:cs typeface="Arial"/>
+              </a:rPr>
+              <a:t>}</a:t>
+            </a:r>
+          </a:p>
+        </p:txBody>
+      </p:sp>
+    </p:spTree>
+    <p:extLst>
+      <p:ext uri="{BB962C8B-B14F-4D97-AF65-F5344CB8AC3E}">
+        <p14:creationId xmlns:p14="http://schemas.microsoft.com/office/powerpoint/2010/main" val="3836919203"/>
+      </p:ext>
+    </p:extLst>
+  </p:cSld>
+  <p:clrMapOvr>
+    <a:masterClrMapping/>
+  </p:clrMapOvr>
+</p:sld>
+</file>
+
+<file path=ppt/slides/slide45.xml><?xml version="1.0" encoding="utf-8"?>
+<p:sld xmlns:a="http://schemas.openxmlformats.org/drawingml/2006/main" xmlns:r="http://schemas.openxmlformats.org/officeDocument/2006/relationships" xmlns:p="http://schemas.openxmlformats.org/presentationml/2006/main">
+  <p:cSld>
+    <p:spTree>
+      <p:nvGrpSpPr>
+        <p:cNvPr id="1" name=""/>
+        <p:cNvGrpSpPr/>
+        <p:nvPr/>
+      </p:nvGrpSpPr>
+      <p:grpSpPr>
+        <a:xfrm>
+          <a:off x="0" y="0"/>
+          <a:ext cx="0" cy="0"/>
+          <a:chOff x="0" y="0"/>
+          <a:chExt cx="0" cy="0"/>
+        </a:xfrm>
+      </p:grpSpPr>
+      <p:sp>
+        <p:nvSpPr>
+          <p:cNvPr id="2" name="タイトル 1"/>
+          <p:cNvSpPr>
+            <a:spLocks noGrp="1"/>
+          </p:cNvSpPr>
+          <p:nvPr>
+            <p:ph type="title"/>
+          </p:nvPr>
+        </p:nvSpPr>
+        <p:spPr/>
+        <p:txBody>
+          <a:bodyPr>
+            <a:normAutofit/>
+          </a:bodyPr>
+          <a:lstStyle/>
+          <a:p>
+            <a:r>
+              <a:rPr lang="ja-JP" altLang="en-US" dirty="0" smtClean="0"/>
+              <a:t>キャスト</a:t>
+            </a:r>
+            <a:endParaRPr kumimoji="1" lang="ja-JP" altLang="en-US" dirty="0"/>
+          </a:p>
+        </p:txBody>
+      </p:sp>
+      <p:sp>
+        <p:nvSpPr>
+          <p:cNvPr id="4" name="テキスト ボックス 3"/>
+          <p:cNvSpPr txBox="1"/>
+          <p:nvPr/>
+        </p:nvSpPr>
+        <p:spPr>
+          <a:xfrm>
+            <a:off x="4355713" y="1741506"/>
+            <a:ext cx="3901790" cy="5078314"/>
+          </a:xfrm>
+          <a:prstGeom prst="rect">
+            <a:avLst/>
+          </a:prstGeom>
+          <a:noFill/>
+        </p:spPr>
+        <p:txBody>
+          <a:bodyPr wrap="square" rtlCol="0">
+            <a:spAutoFit/>
+          </a:bodyPr>
+          <a:lstStyle/>
+          <a:p>
+            <a:r>
+              <a:rPr lang="tr-TR" altLang="ja-JP" dirty="0">
+                <a:latin typeface="Arial"/>
+                <a:cs typeface="Arial"/>
+              </a:rPr>
+              <a:t>#</a:t>
+            </a:r>
+            <a:r>
+              <a:rPr lang="tr-TR" altLang="ja-JP" dirty="0" err="1">
+                <a:latin typeface="Arial"/>
+                <a:cs typeface="Arial"/>
+              </a:rPr>
+              <a:t>c.declaration</a:t>
+            </a:r>
+            <a:r>
+              <a:rPr lang="tr-TR" altLang="ja-JP" dirty="0">
+                <a:latin typeface="Arial"/>
+                <a:cs typeface="Arial"/>
+              </a:rPr>
+              <a:t> {</a:t>
+            </a:r>
+          </a:p>
+          <a:p>
+            <a:r>
+              <a:rPr lang="tr-TR" altLang="ja-JP" dirty="0">
+                <a:latin typeface="Arial"/>
+                <a:cs typeface="Arial"/>
+              </a:rPr>
+              <a:t>   #</a:t>
+            </a:r>
+            <a:r>
+              <a:rPr lang="tr-TR" altLang="ja-JP" dirty="0" err="1">
+                <a:latin typeface="Arial"/>
+                <a:cs typeface="Arial"/>
+              </a:rPr>
+              <a:t>c.declarationspecifier</a:t>
+            </a:r>
+            <a:r>
+              <a:rPr lang="tr-TR" altLang="ja-JP" dirty="0">
+                <a:latin typeface="Arial"/>
+                <a:cs typeface="Arial"/>
+              </a:rPr>
+              <a:t> {</a:t>
+            </a:r>
+          </a:p>
+          <a:p>
+            <a:r>
+              <a:rPr lang="tr-TR" altLang="ja-JP" dirty="0">
+                <a:latin typeface="Arial"/>
+                <a:cs typeface="Arial"/>
+              </a:rPr>
+              <a:t>      #</a:t>
+            </a:r>
+            <a:r>
+              <a:rPr lang="tr-TR" altLang="ja-JP" dirty="0" err="1">
+                <a:latin typeface="Arial"/>
+                <a:cs typeface="Arial"/>
+              </a:rPr>
+              <a:t>c.typespecifier</a:t>
+            </a:r>
+            <a:r>
+              <a:rPr lang="tr-TR" altLang="ja-JP" dirty="0">
+                <a:latin typeface="Arial"/>
+                <a:cs typeface="Arial"/>
+              </a:rPr>
+              <a:t>: </a:t>
+            </a:r>
+            <a:r>
+              <a:rPr lang="tr-TR" altLang="ja-JP" dirty="0" err="1">
+                <a:latin typeface="Arial"/>
+                <a:cs typeface="Arial"/>
+              </a:rPr>
+              <a:t>char</a:t>
+            </a:r>
+            <a:endParaRPr lang="tr-TR" altLang="ja-JP" dirty="0">
+              <a:latin typeface="Arial"/>
+              <a:cs typeface="Arial"/>
+            </a:endParaRPr>
+          </a:p>
+          <a:p>
+            <a:r>
+              <a:rPr lang="tr-TR" altLang="ja-JP" dirty="0">
+                <a:latin typeface="Arial"/>
+                <a:cs typeface="Arial"/>
+              </a:rPr>
+              <a:t>   }</a:t>
+            </a:r>
+          </a:p>
+          <a:p>
+            <a:r>
+              <a:rPr lang="tr-TR" altLang="ja-JP" dirty="0">
+                <a:latin typeface="Arial"/>
+                <a:cs typeface="Arial"/>
+              </a:rPr>
+              <a:t>   #</a:t>
+            </a:r>
+            <a:r>
+              <a:rPr lang="tr-TR" altLang="ja-JP" dirty="0" err="1">
+                <a:latin typeface="Arial"/>
+                <a:cs typeface="Arial"/>
+              </a:rPr>
+              <a:t>c.initdeclarator</a:t>
+            </a:r>
+            <a:r>
+              <a:rPr lang="tr-TR" altLang="ja-JP" dirty="0">
+                <a:latin typeface="Arial"/>
+                <a:cs typeface="Arial"/>
+              </a:rPr>
+              <a:t> {</a:t>
+            </a:r>
+          </a:p>
+          <a:p>
+            <a:r>
+              <a:rPr lang="tr-TR" altLang="ja-JP" dirty="0">
+                <a:latin typeface="Arial"/>
+                <a:cs typeface="Arial"/>
+              </a:rPr>
+              <a:t>      #</a:t>
+            </a:r>
+            <a:r>
+              <a:rPr lang="tr-TR" altLang="ja-JP" dirty="0" err="1">
+                <a:latin typeface="Arial"/>
+                <a:cs typeface="Arial"/>
+              </a:rPr>
+              <a:t>c.declarator</a:t>
+            </a:r>
+            <a:r>
+              <a:rPr lang="tr-TR" altLang="ja-JP" dirty="0">
+                <a:latin typeface="Arial"/>
+                <a:cs typeface="Arial"/>
+              </a:rPr>
+              <a:t> {</a:t>
+            </a:r>
+          </a:p>
+          <a:p>
+            <a:r>
+              <a:rPr lang="tr-TR" altLang="ja-JP" dirty="0">
+                <a:latin typeface="Arial"/>
+                <a:cs typeface="Arial"/>
+              </a:rPr>
+              <a:t>         #name: n</a:t>
+            </a:r>
+          </a:p>
+          <a:p>
+            <a:r>
+              <a:rPr lang="tr-TR" altLang="ja-JP" dirty="0">
+                <a:latin typeface="Arial"/>
+                <a:cs typeface="Arial"/>
+              </a:rPr>
+              <a:t>      }</a:t>
+            </a:r>
+          </a:p>
+          <a:p>
+            <a:r>
+              <a:rPr lang="tr-TR" altLang="ja-JP" dirty="0">
+                <a:latin typeface="Arial"/>
+                <a:cs typeface="Arial"/>
+              </a:rPr>
+              <a:t>      #</a:t>
+            </a:r>
+            <a:r>
+              <a:rPr lang="tr-TR" altLang="ja-JP" dirty="0" err="1">
+                <a:latin typeface="Arial"/>
+                <a:cs typeface="Arial"/>
+              </a:rPr>
+              <a:t>c.initializer</a:t>
+            </a:r>
+            <a:r>
+              <a:rPr lang="tr-TR" altLang="ja-JP" dirty="0">
+                <a:latin typeface="Arial"/>
+                <a:cs typeface="Arial"/>
+              </a:rPr>
+              <a:t> {</a:t>
+            </a:r>
+          </a:p>
+          <a:p>
+            <a:r>
+              <a:rPr lang="tr-TR" altLang="ja-JP" dirty="0">
+                <a:latin typeface="Arial"/>
+                <a:cs typeface="Arial"/>
+              </a:rPr>
+              <a:t>         </a:t>
+            </a:r>
+            <a:r>
+              <a:rPr lang="tr-TR" altLang="ja-JP" dirty="0">
+                <a:solidFill>
+                  <a:srgbClr val="FF6600"/>
+                </a:solidFill>
+                <a:latin typeface="Arial"/>
+                <a:cs typeface="Arial"/>
+              </a:rPr>
+              <a:t>#</a:t>
+            </a:r>
+            <a:r>
+              <a:rPr lang="tr-TR" altLang="ja-JP" dirty="0" err="1">
+                <a:solidFill>
+                  <a:srgbClr val="FF6600"/>
+                </a:solidFill>
+                <a:latin typeface="Arial"/>
+                <a:cs typeface="Arial"/>
+              </a:rPr>
+              <a:t>c.castexpression</a:t>
+            </a:r>
+            <a:r>
+              <a:rPr lang="tr-TR" altLang="ja-JP" dirty="0">
+                <a:solidFill>
+                  <a:srgbClr val="FF6600"/>
+                </a:solidFill>
+                <a:latin typeface="Arial"/>
+                <a:cs typeface="Arial"/>
+              </a:rPr>
+              <a:t> </a:t>
+            </a:r>
+            <a:r>
+              <a:rPr lang="tr-TR" altLang="ja-JP" dirty="0">
+                <a:latin typeface="Arial"/>
+                <a:cs typeface="Arial"/>
+              </a:rPr>
+              <a:t>{</a:t>
+            </a:r>
+          </a:p>
+          <a:p>
+            <a:r>
+              <a:rPr lang="tr-TR" altLang="ja-JP" dirty="0">
+                <a:latin typeface="Arial"/>
+                <a:cs typeface="Arial"/>
+              </a:rPr>
+              <a:t>            #</a:t>
+            </a:r>
+            <a:r>
+              <a:rPr lang="tr-TR" altLang="ja-JP" dirty="0" err="1">
+                <a:latin typeface="Arial"/>
+                <a:cs typeface="Arial"/>
+              </a:rPr>
+              <a:t>c.typename</a:t>
+            </a:r>
+            <a:r>
+              <a:rPr lang="tr-TR" altLang="ja-JP" dirty="0">
+                <a:latin typeface="Arial"/>
+                <a:cs typeface="Arial"/>
+              </a:rPr>
+              <a:t> {</a:t>
+            </a:r>
+          </a:p>
+          <a:p>
+            <a:r>
+              <a:rPr lang="tr-TR" altLang="ja-JP" dirty="0">
+                <a:latin typeface="Arial"/>
+                <a:cs typeface="Arial"/>
+              </a:rPr>
+              <a:t>               #</a:t>
+            </a:r>
+            <a:r>
+              <a:rPr lang="tr-TR" altLang="ja-JP" dirty="0" err="1">
+                <a:latin typeface="Arial"/>
+                <a:cs typeface="Arial"/>
+              </a:rPr>
+              <a:t>c.typespecifier</a:t>
+            </a:r>
+            <a:r>
+              <a:rPr lang="tr-TR" altLang="ja-JP" dirty="0">
+                <a:latin typeface="Arial"/>
+                <a:cs typeface="Arial"/>
+              </a:rPr>
+              <a:t>: </a:t>
+            </a:r>
+            <a:r>
+              <a:rPr lang="tr-TR" altLang="ja-JP" dirty="0" err="1">
+                <a:latin typeface="Arial"/>
+                <a:cs typeface="Arial"/>
+              </a:rPr>
+              <a:t>char</a:t>
+            </a:r>
+            <a:endParaRPr lang="tr-TR" altLang="ja-JP" dirty="0">
+              <a:latin typeface="Arial"/>
+              <a:cs typeface="Arial"/>
+            </a:endParaRPr>
+          </a:p>
+          <a:p>
+            <a:r>
+              <a:rPr lang="tr-TR" altLang="ja-JP" dirty="0">
+                <a:latin typeface="Arial"/>
+                <a:cs typeface="Arial"/>
+              </a:rPr>
+              <a:t>            }</a:t>
+            </a:r>
+          </a:p>
+          <a:p>
+            <a:r>
+              <a:rPr lang="tr-TR" altLang="ja-JP" dirty="0">
+                <a:latin typeface="Arial"/>
+                <a:cs typeface="Arial"/>
+              </a:rPr>
+              <a:t>            #name: p</a:t>
+            </a:r>
+          </a:p>
+          <a:p>
+            <a:r>
+              <a:rPr lang="tr-TR" altLang="ja-JP" dirty="0">
+                <a:latin typeface="Arial"/>
+                <a:cs typeface="Arial"/>
+              </a:rPr>
+              <a:t>         }</a:t>
+            </a:r>
+          </a:p>
+          <a:p>
+            <a:r>
+              <a:rPr lang="tr-TR" altLang="ja-JP" dirty="0">
+                <a:latin typeface="Arial"/>
+                <a:cs typeface="Arial"/>
+              </a:rPr>
+              <a:t>      }</a:t>
+            </a:r>
+          </a:p>
+          <a:p>
+            <a:r>
+              <a:rPr lang="tr-TR" altLang="ja-JP" dirty="0">
+                <a:latin typeface="Arial"/>
+                <a:cs typeface="Arial"/>
+              </a:rPr>
+              <a:t>   }</a:t>
+            </a:r>
+          </a:p>
+          <a:p>
+            <a:r>
+              <a:rPr lang="tr-TR" altLang="ja-JP" dirty="0">
+                <a:latin typeface="Arial"/>
+                <a:cs typeface="Arial"/>
+              </a:rPr>
+              <a:t>}</a:t>
+            </a:r>
+            <a:endParaRPr lang="tr-TR" altLang="ja-JP" dirty="0">
+              <a:latin typeface="Arial"/>
+              <a:cs typeface="Arial"/>
+            </a:endParaRPr>
+          </a:p>
+        </p:txBody>
+      </p:sp>
+      <p:sp>
+        <p:nvSpPr>
+          <p:cNvPr id="5" name="テキスト ボックス 4"/>
+          <p:cNvSpPr txBox="1"/>
+          <p:nvPr/>
+        </p:nvSpPr>
+        <p:spPr>
+          <a:xfrm>
+            <a:off x="1126020" y="1777414"/>
+            <a:ext cx="1948708" cy="369332"/>
+          </a:xfrm>
+          <a:prstGeom prst="rect">
+            <a:avLst/>
+          </a:prstGeom>
+          <a:noFill/>
+        </p:spPr>
+        <p:txBody>
+          <a:bodyPr wrap="none" rtlCol="0">
+            <a:spAutoFit/>
+          </a:bodyPr>
+          <a:lstStyle/>
+          <a:p>
+            <a:r>
+              <a:rPr lang="en-US" altLang="ja-JP" dirty="0" smtClean="0">
+                <a:latin typeface="Arial"/>
+                <a:cs typeface="Arial"/>
+              </a:rPr>
+              <a:t>char n = (char) p;</a:t>
+            </a:r>
+            <a:endParaRPr lang="en-US" altLang="ja-JP" dirty="0">
+              <a:latin typeface="Arial"/>
+              <a:cs typeface="Arial"/>
+            </a:endParaRPr>
+          </a:p>
+        </p:txBody>
+      </p:sp>
+      <p:sp>
+        <p:nvSpPr>
+          <p:cNvPr id="6" name="テキスト ボックス 5"/>
+          <p:cNvSpPr txBox="1"/>
+          <p:nvPr/>
+        </p:nvSpPr>
+        <p:spPr>
+          <a:xfrm>
+            <a:off x="1461683" y="1251629"/>
+            <a:ext cx="646331" cy="369332"/>
+          </a:xfrm>
+          <a:prstGeom prst="rect">
+            <a:avLst/>
+          </a:prstGeom>
+          <a:noFill/>
+        </p:spPr>
+        <p:txBody>
+          <a:bodyPr wrap="none" rtlCol="0">
+            <a:spAutoFit/>
+          </a:bodyPr>
+          <a:lstStyle/>
+          <a:p>
+            <a:r>
+              <a:rPr lang="ja-JP" altLang="en-US" b="1" dirty="0" smtClean="0">
+                <a:latin typeface="Arial"/>
+                <a:cs typeface="Arial"/>
+              </a:rPr>
+              <a:t>入力</a:t>
+            </a:r>
+            <a:endParaRPr kumimoji="1" lang="ja-JP" altLang="en-US" b="1" dirty="0" smtClean="0">
+              <a:latin typeface="Arial"/>
+              <a:cs typeface="Arial"/>
+            </a:endParaRPr>
+          </a:p>
+        </p:txBody>
+      </p:sp>
+      <p:sp>
+        <p:nvSpPr>
+          <p:cNvPr id="7" name="テキスト ボックス 6"/>
+          <p:cNvSpPr txBox="1"/>
+          <p:nvPr/>
+        </p:nvSpPr>
+        <p:spPr>
+          <a:xfrm>
+            <a:off x="5830110" y="1257295"/>
+            <a:ext cx="877163" cy="369332"/>
+          </a:xfrm>
+          <a:prstGeom prst="rect">
+            <a:avLst/>
+          </a:prstGeom>
+          <a:noFill/>
+        </p:spPr>
+        <p:txBody>
+          <a:bodyPr wrap="none" rtlCol="0">
+            <a:spAutoFit/>
+          </a:bodyPr>
+          <a:lstStyle/>
+          <a:p>
+            <a:r>
+              <a:rPr kumimoji="1" lang="ja-JP" altLang="en-US" b="1" dirty="0" smtClean="0">
+                <a:latin typeface="Arial"/>
+                <a:cs typeface="Arial"/>
+              </a:rPr>
+              <a:t>ラベル</a:t>
+            </a:r>
+          </a:p>
+        </p:txBody>
+      </p:sp>
+    </p:spTree>
+    <p:extLst>
+      <p:ext uri="{BB962C8B-B14F-4D97-AF65-F5344CB8AC3E}">
+        <p14:creationId xmlns:p14="http://schemas.microsoft.com/office/powerpoint/2010/main" val="502000780"/>
+      </p:ext>
+    </p:extLst>
+  </p:cSld>
+  <p:clrMapOvr>
+    <a:masterClrMapping/>
+  </p:clrMapOvr>
+</p:sld>
+</file>
+
+<file path=ppt/slides/slide46.xml><?xml version="1.0" encoding="utf-8"?>
+<p:sld xmlns:a="http://schemas.openxmlformats.org/drawingml/2006/main" xmlns:r="http://schemas.openxmlformats.org/officeDocument/2006/relationships" xmlns:p="http://schemas.openxmlformats.org/presentationml/2006/main">
+  <p:cSld>
+    <p:spTree>
+      <p:nvGrpSpPr>
+        <p:cNvPr id="1" name=""/>
+        <p:cNvGrpSpPr/>
+        <p:nvPr/>
+      </p:nvGrpSpPr>
+      <p:grpSpPr>
+        <a:xfrm>
+          <a:off x="0" y="0"/>
+          <a:ext cx="0" cy="0"/>
+          <a:chOff x="0" y="0"/>
+          <a:chExt cx="0" cy="0"/>
+        </a:xfrm>
+      </p:grpSpPr>
+      <p:sp>
+        <p:nvSpPr>
+          <p:cNvPr id="2" name="タイトル 1"/>
+          <p:cNvSpPr>
+            <a:spLocks noGrp="1"/>
+          </p:cNvSpPr>
+          <p:nvPr>
+            <p:ph type="title"/>
+          </p:nvPr>
+        </p:nvSpPr>
+        <p:spPr/>
+        <p:txBody>
+          <a:bodyPr/>
+          <a:lstStyle/>
+          <a:p>
+            <a:r>
+              <a:rPr kumimoji="1" lang="en-US" altLang="ja-JP" dirty="0" err="1" smtClean="0"/>
+              <a:t>enum</a:t>
+            </a:r>
+            <a:endParaRPr kumimoji="1" lang="ja-JP" altLang="en-US" dirty="0"/>
+          </a:p>
+        </p:txBody>
+      </p:sp>
+      <p:sp>
+        <p:nvSpPr>
+          <p:cNvPr id="4" name="テキスト ボックス 3"/>
+          <p:cNvSpPr txBox="1"/>
+          <p:nvPr/>
+        </p:nvSpPr>
+        <p:spPr>
+          <a:xfrm>
+            <a:off x="4355713" y="1741506"/>
+            <a:ext cx="3901790" cy="3416320"/>
+          </a:xfrm>
+          <a:prstGeom prst="rect">
+            <a:avLst/>
+          </a:prstGeom>
+          <a:noFill/>
+        </p:spPr>
+        <p:txBody>
+          <a:bodyPr wrap="square" rtlCol="0">
+            <a:spAutoFit/>
+          </a:bodyPr>
+          <a:lstStyle/>
+          <a:p>
+            <a:r>
+              <a:rPr lang="tr-TR" altLang="ja-JP" dirty="0">
+                <a:latin typeface="Arial"/>
+                <a:cs typeface="Arial"/>
+              </a:rPr>
+              <a:t>#</a:t>
+            </a:r>
+            <a:r>
+              <a:rPr lang="tr-TR" altLang="ja-JP" dirty="0" err="1">
+                <a:latin typeface="Arial"/>
+                <a:cs typeface="Arial"/>
+              </a:rPr>
+              <a:t>c.declaration</a:t>
+            </a:r>
+            <a:r>
+              <a:rPr lang="tr-TR" altLang="ja-JP" dirty="0">
+                <a:latin typeface="Arial"/>
+                <a:cs typeface="Arial"/>
+              </a:rPr>
+              <a:t> {</a:t>
+            </a:r>
+          </a:p>
+          <a:p>
+            <a:r>
+              <a:rPr lang="tr-TR" altLang="ja-JP" dirty="0">
+                <a:latin typeface="Arial"/>
+                <a:cs typeface="Arial"/>
+              </a:rPr>
+              <a:t>   #</a:t>
+            </a:r>
+            <a:r>
+              <a:rPr lang="tr-TR" altLang="ja-JP" dirty="0" err="1">
+                <a:latin typeface="Arial"/>
+                <a:cs typeface="Arial"/>
+              </a:rPr>
+              <a:t>c.declarationspecifier</a:t>
+            </a:r>
+            <a:r>
+              <a:rPr lang="tr-TR" altLang="ja-JP" dirty="0">
+                <a:latin typeface="Arial"/>
+                <a:cs typeface="Arial"/>
+              </a:rPr>
+              <a:t> {</a:t>
+            </a:r>
+          </a:p>
+          <a:p>
+            <a:r>
+              <a:rPr lang="tr-TR" altLang="ja-JP" dirty="0">
+                <a:latin typeface="Arial"/>
+                <a:cs typeface="Arial"/>
+              </a:rPr>
+              <a:t>      #</a:t>
+            </a:r>
+            <a:r>
+              <a:rPr lang="tr-TR" altLang="ja-JP" dirty="0" err="1">
+                <a:latin typeface="Arial"/>
+                <a:cs typeface="Arial"/>
+              </a:rPr>
+              <a:t>c.typespecifier</a:t>
+            </a:r>
+            <a:r>
+              <a:rPr lang="tr-TR" altLang="ja-JP" dirty="0">
+                <a:latin typeface="Arial"/>
+                <a:cs typeface="Arial"/>
+              </a:rPr>
+              <a:t> {</a:t>
+            </a:r>
+          </a:p>
+          <a:p>
+            <a:r>
+              <a:rPr lang="tr-TR" altLang="ja-JP" dirty="0">
+                <a:latin typeface="Arial"/>
+                <a:cs typeface="Arial"/>
+              </a:rPr>
+              <a:t>         #name: </a:t>
+            </a:r>
+            <a:r>
+              <a:rPr lang="tr-TR" altLang="ja-JP" dirty="0" err="1">
+                <a:latin typeface="Arial"/>
+                <a:cs typeface="Arial"/>
+              </a:rPr>
+              <a:t>Type</a:t>
+            </a:r>
+            <a:endParaRPr lang="tr-TR" altLang="ja-JP" dirty="0">
+              <a:latin typeface="Arial"/>
+              <a:cs typeface="Arial"/>
+            </a:endParaRPr>
+          </a:p>
+          <a:p>
+            <a:r>
+              <a:rPr lang="tr-TR" altLang="ja-JP" dirty="0">
+                <a:latin typeface="Arial"/>
+                <a:cs typeface="Arial"/>
+              </a:rPr>
+              <a:t>         </a:t>
+            </a:r>
+            <a:r>
+              <a:rPr lang="tr-TR" altLang="ja-JP" dirty="0">
+                <a:solidFill>
+                  <a:srgbClr val="FF6600"/>
+                </a:solidFill>
+                <a:latin typeface="Arial"/>
+                <a:cs typeface="Arial"/>
+              </a:rPr>
+              <a:t>#</a:t>
+            </a:r>
+            <a:r>
+              <a:rPr lang="tr-TR" altLang="ja-JP" dirty="0" err="1">
+                <a:solidFill>
+                  <a:srgbClr val="FF6600"/>
+                </a:solidFill>
+                <a:latin typeface="Arial"/>
+                <a:cs typeface="Arial"/>
+              </a:rPr>
+              <a:t>c.enumeratorlist</a:t>
+            </a:r>
+            <a:r>
+              <a:rPr lang="tr-TR" altLang="ja-JP" dirty="0">
+                <a:solidFill>
+                  <a:srgbClr val="FF6600"/>
+                </a:solidFill>
+                <a:latin typeface="Arial"/>
+                <a:cs typeface="Arial"/>
+              </a:rPr>
+              <a:t> </a:t>
+            </a:r>
+            <a:r>
+              <a:rPr lang="tr-TR" altLang="ja-JP" dirty="0">
+                <a:latin typeface="Arial"/>
+                <a:cs typeface="Arial"/>
+              </a:rPr>
+              <a:t>{</a:t>
+            </a:r>
+          </a:p>
+          <a:p>
+            <a:r>
+              <a:rPr lang="tr-TR" altLang="ja-JP" dirty="0">
+                <a:latin typeface="Arial"/>
+                <a:cs typeface="Arial"/>
+              </a:rPr>
+              <a:t>            #name: VOID</a:t>
+            </a:r>
+          </a:p>
+          <a:p>
+            <a:r>
+              <a:rPr lang="tr-TR" altLang="ja-JP" dirty="0">
+                <a:latin typeface="Arial"/>
+                <a:cs typeface="Arial"/>
+              </a:rPr>
+              <a:t>            #name: INT</a:t>
+            </a:r>
+          </a:p>
+          <a:p>
+            <a:r>
+              <a:rPr lang="tr-TR" altLang="ja-JP" dirty="0">
+                <a:latin typeface="Arial"/>
+                <a:cs typeface="Arial"/>
+              </a:rPr>
+              <a:t>            #name: CHAR</a:t>
+            </a:r>
+          </a:p>
+          <a:p>
+            <a:r>
+              <a:rPr lang="tr-TR" altLang="ja-JP" dirty="0">
+                <a:latin typeface="Arial"/>
+                <a:cs typeface="Arial"/>
+              </a:rPr>
+              <a:t>         }</a:t>
+            </a:r>
+          </a:p>
+          <a:p>
+            <a:r>
+              <a:rPr lang="tr-TR" altLang="ja-JP" dirty="0">
+                <a:latin typeface="Arial"/>
+                <a:cs typeface="Arial"/>
+              </a:rPr>
+              <a:t>      }</a:t>
+            </a:r>
+          </a:p>
+          <a:p>
+            <a:r>
+              <a:rPr lang="tr-TR" altLang="ja-JP" dirty="0">
+                <a:latin typeface="Arial"/>
+                <a:cs typeface="Arial"/>
+              </a:rPr>
+              <a:t>   }</a:t>
+            </a:r>
+          </a:p>
+          <a:p>
+            <a:r>
+              <a:rPr lang="tr-TR" altLang="ja-JP" dirty="0">
+                <a:latin typeface="Arial"/>
+                <a:cs typeface="Arial"/>
+              </a:rPr>
+              <a:t>}</a:t>
+            </a:r>
+            <a:endParaRPr lang="tr-TR" altLang="ja-JP" dirty="0">
+              <a:latin typeface="Arial"/>
+              <a:cs typeface="Arial"/>
+            </a:endParaRPr>
+          </a:p>
+        </p:txBody>
+      </p:sp>
+      <p:sp>
+        <p:nvSpPr>
+          <p:cNvPr id="5" name="テキスト ボックス 4"/>
+          <p:cNvSpPr txBox="1"/>
+          <p:nvPr/>
+        </p:nvSpPr>
+        <p:spPr>
+          <a:xfrm>
+            <a:off x="1126020" y="1777414"/>
+            <a:ext cx="1467068" cy="1477328"/>
+          </a:xfrm>
+          <a:prstGeom prst="rect">
+            <a:avLst/>
+          </a:prstGeom>
+          <a:noFill/>
+        </p:spPr>
+        <p:txBody>
+          <a:bodyPr wrap="none" rtlCol="0">
+            <a:spAutoFit/>
+          </a:bodyPr>
+          <a:lstStyle/>
+          <a:p>
+            <a:r>
+              <a:rPr lang="en-US" altLang="ja-JP" dirty="0" err="1">
+                <a:latin typeface="Arial"/>
+                <a:cs typeface="Arial"/>
+              </a:rPr>
+              <a:t>enum</a:t>
+            </a:r>
+            <a:r>
+              <a:rPr lang="en-US" altLang="ja-JP" dirty="0">
+                <a:latin typeface="Arial"/>
+                <a:cs typeface="Arial"/>
+              </a:rPr>
+              <a:t> Type {</a:t>
+            </a:r>
+          </a:p>
+          <a:p>
+            <a:r>
+              <a:rPr lang="en-US" altLang="ja-JP" dirty="0">
+                <a:latin typeface="Arial"/>
+                <a:cs typeface="Arial"/>
+              </a:rPr>
+              <a:t>	VOID,</a:t>
+            </a:r>
+          </a:p>
+          <a:p>
+            <a:r>
+              <a:rPr lang="en-US" altLang="ja-JP" dirty="0">
+                <a:latin typeface="Arial"/>
+                <a:cs typeface="Arial"/>
+              </a:rPr>
+              <a:t>	INT,</a:t>
+            </a:r>
+          </a:p>
+          <a:p>
+            <a:r>
+              <a:rPr lang="en-US" altLang="ja-JP" dirty="0">
+                <a:latin typeface="Arial"/>
+                <a:cs typeface="Arial"/>
+              </a:rPr>
+              <a:t>	CHAR</a:t>
+            </a:r>
+          </a:p>
+          <a:p>
+            <a:r>
+              <a:rPr lang="en-US" altLang="ja-JP" dirty="0">
+                <a:latin typeface="Arial"/>
+                <a:cs typeface="Arial"/>
+              </a:rPr>
+              <a:t>};</a:t>
+            </a:r>
+            <a:endParaRPr lang="en-US" altLang="ja-JP" dirty="0">
+              <a:latin typeface="Arial"/>
+              <a:cs typeface="Arial"/>
+            </a:endParaRPr>
+          </a:p>
+        </p:txBody>
+      </p:sp>
+      <p:sp>
+        <p:nvSpPr>
+          <p:cNvPr id="6" name="テキスト ボックス 5"/>
+          <p:cNvSpPr txBox="1"/>
+          <p:nvPr/>
+        </p:nvSpPr>
+        <p:spPr>
+          <a:xfrm>
+            <a:off x="1461683" y="1251629"/>
+            <a:ext cx="646331" cy="369332"/>
+          </a:xfrm>
+          <a:prstGeom prst="rect">
+            <a:avLst/>
+          </a:prstGeom>
+          <a:noFill/>
+        </p:spPr>
+        <p:txBody>
+          <a:bodyPr wrap="none" rtlCol="0">
+            <a:spAutoFit/>
+          </a:bodyPr>
+          <a:lstStyle/>
+          <a:p>
+            <a:r>
+              <a:rPr lang="ja-JP" altLang="en-US" b="1" dirty="0" smtClean="0">
+                <a:latin typeface="Arial"/>
+                <a:cs typeface="Arial"/>
+              </a:rPr>
+              <a:t>入力</a:t>
+            </a:r>
+            <a:endParaRPr kumimoji="1" lang="ja-JP" altLang="en-US" b="1" dirty="0" smtClean="0">
+              <a:latin typeface="Arial"/>
+              <a:cs typeface="Arial"/>
+            </a:endParaRPr>
+          </a:p>
+        </p:txBody>
+      </p:sp>
+      <p:sp>
+        <p:nvSpPr>
+          <p:cNvPr id="7" name="テキスト ボックス 6"/>
+          <p:cNvSpPr txBox="1"/>
+          <p:nvPr/>
+        </p:nvSpPr>
+        <p:spPr>
+          <a:xfrm>
+            <a:off x="5830110" y="1257295"/>
+            <a:ext cx="877163" cy="369332"/>
+          </a:xfrm>
+          <a:prstGeom prst="rect">
+            <a:avLst/>
+          </a:prstGeom>
+          <a:noFill/>
+        </p:spPr>
+        <p:txBody>
+          <a:bodyPr wrap="none" rtlCol="0">
+            <a:spAutoFit/>
+          </a:bodyPr>
+          <a:lstStyle/>
+          <a:p>
+            <a:r>
+              <a:rPr kumimoji="1" lang="ja-JP" altLang="en-US" b="1" dirty="0" smtClean="0">
+                <a:latin typeface="Arial"/>
+                <a:cs typeface="Arial"/>
+              </a:rPr>
+              <a:t>ラベル</a:t>
+            </a:r>
+          </a:p>
+        </p:txBody>
+      </p:sp>
+    </p:spTree>
+    <p:extLst>
+      <p:ext uri="{BB962C8B-B14F-4D97-AF65-F5344CB8AC3E}">
+        <p14:creationId xmlns:p14="http://schemas.microsoft.com/office/powerpoint/2010/main" val="900765351"/>
+      </p:ext>
+    </p:extLst>
+  </p:cSld>
+  <p:clrMapOvr>
+    <a:masterClrMapping/>
+  </p:clrMapOvr>
+</p:sld>
+</file>
+
+<file path=ppt/slides/slide47.xml><?xml version="1.0" encoding="utf-8"?>
+<p:sld xmlns:a="http://schemas.openxmlformats.org/drawingml/2006/main" xmlns:r="http://schemas.openxmlformats.org/officeDocument/2006/relationships" xmlns:p="http://schemas.openxmlformats.org/presentationml/2006/main">
+  <p:cSld>
+    <p:spTree>
+      <p:nvGrpSpPr>
+        <p:cNvPr id="1" name=""/>
+        <p:cNvGrpSpPr/>
+        <p:nvPr/>
+      </p:nvGrpSpPr>
+      <p:grpSpPr>
+        <a:xfrm>
+          <a:off x="0" y="0"/>
+          <a:ext cx="0" cy="0"/>
+          <a:chOff x="0" y="0"/>
+          <a:chExt cx="0" cy="0"/>
+        </a:xfrm>
+      </p:grpSpPr>
+      <p:sp>
+        <p:nvSpPr>
+          <p:cNvPr id="2" name="タイトル 1"/>
+          <p:cNvSpPr>
+            <a:spLocks noGrp="1"/>
+          </p:cNvSpPr>
+          <p:nvPr>
+            <p:ph type="title"/>
+          </p:nvPr>
+        </p:nvSpPr>
+        <p:spPr/>
+        <p:txBody>
+          <a:bodyPr/>
+          <a:lstStyle/>
+          <a:p>
+            <a:r>
+              <a:rPr kumimoji="1" lang="en-US" altLang="ja-JP" dirty="0" err="1" smtClean="0"/>
+              <a:t>sizeof</a:t>
+            </a:r>
+            <a:endParaRPr kumimoji="1" lang="ja-JP" altLang="en-US" dirty="0"/>
+          </a:p>
+        </p:txBody>
+      </p:sp>
+      <p:sp>
+        <p:nvSpPr>
+          <p:cNvPr id="4" name="テキスト ボックス 3"/>
+          <p:cNvSpPr txBox="1"/>
+          <p:nvPr/>
+        </p:nvSpPr>
+        <p:spPr>
+          <a:xfrm>
+            <a:off x="4355713" y="1741506"/>
+            <a:ext cx="3901790" cy="4801315"/>
+          </a:xfrm>
+          <a:prstGeom prst="rect">
+            <a:avLst/>
+          </a:prstGeom>
+          <a:noFill/>
+        </p:spPr>
+        <p:txBody>
+          <a:bodyPr wrap="square" rtlCol="0">
+            <a:spAutoFit/>
+          </a:bodyPr>
+          <a:lstStyle/>
+          <a:p>
+            <a:r>
+              <a:rPr lang="tr-TR" altLang="ja-JP" dirty="0">
+                <a:latin typeface="Arial"/>
+                <a:cs typeface="Arial"/>
+              </a:rPr>
+              <a:t>#</a:t>
+            </a:r>
+            <a:r>
+              <a:rPr lang="tr-TR" altLang="ja-JP" dirty="0" err="1">
+                <a:latin typeface="Arial"/>
+                <a:cs typeface="Arial"/>
+              </a:rPr>
+              <a:t>c.declaration</a:t>
+            </a:r>
+            <a:r>
+              <a:rPr lang="tr-TR" altLang="ja-JP" dirty="0">
+                <a:latin typeface="Arial"/>
+                <a:cs typeface="Arial"/>
+              </a:rPr>
+              <a:t> {</a:t>
+            </a:r>
+          </a:p>
+          <a:p>
+            <a:r>
+              <a:rPr lang="tr-TR" altLang="ja-JP" dirty="0">
+                <a:latin typeface="Arial"/>
+                <a:cs typeface="Arial"/>
+              </a:rPr>
+              <a:t>   #</a:t>
+            </a:r>
+            <a:r>
+              <a:rPr lang="tr-TR" altLang="ja-JP" dirty="0" err="1">
+                <a:latin typeface="Arial"/>
+                <a:cs typeface="Arial"/>
+              </a:rPr>
+              <a:t>c.declarationspecifier</a:t>
+            </a:r>
+            <a:r>
+              <a:rPr lang="tr-TR" altLang="ja-JP" dirty="0">
+                <a:latin typeface="Arial"/>
+                <a:cs typeface="Arial"/>
+              </a:rPr>
+              <a:t> {</a:t>
+            </a:r>
+          </a:p>
+          <a:p>
+            <a:r>
+              <a:rPr lang="tr-TR" altLang="ja-JP" dirty="0">
+                <a:latin typeface="Arial"/>
+                <a:cs typeface="Arial"/>
+              </a:rPr>
+              <a:t>      #</a:t>
+            </a:r>
+            <a:r>
+              <a:rPr lang="tr-TR" altLang="ja-JP" dirty="0" err="1">
+                <a:latin typeface="Arial"/>
+                <a:cs typeface="Arial"/>
+              </a:rPr>
+              <a:t>c.typespecifier</a:t>
+            </a:r>
+            <a:r>
+              <a:rPr lang="tr-TR" altLang="ja-JP" dirty="0">
+                <a:latin typeface="Arial"/>
+                <a:cs typeface="Arial"/>
+              </a:rPr>
+              <a:t>: </a:t>
+            </a:r>
+            <a:r>
+              <a:rPr lang="tr-TR" altLang="ja-JP" dirty="0" err="1">
+                <a:latin typeface="Arial"/>
+                <a:cs typeface="Arial"/>
+              </a:rPr>
+              <a:t>int</a:t>
+            </a:r>
+            <a:endParaRPr lang="tr-TR" altLang="ja-JP" dirty="0">
+              <a:latin typeface="Arial"/>
+              <a:cs typeface="Arial"/>
+            </a:endParaRPr>
+          </a:p>
+          <a:p>
+            <a:r>
+              <a:rPr lang="tr-TR" altLang="ja-JP" dirty="0">
+                <a:latin typeface="Arial"/>
+                <a:cs typeface="Arial"/>
+              </a:rPr>
+              <a:t>   }</a:t>
+            </a:r>
+          </a:p>
+          <a:p>
+            <a:r>
+              <a:rPr lang="tr-TR" altLang="ja-JP" dirty="0">
+                <a:latin typeface="Arial"/>
+                <a:cs typeface="Arial"/>
+              </a:rPr>
+              <a:t>   #</a:t>
+            </a:r>
+            <a:r>
+              <a:rPr lang="tr-TR" altLang="ja-JP" dirty="0" err="1">
+                <a:latin typeface="Arial"/>
+                <a:cs typeface="Arial"/>
+              </a:rPr>
+              <a:t>c.initdeclarator</a:t>
+            </a:r>
+            <a:r>
+              <a:rPr lang="tr-TR" altLang="ja-JP" dirty="0">
+                <a:latin typeface="Arial"/>
+                <a:cs typeface="Arial"/>
+              </a:rPr>
+              <a:t> {</a:t>
+            </a:r>
+          </a:p>
+          <a:p>
+            <a:r>
+              <a:rPr lang="tr-TR" altLang="ja-JP" dirty="0">
+                <a:latin typeface="Arial"/>
+                <a:cs typeface="Arial"/>
+              </a:rPr>
+              <a:t>      #</a:t>
+            </a:r>
+            <a:r>
+              <a:rPr lang="tr-TR" altLang="ja-JP" dirty="0" err="1">
+                <a:latin typeface="Arial"/>
+                <a:cs typeface="Arial"/>
+              </a:rPr>
+              <a:t>c.declarator</a:t>
+            </a:r>
+            <a:r>
+              <a:rPr lang="tr-TR" altLang="ja-JP" dirty="0">
+                <a:latin typeface="Arial"/>
+                <a:cs typeface="Arial"/>
+              </a:rPr>
+              <a:t> {</a:t>
+            </a:r>
+          </a:p>
+          <a:p>
+            <a:r>
+              <a:rPr lang="tr-TR" altLang="ja-JP" dirty="0">
+                <a:latin typeface="Arial"/>
+                <a:cs typeface="Arial"/>
+              </a:rPr>
+              <a:t>         #</a:t>
+            </a:r>
+            <a:r>
+              <a:rPr lang="tr-TR" altLang="ja-JP" dirty="0" err="1">
+                <a:latin typeface="Arial"/>
+                <a:cs typeface="Arial"/>
+              </a:rPr>
+              <a:t>c.name</a:t>
+            </a:r>
+            <a:r>
+              <a:rPr lang="tr-TR" altLang="ja-JP" dirty="0">
+                <a:latin typeface="Arial"/>
+                <a:cs typeface="Arial"/>
+              </a:rPr>
+              <a:t>: n</a:t>
+            </a:r>
+          </a:p>
+          <a:p>
+            <a:r>
+              <a:rPr lang="tr-TR" altLang="ja-JP" dirty="0">
+                <a:latin typeface="Arial"/>
+                <a:cs typeface="Arial"/>
+              </a:rPr>
+              <a:t>      }</a:t>
+            </a:r>
+          </a:p>
+          <a:p>
+            <a:r>
+              <a:rPr lang="tr-TR" altLang="ja-JP" dirty="0">
+                <a:latin typeface="Arial"/>
+                <a:cs typeface="Arial"/>
+              </a:rPr>
+              <a:t>      #</a:t>
+            </a:r>
+            <a:r>
+              <a:rPr lang="tr-TR" altLang="ja-JP" dirty="0" err="1">
+                <a:latin typeface="Arial"/>
+                <a:cs typeface="Arial"/>
+              </a:rPr>
+              <a:t>c.initializer</a:t>
+            </a:r>
+            <a:r>
+              <a:rPr lang="tr-TR" altLang="ja-JP" dirty="0">
+                <a:latin typeface="Arial"/>
+                <a:cs typeface="Arial"/>
+              </a:rPr>
+              <a:t> {</a:t>
+            </a:r>
+          </a:p>
+          <a:p>
+            <a:r>
+              <a:rPr lang="tr-TR" altLang="ja-JP" dirty="0">
+                <a:latin typeface="Arial"/>
+                <a:cs typeface="Arial"/>
+              </a:rPr>
+              <a:t>         </a:t>
+            </a:r>
+            <a:r>
+              <a:rPr lang="tr-TR" altLang="ja-JP" dirty="0">
+                <a:solidFill>
+                  <a:srgbClr val="FF6600"/>
+                </a:solidFill>
+                <a:latin typeface="Arial"/>
+                <a:cs typeface="Arial"/>
+              </a:rPr>
+              <a:t>#</a:t>
+            </a:r>
+            <a:r>
+              <a:rPr lang="tr-TR" altLang="ja-JP" dirty="0" err="1">
+                <a:solidFill>
+                  <a:srgbClr val="FF6600"/>
+                </a:solidFill>
+                <a:latin typeface="Arial"/>
+                <a:cs typeface="Arial"/>
+              </a:rPr>
+              <a:t>c.sizeof</a:t>
+            </a:r>
+            <a:r>
+              <a:rPr lang="tr-TR" altLang="ja-JP" dirty="0">
+                <a:solidFill>
+                  <a:srgbClr val="FF6600"/>
+                </a:solidFill>
+                <a:latin typeface="Arial"/>
+                <a:cs typeface="Arial"/>
+              </a:rPr>
+              <a:t> </a:t>
+            </a:r>
+            <a:r>
+              <a:rPr lang="tr-TR" altLang="ja-JP" dirty="0">
+                <a:latin typeface="Arial"/>
+                <a:cs typeface="Arial"/>
+              </a:rPr>
+              <a:t>{ </a:t>
+            </a:r>
+          </a:p>
+          <a:p>
+            <a:r>
+              <a:rPr lang="tr-TR" altLang="ja-JP" dirty="0">
+                <a:latin typeface="Arial"/>
+                <a:cs typeface="Arial"/>
+              </a:rPr>
+              <a:t>            </a:t>
+            </a:r>
+            <a:r>
+              <a:rPr lang="tr-TR" altLang="ja-JP" dirty="0">
+                <a:solidFill>
+                  <a:srgbClr val="FF6600"/>
+                </a:solidFill>
+                <a:latin typeface="Arial"/>
+                <a:cs typeface="Arial"/>
+              </a:rPr>
+              <a:t>#</a:t>
+            </a:r>
+            <a:r>
+              <a:rPr lang="tr-TR" altLang="ja-JP" dirty="0" err="1">
+                <a:solidFill>
+                  <a:srgbClr val="FF6600"/>
+                </a:solidFill>
+                <a:latin typeface="Arial"/>
+                <a:cs typeface="Arial"/>
+              </a:rPr>
+              <a:t>c.typename</a:t>
+            </a:r>
+            <a:r>
+              <a:rPr lang="tr-TR" altLang="ja-JP" dirty="0">
+                <a:solidFill>
+                  <a:srgbClr val="FF6600"/>
+                </a:solidFill>
+                <a:latin typeface="Arial"/>
+                <a:cs typeface="Arial"/>
+              </a:rPr>
+              <a:t> </a:t>
+            </a:r>
+            <a:r>
+              <a:rPr lang="tr-TR" altLang="ja-JP" dirty="0">
+                <a:latin typeface="Arial"/>
+                <a:cs typeface="Arial"/>
+              </a:rPr>
+              <a:t>{</a:t>
+            </a:r>
+          </a:p>
+          <a:p>
+            <a:r>
+              <a:rPr lang="tr-TR" altLang="ja-JP" dirty="0">
+                <a:latin typeface="Arial"/>
+                <a:cs typeface="Arial"/>
+              </a:rPr>
+              <a:t>               #</a:t>
+            </a:r>
+            <a:r>
+              <a:rPr lang="tr-TR" altLang="ja-JP" dirty="0" err="1">
+                <a:latin typeface="Arial"/>
+                <a:cs typeface="Arial"/>
+              </a:rPr>
+              <a:t>c.name</a:t>
+            </a:r>
+            <a:r>
+              <a:rPr lang="tr-TR" altLang="ja-JP" dirty="0">
+                <a:latin typeface="Arial"/>
+                <a:cs typeface="Arial"/>
+              </a:rPr>
+              <a:t>: </a:t>
+            </a:r>
+            <a:r>
+              <a:rPr lang="tr-TR" altLang="ja-JP" dirty="0" err="1">
+                <a:latin typeface="Arial"/>
+                <a:cs typeface="Arial"/>
+              </a:rPr>
+              <a:t>int</a:t>
+            </a:r>
+            <a:endParaRPr lang="tr-TR" altLang="ja-JP" dirty="0">
+              <a:latin typeface="Arial"/>
+              <a:cs typeface="Arial"/>
+            </a:endParaRPr>
+          </a:p>
+          <a:p>
+            <a:r>
+              <a:rPr lang="tr-TR" altLang="ja-JP" dirty="0">
+                <a:latin typeface="Arial"/>
+                <a:cs typeface="Arial"/>
+              </a:rPr>
+              <a:t>            }</a:t>
+            </a:r>
+          </a:p>
+          <a:p>
+            <a:r>
+              <a:rPr lang="tr-TR" altLang="ja-JP" dirty="0">
+                <a:latin typeface="Arial"/>
+                <a:cs typeface="Arial"/>
+              </a:rPr>
+              <a:t>         }</a:t>
+            </a:r>
+          </a:p>
+          <a:p>
+            <a:r>
+              <a:rPr lang="tr-TR" altLang="ja-JP" dirty="0">
+                <a:latin typeface="Arial"/>
+                <a:cs typeface="Arial"/>
+              </a:rPr>
+              <a:t>      }</a:t>
+            </a:r>
+          </a:p>
+          <a:p>
+            <a:r>
+              <a:rPr lang="tr-TR" altLang="ja-JP" dirty="0">
+                <a:latin typeface="Arial"/>
+                <a:cs typeface="Arial"/>
+              </a:rPr>
+              <a:t>   }</a:t>
+            </a:r>
+          </a:p>
+          <a:p>
+            <a:r>
+              <a:rPr lang="tr-TR" altLang="ja-JP" dirty="0">
+                <a:latin typeface="Arial"/>
+                <a:cs typeface="Arial"/>
+              </a:rPr>
+              <a:t>}</a:t>
+            </a:r>
+          </a:p>
+        </p:txBody>
+      </p:sp>
+      <p:sp>
+        <p:nvSpPr>
+          <p:cNvPr id="5" name="テキスト ボックス 4"/>
+          <p:cNvSpPr txBox="1"/>
+          <p:nvPr/>
+        </p:nvSpPr>
+        <p:spPr>
+          <a:xfrm>
+            <a:off x="1126020" y="1777414"/>
+            <a:ext cx="2487240" cy="369332"/>
+          </a:xfrm>
+          <a:prstGeom prst="rect">
+            <a:avLst/>
+          </a:prstGeom>
+          <a:noFill/>
+        </p:spPr>
+        <p:txBody>
+          <a:bodyPr wrap="none" rtlCol="0">
+            <a:spAutoFit/>
+          </a:bodyPr>
+          <a:lstStyle/>
+          <a:p>
+            <a:r>
+              <a:rPr lang="en-US" altLang="ja-JP" dirty="0">
+                <a:latin typeface="Arial"/>
+                <a:cs typeface="Arial"/>
+              </a:rPr>
+              <a:t>	</a:t>
+            </a:r>
+            <a:r>
+              <a:rPr lang="en-US" altLang="ja-JP" dirty="0" err="1">
+                <a:latin typeface="Arial"/>
+                <a:cs typeface="Arial"/>
+              </a:rPr>
+              <a:t>int</a:t>
+            </a:r>
+            <a:r>
+              <a:rPr lang="en-US" altLang="ja-JP" dirty="0">
+                <a:latin typeface="Arial"/>
+                <a:cs typeface="Arial"/>
+              </a:rPr>
+              <a:t> n = </a:t>
+            </a:r>
+            <a:r>
+              <a:rPr lang="en-US" altLang="ja-JP" dirty="0" err="1">
+                <a:latin typeface="Arial"/>
+                <a:cs typeface="Arial"/>
+              </a:rPr>
+              <a:t>sizeof</a:t>
+            </a:r>
+            <a:r>
+              <a:rPr lang="en-US" altLang="ja-JP" dirty="0">
+                <a:latin typeface="Arial"/>
+                <a:cs typeface="Arial"/>
+              </a:rPr>
+              <a:t>(</a:t>
+            </a:r>
+            <a:r>
+              <a:rPr lang="en-US" altLang="ja-JP" dirty="0" err="1">
+                <a:latin typeface="Arial"/>
+                <a:cs typeface="Arial"/>
+              </a:rPr>
+              <a:t>int</a:t>
+            </a:r>
+            <a:r>
+              <a:rPr lang="en-US" altLang="ja-JP" dirty="0">
+                <a:latin typeface="Arial"/>
+                <a:cs typeface="Arial"/>
+              </a:rPr>
+              <a:t>)</a:t>
+            </a:r>
+            <a:r>
+              <a:rPr lang="en-US" altLang="ja-JP" dirty="0" smtClean="0">
+                <a:latin typeface="Arial"/>
+                <a:cs typeface="Arial"/>
+              </a:rPr>
+              <a:t>;</a:t>
+            </a:r>
+            <a:endParaRPr lang="en-US" altLang="ja-JP" dirty="0">
+              <a:latin typeface="Arial"/>
+              <a:cs typeface="Arial"/>
+            </a:endParaRPr>
+          </a:p>
+        </p:txBody>
+      </p:sp>
+      <p:sp>
+        <p:nvSpPr>
+          <p:cNvPr id="6" name="テキスト ボックス 5"/>
+          <p:cNvSpPr txBox="1"/>
+          <p:nvPr/>
+        </p:nvSpPr>
+        <p:spPr>
+          <a:xfrm>
+            <a:off x="1461683" y="1251629"/>
+            <a:ext cx="646331" cy="369332"/>
+          </a:xfrm>
+          <a:prstGeom prst="rect">
+            <a:avLst/>
+          </a:prstGeom>
+          <a:noFill/>
+        </p:spPr>
+        <p:txBody>
+          <a:bodyPr wrap="none" rtlCol="0">
+            <a:spAutoFit/>
+          </a:bodyPr>
+          <a:lstStyle/>
+          <a:p>
+            <a:r>
+              <a:rPr lang="ja-JP" altLang="en-US" b="1" dirty="0" smtClean="0">
+                <a:latin typeface="Arial"/>
+                <a:cs typeface="Arial"/>
+              </a:rPr>
+              <a:t>入力</a:t>
+            </a:r>
+            <a:endParaRPr kumimoji="1" lang="ja-JP" altLang="en-US" b="1" dirty="0" smtClean="0">
+              <a:latin typeface="Arial"/>
+              <a:cs typeface="Arial"/>
+            </a:endParaRPr>
+          </a:p>
+        </p:txBody>
+      </p:sp>
+      <p:sp>
+        <p:nvSpPr>
+          <p:cNvPr id="7" name="テキスト ボックス 6"/>
+          <p:cNvSpPr txBox="1"/>
+          <p:nvPr/>
+        </p:nvSpPr>
+        <p:spPr>
+          <a:xfrm>
+            <a:off x="5830110" y="1257295"/>
+            <a:ext cx="877163" cy="369332"/>
+          </a:xfrm>
+          <a:prstGeom prst="rect">
+            <a:avLst/>
+          </a:prstGeom>
+          <a:noFill/>
+        </p:spPr>
+        <p:txBody>
+          <a:bodyPr wrap="none" rtlCol="0">
+            <a:spAutoFit/>
+          </a:bodyPr>
+          <a:lstStyle/>
+          <a:p>
+            <a:r>
+              <a:rPr kumimoji="1" lang="ja-JP" altLang="en-US" b="1" dirty="0" smtClean="0">
+                <a:latin typeface="Arial"/>
+                <a:cs typeface="Arial"/>
+              </a:rPr>
+              <a:t>ラベル</a:t>
+            </a:r>
+          </a:p>
+        </p:txBody>
+      </p:sp>
+    </p:spTree>
+    <p:extLst>
+      <p:ext uri="{BB962C8B-B14F-4D97-AF65-F5344CB8AC3E}">
+        <p14:creationId xmlns:p14="http://schemas.microsoft.com/office/powerpoint/2010/main" val="568648601"/>
+      </p:ext>
+    </p:extLst>
+  </p:cSld>
+  <p:clrMapOvr>
+    <a:masterClrMapping/>
+  </p:clrMapOvr>
+</p:sld>
+</file>
+
+<file path=ppt/slides/slide48.xml><?xml version="1.0" encoding="utf-8"?>
+<p:sld xmlns:a="http://schemas.openxmlformats.org/drawingml/2006/main" xmlns:r="http://schemas.openxmlformats.org/officeDocument/2006/relationships" xmlns:p="http://schemas.openxmlformats.org/presentationml/2006/main">
+  <p:cSld>
+    <p:spTree>
+      <p:nvGrpSpPr>
+        <p:cNvPr id="1" name=""/>
+        <p:cNvGrpSpPr/>
+        <p:nvPr/>
+      </p:nvGrpSpPr>
+      <p:grpSpPr>
+        <a:xfrm>
+          <a:off x="0" y="0"/>
+          <a:ext cx="0" cy="0"/>
+          <a:chOff x="0" y="0"/>
+          <a:chExt cx="0" cy="0"/>
+        </a:xfrm>
+      </p:grpSpPr>
+      <p:sp>
+        <p:nvSpPr>
+          <p:cNvPr id="2" name="タイトル 1"/>
+          <p:cNvSpPr>
+            <a:spLocks noGrp="1"/>
+          </p:cNvSpPr>
+          <p:nvPr>
+            <p:ph type="title"/>
+          </p:nvPr>
+        </p:nvSpPr>
+        <p:spPr/>
+        <p:txBody>
+          <a:bodyPr/>
+          <a:lstStyle/>
+          <a:p>
+            <a:endParaRPr kumimoji="1" lang="ja-JP" altLang="en-US" dirty="0"/>
+          </a:p>
+        </p:txBody>
+      </p:sp>
+      <p:sp>
+        <p:nvSpPr>
+          <p:cNvPr id="3" name="コンテンツ プレースホルダー 2"/>
+          <p:cNvSpPr>
+            <a:spLocks noGrp="1"/>
+          </p:cNvSpPr>
+          <p:nvPr>
+            <p:ph idx="1"/>
+          </p:nvPr>
+        </p:nvSpPr>
+        <p:spPr/>
+        <p:txBody>
+          <a:bodyPr/>
+          <a:lstStyle/>
+          <a:p>
+            <a:endParaRPr kumimoji="1" lang="ja-JP" altLang="en-US"/>
+          </a:p>
+        </p:txBody>
+      </p:sp>
+    </p:spTree>
+    <p:extLst>
+      <p:ext uri="{BB962C8B-B14F-4D97-AF65-F5344CB8AC3E}">
+        <p14:creationId xmlns:p14="http://schemas.microsoft.com/office/powerpoint/2010/main" val="2183319924"/>
+      </p:ext>
+    </p:extLst>
+  </p:cSld>
+  <p:clrMapOvr>
+    <a:masterClrMapping/>
+  </p:clrMapOvr>
+</p:sld>
+</file>
+
+<file path=ppt/slides/slide49.xml><?xml version="1.0" encoding="utf-8"?>
+<p:sld xmlns:a="http://schemas.openxmlformats.org/drawingml/2006/main" xmlns:r="http://schemas.openxmlformats.org/officeDocument/2006/relationships" xmlns:p="http://schemas.openxmlformats.org/presentationml/2006/main">
+  <p:cSld>
+    <p:spTree>
+      <p:nvGrpSpPr>
+        <p:cNvPr id="1" name=""/>
+        <p:cNvGrpSpPr/>
+        <p:nvPr/>
+      </p:nvGrpSpPr>
+      <p:grpSpPr>
+        <a:xfrm>
+          <a:off x="0" y="0"/>
+          <a:ext cx="0" cy="0"/>
+          <a:chOff x="0" y="0"/>
+          <a:chExt cx="0" cy="0"/>
+        </a:xfrm>
+      </p:grpSpPr>
+      <p:sp>
+        <p:nvSpPr>
+          <p:cNvPr id="2" name="タイトル 1"/>
+          <p:cNvSpPr>
+            <a:spLocks noGrp="1"/>
+          </p:cNvSpPr>
+          <p:nvPr>
+            <p:ph type="title"/>
+          </p:nvPr>
+        </p:nvSpPr>
+        <p:spPr/>
+        <p:txBody>
+          <a:bodyPr/>
+          <a:lstStyle/>
+          <a:p>
+            <a:r>
+              <a:rPr lang="en-US" altLang="ja-JP" dirty="0"/>
+              <a:t>C</a:t>
+            </a:r>
+            <a:r>
+              <a:rPr lang="ja-JP" altLang="en-US" dirty="0"/>
+              <a:t>言語</a:t>
+            </a:r>
+            <a:r>
+              <a:rPr lang="en-US" altLang="ja-JP" dirty="0"/>
+              <a:t>  </a:t>
+            </a:r>
+            <a:r>
+              <a:rPr lang="en-US" altLang="ja-JP" dirty="0" smtClean="0"/>
+              <a:t>AST</a:t>
+            </a:r>
+            <a:r>
+              <a:rPr lang="ja-JP" altLang="en-US" dirty="0" smtClean="0"/>
+              <a:t>独自</a:t>
+            </a:r>
+            <a:r>
+              <a:rPr lang="ja-JP" altLang="en-US" dirty="0" smtClean="0"/>
+              <a:t>ラベル一覧</a:t>
+            </a:r>
+            <a:endParaRPr kumimoji="1" lang="ja-JP" altLang="en-US" dirty="0"/>
+          </a:p>
+        </p:txBody>
+      </p:sp>
+      <p:sp>
+        <p:nvSpPr>
+          <p:cNvPr id="4" name="コンテンツ プレースホルダー 2"/>
+          <p:cNvSpPr>
+            <a:spLocks noGrp="1"/>
+          </p:cNvSpPr>
+          <p:nvPr>
+            <p:ph idx="1"/>
+          </p:nvPr>
+        </p:nvSpPr>
+        <p:spPr>
+          <a:xfrm>
+            <a:off x="457200" y="1083532"/>
+            <a:ext cx="4122084" cy="5393469"/>
+          </a:xfrm>
+        </p:spPr>
+        <p:txBody>
+          <a:bodyPr>
+            <a:normAutofit/>
+          </a:bodyPr>
+          <a:lstStyle/>
+          <a:p>
+            <a:pPr marL="342900" indent="-342900">
+              <a:buFont typeface="Arial"/>
+              <a:buChar char="•"/>
+            </a:pPr>
+            <a:r>
+              <a:rPr lang="en-US" altLang="ja-JP" dirty="0" err="1" smtClean="0"/>
+              <a:t>c.declaration</a:t>
+            </a:r>
+            <a:endParaRPr lang="en-US" altLang="ja-JP" dirty="0"/>
+          </a:p>
+          <a:p>
+            <a:pPr marL="342900" indent="-342900">
+              <a:buFont typeface="Arial"/>
+              <a:buChar char="•"/>
+            </a:pPr>
+            <a:r>
+              <a:rPr lang="en-US" altLang="ja-JP" dirty="0" err="1"/>
+              <a:t>c.declarationspecifier</a:t>
+            </a:r>
+            <a:endParaRPr lang="en-US" altLang="ja-JP" dirty="0"/>
+          </a:p>
+          <a:p>
+            <a:pPr marL="342900" indent="-342900">
+              <a:buFont typeface="Arial"/>
+              <a:buChar char="•"/>
+            </a:pPr>
+            <a:r>
+              <a:rPr lang="en-US" altLang="ja-JP" dirty="0" err="1"/>
+              <a:t>c.initdeclaratorlist</a:t>
+            </a:r>
+            <a:endParaRPr lang="en-US" altLang="ja-JP" dirty="0"/>
+          </a:p>
+          <a:p>
+            <a:pPr marL="342900" indent="-342900">
+              <a:buFont typeface="Arial"/>
+              <a:buChar char="•"/>
+            </a:pPr>
+            <a:r>
+              <a:rPr lang="en-US" altLang="ja-JP" dirty="0" err="1"/>
+              <a:t>c.initdeclarator</a:t>
+            </a:r>
+            <a:endParaRPr lang="en-US" altLang="ja-JP" dirty="0"/>
+          </a:p>
+          <a:p>
+            <a:pPr marL="342900" indent="-342900">
+              <a:buFont typeface="Arial"/>
+              <a:buChar char="•"/>
+            </a:pPr>
+            <a:r>
+              <a:rPr lang="en-US" altLang="ja-JP" dirty="0" err="1"/>
+              <a:t>c.storageclassspecifier</a:t>
+            </a:r>
+            <a:endParaRPr lang="en-US" altLang="ja-JP" dirty="0"/>
+          </a:p>
+          <a:p>
+            <a:pPr marL="342900" indent="-342900">
+              <a:buFont typeface="Arial"/>
+              <a:buChar char="•"/>
+            </a:pPr>
+            <a:r>
+              <a:rPr lang="en-US" altLang="ja-JP" dirty="0" err="1"/>
+              <a:t>c.typespecifier</a:t>
+            </a:r>
+            <a:endParaRPr lang="en-US" altLang="ja-JP" dirty="0"/>
+          </a:p>
+          <a:p>
+            <a:pPr marL="342900" indent="-342900">
+              <a:buFont typeface="Arial"/>
+              <a:buChar char="•"/>
+            </a:pPr>
+            <a:r>
+              <a:rPr lang="en-US" altLang="ja-JP" dirty="0" err="1"/>
+              <a:t>c.struct</a:t>
+            </a:r>
+            <a:endParaRPr lang="en-US" altLang="ja-JP" dirty="0"/>
+          </a:p>
+          <a:p>
+            <a:pPr marL="342900" indent="-342900">
+              <a:buFont typeface="Arial"/>
+              <a:buChar char="•"/>
+            </a:pPr>
+            <a:r>
+              <a:rPr lang="en-US" altLang="ja-JP" dirty="0" err="1"/>
+              <a:t>c.union</a:t>
+            </a:r>
+            <a:endParaRPr lang="en-US" altLang="ja-JP" dirty="0"/>
+          </a:p>
+          <a:p>
+            <a:pPr marL="342900" indent="-342900">
+              <a:buFont typeface="Arial"/>
+              <a:buChar char="•"/>
+            </a:pPr>
+            <a:r>
+              <a:rPr lang="en-US" altLang="ja-JP" dirty="0" err="1"/>
+              <a:t>c.structdeclaration</a:t>
+            </a:r>
+            <a:endParaRPr lang="en-US" altLang="ja-JP" dirty="0"/>
+          </a:p>
+          <a:p>
+            <a:pPr marL="342900" indent="-342900">
+              <a:buFont typeface="Arial"/>
+              <a:buChar char="•"/>
+            </a:pPr>
+            <a:r>
+              <a:rPr lang="en-US" altLang="ja-JP" dirty="0" err="1"/>
+              <a:t>c.structdeclaratorlist</a:t>
+            </a:r>
+            <a:endParaRPr lang="en-US" altLang="ja-JP" dirty="0"/>
+          </a:p>
+          <a:p>
+            <a:pPr marL="342900" indent="-342900">
+              <a:buFont typeface="Arial"/>
+              <a:buChar char="•"/>
+            </a:pPr>
+            <a:r>
+              <a:rPr lang="en-US" altLang="ja-JP" dirty="0" err="1" smtClean="0"/>
+              <a:t>c.enumeratorlist</a:t>
+            </a:r>
+            <a:endParaRPr lang="en-US" altLang="ja-JP" dirty="0"/>
+          </a:p>
+        </p:txBody>
+      </p:sp>
+      <p:sp>
+        <p:nvSpPr>
+          <p:cNvPr id="5" name="コンテンツ プレースホルダー 2"/>
+          <p:cNvSpPr txBox="1">
+            <a:spLocks/>
+          </p:cNvSpPr>
+          <p:nvPr/>
+        </p:nvSpPr>
+        <p:spPr>
+          <a:xfrm>
+            <a:off x="4744286" y="1235932"/>
+            <a:ext cx="4122084" cy="5393469"/>
+          </a:xfrm>
+          <a:prstGeom prst="rect">
+            <a:avLst/>
+          </a:prstGeom>
+        </p:spPr>
+        <p:txBody>
+          <a:bodyPr vert="horz" lIns="91440" tIns="45720" rIns="91440" bIns="45720" rtlCol="0">
+            <a:normAutofit/>
+          </a:bodyPr>
+          <a:lstStyle>
+            <a:lvl1pPr marL="0" indent="0" algn="l" defTabSz="914400" rtl="0" eaLnBrk="1" latinLnBrk="0" hangingPunct="1">
+              <a:spcBef>
+                <a:spcPct val="20000"/>
+              </a:spcBef>
+              <a:spcAft>
+                <a:spcPts val="600"/>
+              </a:spcAft>
+              <a:buFont typeface="Arial" pitchFamily="34" charset="0"/>
+              <a:buNone/>
+              <a:defRPr kumimoji="1" sz="2000" b="1" kern="1200">
+                <a:solidFill>
+                  <a:schemeClr val="tx1"/>
+                </a:solidFill>
+                <a:latin typeface="+mn-lt"/>
+                <a:ea typeface="+mn-ea"/>
+                <a:cs typeface="+mn-cs"/>
+              </a:defRPr>
+            </a:lvl1pPr>
+            <a:lvl2pPr marL="457200" indent="-182880" algn="l" defTabSz="914400" rtl="0" eaLnBrk="1" latinLnBrk="0" hangingPunct="1">
+              <a:spcBef>
+                <a:spcPct val="20000"/>
+              </a:spcBef>
+              <a:buClr>
+                <a:schemeClr val="tx2"/>
+              </a:buClr>
+              <a:buFont typeface="Arial" pitchFamily="34" charset="0"/>
+              <a:buChar char="•"/>
+              <a:defRPr kumimoji="1" sz="2000" kern="1200">
+                <a:solidFill>
+                  <a:schemeClr val="tx1"/>
+                </a:solidFill>
+                <a:latin typeface="+mn-lt"/>
+                <a:ea typeface="+mn-ea"/>
+                <a:cs typeface="+mn-cs"/>
+              </a:defRPr>
+            </a:lvl2pPr>
+            <a:lvl3pPr marL="1143000" indent="-228600" algn="l" defTabSz="914400" rtl="0" eaLnBrk="1" latinLnBrk="0" hangingPunct="1">
+              <a:spcBef>
+                <a:spcPct val="20000"/>
+              </a:spcBef>
+              <a:buClr>
+                <a:schemeClr val="tx2"/>
+              </a:buClr>
+              <a:buFont typeface="Arial" pitchFamily="34" charset="0"/>
+              <a:buChar char="•"/>
+              <a:defRPr kumimoji="1" sz="1800" kern="1200">
+                <a:solidFill>
+                  <a:schemeClr val="tx1"/>
+                </a:solidFill>
+                <a:latin typeface="+mn-lt"/>
+                <a:ea typeface="+mn-ea"/>
+                <a:cs typeface="+mn-cs"/>
+              </a:defRPr>
+            </a:lvl3pPr>
+            <a:lvl4pPr marL="1600200" indent="-228600" algn="l" defTabSz="914400" rtl="0" eaLnBrk="1" latinLnBrk="0" hangingPunct="1">
+              <a:spcBef>
+                <a:spcPct val="20000"/>
+              </a:spcBef>
+              <a:buClr>
+                <a:schemeClr val="tx2"/>
+              </a:buClr>
+              <a:buFont typeface="Arial" pitchFamily="34" charset="0"/>
+              <a:buChar char="•"/>
+              <a:defRPr kumimoji="1" sz="1800" kern="1200">
+                <a:solidFill>
+                  <a:schemeClr val="tx1"/>
+                </a:solidFill>
+                <a:latin typeface="+mn-lt"/>
+                <a:ea typeface="+mn-ea"/>
+                <a:cs typeface="+mn-cs"/>
+              </a:defRPr>
+            </a:lvl4pPr>
+            <a:lvl5pPr marL="2057400" indent="-228600" algn="l" defTabSz="914400" rtl="0" eaLnBrk="1" latinLnBrk="0" hangingPunct="1">
+              <a:spcBef>
+                <a:spcPct val="20000"/>
+              </a:spcBef>
+              <a:buClr>
+                <a:schemeClr val="tx2"/>
+              </a:buClr>
+              <a:buFont typeface="Arial" pitchFamily="34" charset="0"/>
+              <a:buChar char="•"/>
+              <a:defRPr kumimoji="1" sz="1800" kern="1200" baseline="0">
+                <a:solidFill>
+                  <a:schemeClr val="tx1"/>
+                </a:solidFill>
+                <a:latin typeface="+mn-lt"/>
+                <a:ea typeface="+mn-ea"/>
+                <a:cs typeface="+mn-cs"/>
+              </a:defRPr>
+            </a:lvl5pPr>
+            <a:lvl6pPr marL="2514600" indent="-228600" algn="l" defTabSz="914400" rtl="0" eaLnBrk="1" latinLnBrk="0" hangingPunct="1">
+              <a:spcBef>
+                <a:spcPct val="20000"/>
+              </a:spcBef>
+              <a:buClr>
+                <a:schemeClr val="tx2"/>
+              </a:buClr>
+              <a:buFont typeface="Arial" pitchFamily="34" charset="0"/>
+              <a:buChar char="•"/>
+              <a:defRPr kumimoji="1" sz="1600" kern="1200">
+                <a:solidFill>
+                  <a:schemeClr val="tx1"/>
+                </a:solidFill>
+                <a:latin typeface="+mn-lt"/>
+                <a:ea typeface="+mn-ea"/>
+                <a:cs typeface="+mn-cs"/>
+              </a:defRPr>
+            </a:lvl6pPr>
+            <a:lvl7pPr marL="2971800" indent="-228600" algn="l" defTabSz="914400" rtl="0" eaLnBrk="1" latinLnBrk="0" hangingPunct="1">
+              <a:spcBef>
+                <a:spcPct val="20000"/>
+              </a:spcBef>
+              <a:buClr>
+                <a:schemeClr val="tx2"/>
+              </a:buClr>
+              <a:buFont typeface="Arial" pitchFamily="34" charset="0"/>
+              <a:buChar char="•"/>
+              <a:defRPr kumimoji="1" sz="1600" kern="1200">
+                <a:solidFill>
+                  <a:schemeClr val="tx1"/>
+                </a:solidFill>
+                <a:latin typeface="+mn-lt"/>
+                <a:ea typeface="+mn-ea"/>
+                <a:cs typeface="+mn-cs"/>
+              </a:defRPr>
+            </a:lvl7pPr>
+            <a:lvl8pPr marL="3429000" indent="-228600" algn="l" defTabSz="914400" rtl="0" eaLnBrk="1" latinLnBrk="0" hangingPunct="1">
+              <a:spcBef>
+                <a:spcPct val="20000"/>
+              </a:spcBef>
+              <a:buClr>
+                <a:schemeClr val="tx2"/>
+              </a:buClr>
+              <a:buFont typeface="Arial" pitchFamily="34" charset="0"/>
+              <a:buChar char="•"/>
+              <a:defRPr kumimoji="1" sz="1600" kern="1200">
+                <a:solidFill>
+                  <a:schemeClr val="tx1"/>
+                </a:solidFill>
+                <a:latin typeface="+mn-lt"/>
+                <a:ea typeface="+mn-ea"/>
+                <a:cs typeface="+mn-cs"/>
+              </a:defRPr>
+            </a:lvl8pPr>
+            <a:lvl9pPr marL="3886200" indent="-228600" algn="l" defTabSz="914400" rtl="0" eaLnBrk="1" latinLnBrk="0" hangingPunct="1">
+              <a:spcBef>
+                <a:spcPct val="20000"/>
+              </a:spcBef>
+              <a:buClr>
+                <a:schemeClr val="tx2"/>
+              </a:buClr>
+              <a:buFont typeface="Arial" pitchFamily="34" charset="0"/>
+              <a:buChar char="•"/>
+              <a:defRPr kumimoji="1" sz="1600" kern="1200">
+                <a:solidFill>
+                  <a:schemeClr val="tx1"/>
+                </a:solidFill>
+                <a:latin typeface="+mn-lt"/>
+                <a:ea typeface="+mn-ea"/>
+                <a:cs typeface="+mn-cs"/>
+              </a:defRPr>
+            </a:lvl9pPr>
+          </a:lstStyle>
+          <a:p>
+            <a:pPr marL="342900" indent="-342900">
+              <a:buFont typeface="Arial"/>
+              <a:buChar char="•"/>
+            </a:pPr>
+            <a:r>
+              <a:rPr lang="en-US" altLang="ja-JP" dirty="0" err="1" smtClean="0"/>
+              <a:t>c.declarator</a:t>
+            </a:r>
+            <a:endParaRPr lang="en-US" altLang="ja-JP" dirty="0" smtClean="0"/>
+          </a:p>
+          <a:p>
+            <a:pPr marL="342900" indent="-342900">
+              <a:buFont typeface="Arial"/>
+              <a:buChar char="•"/>
+            </a:pPr>
+            <a:r>
+              <a:rPr lang="en-US" altLang="ja-JP" dirty="0" err="1" smtClean="0"/>
+              <a:t>c.pointer</a:t>
+            </a:r>
+            <a:endParaRPr lang="en-US" altLang="ja-JP" dirty="0" smtClean="0"/>
+          </a:p>
+          <a:p>
+            <a:pPr marL="342900" indent="-342900">
+              <a:buFont typeface="Arial"/>
+              <a:buChar char="•"/>
+            </a:pPr>
+            <a:r>
+              <a:rPr lang="en-US" altLang="ja-JP" dirty="0" err="1" smtClean="0"/>
+              <a:t>c.parameterdeclaration</a:t>
+            </a:r>
+            <a:endParaRPr lang="en-US" altLang="ja-JP" dirty="0" smtClean="0"/>
+          </a:p>
+          <a:p>
+            <a:pPr marL="342900" indent="-342900">
+              <a:buFont typeface="Arial"/>
+              <a:buChar char="•"/>
+            </a:pPr>
+            <a:r>
+              <a:rPr lang="en-US" altLang="ja-JP" dirty="0" err="1" smtClean="0"/>
+              <a:t>c.typename</a:t>
+            </a:r>
+            <a:endParaRPr lang="en-US" altLang="ja-JP" dirty="0" smtClean="0"/>
+          </a:p>
+          <a:p>
+            <a:pPr marL="342900" indent="-342900">
+              <a:buFont typeface="Arial"/>
+              <a:buChar char="•"/>
+            </a:pPr>
+            <a:r>
+              <a:rPr lang="en-US" altLang="ja-JP" dirty="0" err="1" smtClean="0"/>
+              <a:t>c.typedefname</a:t>
+            </a:r>
+            <a:endParaRPr lang="en-US" altLang="ja-JP" dirty="0" smtClean="0"/>
+          </a:p>
+          <a:p>
+            <a:pPr marL="342900" indent="-342900">
+              <a:buFont typeface="Arial"/>
+              <a:buChar char="•"/>
+            </a:pPr>
+            <a:r>
+              <a:rPr lang="en-US" altLang="ja-JP" dirty="0" err="1" smtClean="0"/>
+              <a:t>c.initializer</a:t>
+            </a:r>
+            <a:endParaRPr lang="en-US" altLang="ja-JP" dirty="0" smtClean="0"/>
+          </a:p>
+          <a:p>
+            <a:pPr marL="342900" indent="-342900">
+              <a:buFont typeface="Arial"/>
+              <a:buChar char="•"/>
+            </a:pPr>
+            <a:r>
+              <a:rPr lang="en-US" altLang="ja-JP" dirty="0" err="1" smtClean="0"/>
+              <a:t>c.expressionstatement</a:t>
+            </a:r>
+            <a:endParaRPr lang="en-US" altLang="ja-JP" dirty="0" smtClean="0"/>
+          </a:p>
+          <a:p>
+            <a:pPr marL="342900" indent="-342900">
+              <a:buFont typeface="Arial"/>
+              <a:buChar char="•"/>
+            </a:pPr>
+            <a:r>
+              <a:rPr lang="en-US" altLang="ja-JP" dirty="0" err="1" smtClean="0"/>
+              <a:t>c.ptr</a:t>
+            </a:r>
+            <a:endParaRPr lang="en-US" altLang="ja-JP" dirty="0" smtClean="0"/>
+          </a:p>
+          <a:p>
+            <a:pPr marL="342900" indent="-342900">
+              <a:buFont typeface="Arial"/>
+              <a:buChar char="•"/>
+            </a:pPr>
+            <a:r>
+              <a:rPr lang="en-US" altLang="ja-JP" dirty="0" err="1" smtClean="0"/>
+              <a:t>c.castexpression</a:t>
+            </a:r>
+            <a:endParaRPr lang="en-US" altLang="ja-JP" dirty="0" smtClean="0"/>
+          </a:p>
+          <a:p>
+            <a:pPr marL="342900" indent="-342900">
+              <a:buFont typeface="Arial"/>
+              <a:buChar char="•"/>
+            </a:pPr>
+            <a:r>
+              <a:rPr lang="en-US" altLang="ja-JP" dirty="0" err="1" smtClean="0"/>
+              <a:t>c.assignmentoperator</a:t>
+            </a:r>
+            <a:endParaRPr lang="en-US" altLang="ja-JP" dirty="0" smtClean="0"/>
+          </a:p>
+        </p:txBody>
+      </p:sp>
+    </p:spTree>
+    <p:extLst>
+      <p:ext uri="{BB962C8B-B14F-4D97-AF65-F5344CB8AC3E}">
+        <p14:creationId xmlns:p14="http://schemas.microsoft.com/office/powerpoint/2010/main" val="1923238651"/>
       </p:ext>
     </p:extLst>
   </p:cSld>
@@ -11603,35 +20247,7 @@
                 <a:latin typeface="Consolas"/>
                 <a:cs typeface="Consolas"/>
               </a:rPr>
-              <a:t>データ構造には型、もしくは意味を識別</a:t>
-            </a:r>
-            <a:r>
-              <a:rPr lang="ja-JP" altLang="en-US" dirty="0" smtClean="0">
-                <a:latin typeface="Consolas"/>
-                <a:cs typeface="Consolas"/>
-              </a:rPr>
-              <a:t>する</a:t>
-            </a:r>
-            <a:r>
-              <a:rPr lang="ja-JP" altLang="en-US" dirty="0" smtClean="0">
-                <a:latin typeface="Consolas"/>
-                <a:cs typeface="Consolas"/>
-              </a:rPr>
-              <a:t>タグ</a:t>
-            </a:r>
-            <a:r>
-              <a:rPr lang="ja-JP" altLang="en-US" dirty="0" smtClean="0">
-                <a:latin typeface="Consolas"/>
-                <a:cs typeface="Consolas"/>
-              </a:rPr>
-              <a:t>を</a:t>
-            </a:r>
-            <a:r>
-              <a:rPr lang="ja-JP" altLang="en-US" dirty="0" smtClean="0">
-                <a:latin typeface="Consolas"/>
-                <a:cs typeface="Consolas"/>
-              </a:rPr>
-              <a:t>つける</a:t>
+              <a:t>データ構造には型、もしくは意味を識別するタグをつける</a:t>
             </a:r>
             <a:endParaRPr lang="en-US" altLang="ja-JP" dirty="0" smtClean="0">
               <a:latin typeface="Consolas"/>
@@ -11859,35 +20475,7 @@
                 <a:latin typeface="Consolas"/>
                 <a:cs typeface="Consolas"/>
               </a:rPr>
-              <a:t>データ構造には型、もしくは意味を識別</a:t>
-            </a:r>
-            <a:r>
-              <a:rPr lang="ja-JP" altLang="en-US" dirty="0" smtClean="0">
-                <a:latin typeface="Consolas"/>
-                <a:cs typeface="Consolas"/>
-              </a:rPr>
-              <a:t>する</a:t>
-            </a:r>
-            <a:r>
-              <a:rPr lang="ja-JP" altLang="en-US" dirty="0" smtClean="0">
-                <a:latin typeface="Consolas"/>
-                <a:cs typeface="Consolas"/>
-              </a:rPr>
-              <a:t>タグ</a:t>
-            </a:r>
-            <a:r>
-              <a:rPr lang="ja-JP" altLang="en-US" dirty="0" smtClean="0">
-                <a:latin typeface="Consolas"/>
-                <a:cs typeface="Consolas"/>
-              </a:rPr>
-              <a:t>を</a:t>
-            </a:r>
-            <a:r>
-              <a:rPr lang="ja-JP" altLang="en-US" dirty="0" smtClean="0">
-                <a:latin typeface="Consolas"/>
-                <a:cs typeface="Consolas"/>
-              </a:rPr>
-              <a:t>つける</a:t>
+              <a:t>データ構造には型、もしくは意味を識別するタグをつける</a:t>
             </a:r>
             <a:endParaRPr lang="en-US" altLang="ja-JP" dirty="0" smtClean="0">
               <a:latin typeface="Consolas"/>
@@ -12229,14 +20817,7 @@
                 <a:latin typeface="Consolas"/>
                 <a:cs typeface="Consolas"/>
               </a:rPr>
-              <a:t>template </a:t>
-            </a:r>
-            <a:r>
-              <a:rPr lang="en-US" altLang="ja-JP" dirty="0" smtClean="0">
-                <a:latin typeface="Consolas"/>
-                <a:cs typeface="Consolas"/>
-              </a:rPr>
-              <a:t>#Tint32() : long {</a:t>
+              <a:t>template #Tint32() : long {</a:t>
             </a:r>
           </a:p>
           <a:p>
